--- a/MyPackage/ShinyApp/HomeScreen.pptx
+++ b/MyPackage/ShinyApp/HomeScreen.pptx
@@ -106,7 +106,7 @@
   </p:defaultTextStyle>
   <p:extLst>
     <p:ext uri="{EFAFB233-063F-42B5-8137-9DF3F51BA10A}">
-      <p15:sldGuideLst xmlns:p15="http://schemas.microsoft.com/office/powerpoint/2012/main" xmlns=""/>
+      <p15:sldGuideLst xmlns="" xmlns:p15="http://schemas.microsoft.com/office/powerpoint/2012/main"/>
     </p:ext>
   </p:extLst>
 </p:presentation>
@@ -243,7 +243,7 @@
           <a:p>
             <a:fld id="{C3EA6240-1202-E147-8B12-415DCA4BDBE3}" type="datetimeFigureOut">
               <a:rPr lang="en-US" smtClean="0"/>
-              <a:t>8/8/17</a:t>
+              <a:t>15/11/17</a:t>
             </a:fld>
             <a:endParaRPr lang="en-US"/>
           </a:p>
@@ -408,7 +408,7 @@
           <a:p>
             <a:fld id="{C3EA6240-1202-E147-8B12-415DCA4BDBE3}" type="datetimeFigureOut">
               <a:rPr lang="en-US" smtClean="0"/>
-              <a:t>8/8/17</a:t>
+              <a:t>15/11/17</a:t>
             </a:fld>
             <a:endParaRPr lang="en-US"/>
           </a:p>
@@ -583,7 +583,7 @@
           <a:p>
             <a:fld id="{C3EA6240-1202-E147-8B12-415DCA4BDBE3}" type="datetimeFigureOut">
               <a:rPr lang="en-US" smtClean="0"/>
-              <a:t>8/8/17</a:t>
+              <a:t>15/11/17</a:t>
             </a:fld>
             <a:endParaRPr lang="en-US"/>
           </a:p>
@@ -748,7 +748,7 @@
           <a:p>
             <a:fld id="{C3EA6240-1202-E147-8B12-415DCA4BDBE3}" type="datetimeFigureOut">
               <a:rPr lang="en-US" smtClean="0"/>
-              <a:t>8/8/17</a:t>
+              <a:t>15/11/17</a:t>
             </a:fld>
             <a:endParaRPr lang="en-US"/>
           </a:p>
@@ -987,7 +987,7 @@
           <a:p>
             <a:fld id="{C3EA6240-1202-E147-8B12-415DCA4BDBE3}" type="datetimeFigureOut">
               <a:rPr lang="en-US" smtClean="0"/>
-              <a:t>8/8/17</a:t>
+              <a:t>15/11/17</a:t>
             </a:fld>
             <a:endParaRPr lang="en-US"/>
           </a:p>
@@ -1214,7 +1214,7 @@
           <a:p>
             <a:fld id="{C3EA6240-1202-E147-8B12-415DCA4BDBE3}" type="datetimeFigureOut">
               <a:rPr lang="en-US" smtClean="0"/>
-              <a:t>8/8/17</a:t>
+              <a:t>15/11/17</a:t>
             </a:fld>
             <a:endParaRPr lang="en-US"/>
           </a:p>
@@ -1576,7 +1576,7 @@
           <a:p>
             <a:fld id="{C3EA6240-1202-E147-8B12-415DCA4BDBE3}" type="datetimeFigureOut">
               <a:rPr lang="en-US" smtClean="0"/>
-              <a:t>8/8/17</a:t>
+              <a:t>15/11/17</a:t>
             </a:fld>
             <a:endParaRPr lang="en-US"/>
           </a:p>
@@ -1689,7 +1689,7 @@
           <a:p>
             <a:fld id="{C3EA6240-1202-E147-8B12-415DCA4BDBE3}" type="datetimeFigureOut">
               <a:rPr lang="en-US" smtClean="0"/>
-              <a:t>8/8/17</a:t>
+              <a:t>15/11/17</a:t>
             </a:fld>
             <a:endParaRPr lang="en-US"/>
           </a:p>
@@ -1779,7 +1779,7 @@
           <a:p>
             <a:fld id="{C3EA6240-1202-E147-8B12-415DCA4BDBE3}" type="datetimeFigureOut">
               <a:rPr lang="en-US" smtClean="0"/>
-              <a:t>8/8/17</a:t>
+              <a:t>15/11/17</a:t>
             </a:fld>
             <a:endParaRPr lang="en-US"/>
           </a:p>
@@ -2051,7 +2051,7 @@
           <a:p>
             <a:fld id="{C3EA6240-1202-E147-8B12-415DCA4BDBE3}" type="datetimeFigureOut">
               <a:rPr lang="en-US" smtClean="0"/>
-              <a:t>8/8/17</a:t>
+              <a:t>15/11/17</a:t>
             </a:fld>
             <a:endParaRPr lang="en-US"/>
           </a:p>
@@ -2303,7 +2303,7 @@
           <a:p>
             <a:fld id="{C3EA6240-1202-E147-8B12-415DCA4BDBE3}" type="datetimeFigureOut">
               <a:rPr lang="en-US" smtClean="0"/>
-              <a:t>8/8/17</a:t>
+              <a:t>15/11/17</a:t>
             </a:fld>
             <a:endParaRPr lang="en-US"/>
           </a:p>
@@ -2511,7 +2511,7 @@
           <a:p>
             <a:fld id="{C3EA6240-1202-E147-8B12-415DCA4BDBE3}" type="datetimeFigureOut">
               <a:rPr lang="en-US" smtClean="0"/>
-              <a:t>8/8/17</a:t>
+              <a:t>15/11/17</a:t>
             </a:fld>
             <a:endParaRPr lang="en-US"/>
           </a:p>
@@ -3221,8 +3221,8 @@
         </p:nvSpPr>
         <p:spPr>
           <a:xfrm>
-            <a:off x="333736" y="2898685"/>
-            <a:ext cx="3288858" cy="4611226"/>
+            <a:off x="333736" y="2898686"/>
+            <a:ext cx="2295066" cy="3094959"/>
           </a:xfrm>
           <a:prstGeom prst="rect">
             <a:avLst/>
@@ -3232,7 +3232,7 @@
           </a:solidFill>
           <a:ln>
             <a:solidFill>
-              <a:srgbClr val="7F7F7F"/>
+              <a:schemeClr val="tx1"/>
             </a:solidFill>
           </a:ln>
         </p:spPr>
@@ -3270,7 +3270,7 @@
         <p:spPr>
           <a:xfrm>
             <a:off x="333736" y="2606299"/>
-            <a:ext cx="3288858" cy="584775"/>
+            <a:ext cx="2295066" cy="503999"/>
           </a:xfrm>
           <a:prstGeom prst="roundRect">
             <a:avLst/>
@@ -3315,8 +3315,8 @@
         </p:nvSpPr>
         <p:spPr>
           <a:xfrm>
-            <a:off x="488720" y="2606299"/>
-            <a:ext cx="2836930" cy="584775"/>
+            <a:off x="338247" y="2625489"/>
+            <a:ext cx="2274039" cy="461665"/>
           </a:xfrm>
           <a:prstGeom prst="rect">
             <a:avLst/>
@@ -3324,13 +3324,13 @@
           <a:noFill/>
         </p:spPr>
         <p:txBody>
-          <a:bodyPr wrap="none" rtlCol="0">
+          <a:bodyPr wrap="square" rtlCol="0">
             <a:spAutoFit/>
           </a:bodyPr>
           <a:lstStyle/>
           <a:p>
             <a:r>
-              <a:rPr lang="en-US" sz="3200" b="1" cap="small" dirty="0">
+              <a:rPr lang="en-US" sz="2400" b="1" cap="small" dirty="0">
                 <a:solidFill>
                   <a:schemeClr val="bg1"/>
                 </a:solidFill>
@@ -3340,7 +3340,7 @@
               <a:t>Read</a:t>
             </a:r>
             <a:r>
-              <a:rPr lang="en-US" sz="3200" cap="small" dirty="0">
+              <a:rPr lang="en-US" sz="2400" cap="small" dirty="0">
                 <a:solidFill>
                   <a:schemeClr val="bg1"/>
                 </a:solidFill>
@@ -3350,7 +3350,7 @@
               <a:t> </a:t>
             </a:r>
             <a:r>
-              <a:rPr lang="en-US" sz="3200" i="1" dirty="0">
+              <a:rPr lang="en-US" sz="2400" i="1" dirty="0">
                 <a:solidFill>
                   <a:schemeClr val="bg1"/>
                 </a:solidFill>
@@ -3359,52 +3359,6 @@
               </a:rPr>
               <a:t>Genotypes</a:t>
             </a:r>
-          </a:p>
-        </p:txBody>
-      </p:sp>
-      <p:sp>
-        <p:nvSpPr>
-          <p:cNvPr id="29" name="Rectangle 28"/>
-          <p:cNvSpPr/>
-          <p:nvPr/>
-        </p:nvSpPr>
-        <p:spPr>
-          <a:xfrm>
-            <a:off x="827007" y="4799300"/>
-            <a:ext cx="1782306" cy="2570536"/>
-          </a:xfrm>
-          <a:prstGeom prst="rect">
-            <a:avLst/>
-          </a:prstGeom>
-          <a:solidFill>
-            <a:schemeClr val="bg1"/>
-          </a:solidFill>
-          <a:ln>
-            <a:noFill/>
-          </a:ln>
-        </p:spPr>
-        <p:style>
-          <a:lnRef idx="2">
-            <a:schemeClr val="accent1">
-              <a:shade val="50000"/>
-            </a:schemeClr>
-          </a:lnRef>
-          <a:fillRef idx="1">
-            <a:schemeClr val="accent1"/>
-          </a:fillRef>
-          <a:effectRef idx="0">
-            <a:schemeClr val="accent1"/>
-          </a:effectRef>
-          <a:fontRef idx="minor">
-            <a:schemeClr val="lt1"/>
-          </a:fontRef>
-        </p:style>
-        <p:txBody>
-          <a:bodyPr rtlCol="0" anchor="ctr"/>
-          <a:lstStyle/>
-          <a:p>
-            <a:pPr algn="ctr"/>
-            <a:endParaRPr lang="en-US"/>
           </a:p>
         </p:txBody>
       </p:sp>
@@ -3417,14 +3371,14 @@
           <p:nvPr>
             <p:extLst>
               <p:ext uri="{D42A27DB-BD31-4B8C-83A1-F6EECF244321}">
-                <p14:modId xmlns:p14="http://schemas.microsoft.com/office/powerpoint/2010/main" val="55083003"/>
+                <p14:modId xmlns:p14="http://schemas.microsoft.com/office/powerpoint/2010/main" val="2179420818"/>
               </p:ext>
             </p:extLst>
           </p:nvPr>
         </p:nvGraphicFramePr>
         <p:xfrm>
-          <a:off x="919051" y="4916168"/>
-          <a:ext cx="1611456" cy="2336800"/>
+          <a:off x="672692" y="4911485"/>
+          <a:ext cx="1611456" cy="911140"/>
         </p:xfrm>
         <a:graphic>
           <a:graphicData uri="http://schemas.openxmlformats.org/drawingml/2006/table">
@@ -3450,12 +3404,12 @@
                     <a:p>
                       <a:pPr algn="l"/>
                       <a:r>
-                        <a:rPr lang="en-US" sz="1200" b="0" baseline="0" dirty="0" smtClean="0">
+                        <a:rPr lang="en-US" sz="1000" b="0" baseline="0" dirty="0" smtClean="0">
                           <a:effectLst/>
                         </a:rPr>
                         <a:t>0</a:t>
                       </a:r>
-                      <a:endParaRPr lang="en-US" sz="1200" b="0" baseline="0" dirty="0">
+                      <a:endParaRPr lang="en-US" sz="1000" b="0" baseline="0" dirty="0">
                         <a:effectLst/>
                       </a:endParaRPr>
                     </a:p>
@@ -3490,12 +3444,12 @@
                     <a:p>
                       <a:pPr algn="l"/>
                       <a:r>
-                        <a:rPr lang="en-US" sz="1200" b="0" baseline="0" dirty="0" smtClean="0">
+                        <a:rPr lang="en-US" sz="1000" b="0" baseline="0" dirty="0" smtClean="0">
                           <a:effectLst/>
                         </a:rPr>
                         <a:t>0</a:t>
                       </a:r>
-                      <a:endParaRPr lang="en-US" sz="1200" b="0" baseline="0" dirty="0">
+                      <a:endParaRPr lang="en-US" sz="1000" b="0" baseline="0" dirty="0">
                         <a:effectLst/>
                       </a:endParaRPr>
                     </a:p>
@@ -3530,12 +3484,12 @@
                     <a:p>
                       <a:pPr algn="l"/>
                       <a:r>
-                        <a:rPr lang="en-US" sz="1200" b="0" baseline="0" dirty="0" smtClean="0">
+                        <a:rPr lang="en-US" sz="1000" b="0" baseline="0" dirty="0" smtClean="0">
                           <a:effectLst/>
                         </a:rPr>
                         <a:t>1</a:t>
                       </a:r>
-                      <a:endParaRPr lang="en-US" sz="1200" b="0" baseline="0" dirty="0">
+                      <a:endParaRPr lang="en-US" sz="1000" b="0" baseline="0" dirty="0">
                         <a:effectLst/>
                       </a:endParaRPr>
                     </a:p>
@@ -3570,12 +3524,12 @@
                     <a:p>
                       <a:pPr algn="l"/>
                       <a:r>
-                        <a:rPr lang="en-US" sz="1200" b="0" baseline="0" dirty="0" smtClean="0">
+                        <a:rPr lang="en-US" sz="1000" b="0" baseline="0" dirty="0" smtClean="0">
                           <a:effectLst/>
                         </a:rPr>
                         <a:t>1</a:t>
                       </a:r>
-                      <a:endParaRPr lang="en-US" sz="1200" b="0" baseline="0" dirty="0">
+                      <a:endParaRPr lang="en-US" sz="1000" b="0" baseline="0" dirty="0">
                         <a:effectLst/>
                       </a:endParaRPr>
                     </a:p>
@@ -3610,12 +3564,12 @@
                     <a:p>
                       <a:pPr algn="l"/>
                       <a:r>
-                        <a:rPr lang="en-US" sz="1200" b="0" baseline="0" dirty="0" smtClean="0">
+                        <a:rPr lang="en-US" sz="1000" b="0" baseline="0" dirty="0" smtClean="0">
                           <a:effectLst/>
                         </a:rPr>
                         <a:t>0</a:t>
                       </a:r>
-                      <a:endParaRPr lang="en-US" sz="1200" b="0" baseline="0" dirty="0">
+                      <a:endParaRPr lang="en-US" sz="1000" b="0" baseline="0" dirty="0">
                         <a:effectLst/>
                       </a:endParaRPr>
                     </a:p>
@@ -3650,12 +3604,12 @@
                     <a:p>
                       <a:pPr algn="l"/>
                       <a:r>
-                        <a:rPr lang="en-US" sz="1200" b="0" baseline="0" dirty="0" smtClean="0">
+                        <a:rPr lang="en-US" sz="1000" b="0" baseline="0" dirty="0" smtClean="0">
                           <a:effectLst/>
                         </a:rPr>
                         <a:t>1</a:t>
                       </a:r>
-                      <a:endParaRPr lang="en-US" sz="1200" b="0" baseline="0" dirty="0">
+                      <a:endParaRPr lang="en-US" sz="1000" b="0" baseline="0" dirty="0">
                         <a:effectLst/>
                       </a:endParaRPr>
                     </a:p>
@@ -3690,12 +3644,12 @@
                     <a:p>
                       <a:pPr algn="l"/>
                       <a:r>
-                        <a:rPr lang="en-US" sz="1200" b="0" baseline="0" dirty="0" smtClean="0">
+                        <a:rPr lang="en-US" sz="1000" b="0" baseline="0" dirty="0" smtClean="0">
                           <a:effectLst/>
                         </a:rPr>
                         <a:t>1</a:t>
                       </a:r>
-                      <a:endParaRPr lang="en-US" sz="1200" b="0" baseline="0" dirty="0">
+                      <a:endParaRPr lang="en-US" sz="1000" b="0" baseline="0" dirty="0">
                         <a:effectLst/>
                       </a:endParaRPr>
                     </a:p>
@@ -3730,12 +3684,12 @@
                     <a:p>
                       <a:pPr algn="l"/>
                       <a:r>
-                        <a:rPr lang="en-US" sz="1200" b="0" baseline="0" dirty="0" smtClean="0">
+                        <a:rPr lang="en-US" sz="1000" b="0" baseline="0" dirty="0" smtClean="0">
                           <a:effectLst/>
                         </a:rPr>
                         <a:t>1</a:t>
                       </a:r>
-                      <a:endParaRPr lang="en-US" sz="1200" b="0" baseline="0" dirty="0">
+                      <a:endParaRPr lang="en-US" sz="1000" b="0" baseline="0" dirty="0">
                         <a:effectLst/>
                       </a:endParaRPr>
                     </a:p>
@@ -3772,12 +3726,12 @@
                     <a:p>
                       <a:pPr algn="l"/>
                       <a:r>
-                        <a:rPr lang="en-US" sz="1200" baseline="0" dirty="0" smtClean="0">
+                        <a:rPr lang="en-US" sz="1000" baseline="0" dirty="0" smtClean="0">
                           <a:effectLst/>
                         </a:rPr>
                         <a:t>0</a:t>
                       </a:r>
-                      <a:endParaRPr lang="en-US" sz="1200" baseline="0" dirty="0">
+                      <a:endParaRPr lang="en-US" sz="1000" baseline="0" dirty="0">
                         <a:effectLst/>
                       </a:endParaRPr>
                     </a:p>
@@ -3812,12 +3766,12 @@
                     <a:p>
                       <a:pPr algn="l"/>
                       <a:r>
-                        <a:rPr lang="en-US" sz="1200" baseline="0" dirty="0" smtClean="0">
+                        <a:rPr lang="en-US" sz="1000" baseline="0" dirty="0" smtClean="0">
                           <a:effectLst/>
                         </a:rPr>
                         <a:t>0</a:t>
                       </a:r>
-                      <a:endParaRPr lang="en-US" sz="1200" baseline="0" dirty="0">
+                      <a:endParaRPr lang="en-US" sz="1000" baseline="0" dirty="0">
                         <a:effectLst/>
                       </a:endParaRPr>
                     </a:p>
@@ -3852,12 +3806,12 @@
                     <a:p>
                       <a:pPr algn="l"/>
                       <a:r>
-                        <a:rPr lang="en-US" sz="1200" baseline="0" dirty="0" smtClean="0">
+                        <a:rPr lang="en-US" sz="1000" baseline="0" dirty="0" smtClean="0">
                           <a:effectLst/>
                         </a:rPr>
                         <a:t>1</a:t>
                       </a:r>
-                      <a:endParaRPr lang="en-US" sz="1200" baseline="0" dirty="0">
+                      <a:endParaRPr lang="en-US" sz="1000" baseline="0" dirty="0">
                         <a:effectLst/>
                       </a:endParaRPr>
                     </a:p>
@@ -3892,12 +3846,12 @@
                     <a:p>
                       <a:pPr algn="l"/>
                       <a:r>
-                        <a:rPr lang="en-US" sz="1200" baseline="0" dirty="0" smtClean="0">
+                        <a:rPr lang="en-US" sz="1000" baseline="0" dirty="0" smtClean="0">
                           <a:effectLst/>
                         </a:rPr>
                         <a:t>1</a:t>
                       </a:r>
-                      <a:endParaRPr lang="en-US" sz="1200" baseline="0" dirty="0">
+                      <a:endParaRPr lang="en-US" sz="1000" baseline="0" dirty="0">
                         <a:effectLst/>
                       </a:endParaRPr>
                     </a:p>
@@ -3932,12 +3886,12 @@
                     <a:p>
                       <a:pPr algn="l"/>
                       <a:r>
-                        <a:rPr lang="en-US" sz="1200" baseline="0" dirty="0" smtClean="0">
+                        <a:rPr lang="en-US" sz="1000" baseline="0" dirty="0" smtClean="0">
                           <a:effectLst/>
                         </a:rPr>
                         <a:t>0</a:t>
                       </a:r>
-                      <a:endParaRPr lang="en-US" sz="1200" baseline="0" dirty="0">
+                      <a:endParaRPr lang="en-US" sz="1000" baseline="0" dirty="0">
                         <a:effectLst/>
                       </a:endParaRPr>
                     </a:p>
@@ -3972,12 +3926,12 @@
                     <a:p>
                       <a:pPr algn="l"/>
                       <a:r>
-                        <a:rPr lang="en-US" sz="1200" baseline="0" dirty="0" smtClean="0">
+                        <a:rPr lang="en-US" sz="1000" baseline="0" dirty="0" smtClean="0">
                           <a:effectLst/>
                         </a:rPr>
                         <a:t>1</a:t>
                       </a:r>
-                      <a:endParaRPr lang="en-US" sz="1200" baseline="0" dirty="0">
+                      <a:endParaRPr lang="en-US" sz="1000" baseline="0" dirty="0">
                         <a:effectLst/>
                       </a:endParaRPr>
                     </a:p>
@@ -4012,12 +3966,12 @@
                     <a:p>
                       <a:pPr algn="l"/>
                       <a:r>
-                        <a:rPr lang="en-US" sz="1200" baseline="0" dirty="0" smtClean="0">
+                        <a:rPr lang="en-US" sz="1000" baseline="0" dirty="0" smtClean="0">
                           <a:effectLst/>
                         </a:rPr>
                         <a:t>1</a:t>
                       </a:r>
-                      <a:endParaRPr lang="en-US" sz="1200" baseline="0" dirty="0">
+                      <a:endParaRPr lang="en-US" sz="1000" baseline="0" dirty="0">
                         <a:effectLst/>
                       </a:endParaRPr>
                     </a:p>
@@ -4052,12 +4006,12 @@
                     <a:p>
                       <a:pPr algn="l"/>
                       <a:r>
-                        <a:rPr lang="en-US" sz="1200" baseline="0" dirty="0" smtClean="0">
+                        <a:rPr lang="en-US" sz="1000" baseline="0" dirty="0" smtClean="0">
                           <a:effectLst/>
                         </a:rPr>
                         <a:t>1</a:t>
                       </a:r>
-                      <a:endParaRPr lang="en-US" sz="1200" baseline="0" dirty="0">
+                      <a:endParaRPr lang="en-US" sz="1000" baseline="0" dirty="0">
                         <a:effectLst/>
                       </a:endParaRPr>
                     </a:p>
@@ -4094,12 +4048,12 @@
                     <a:p>
                       <a:pPr algn="l"/>
                       <a:r>
-                        <a:rPr lang="en-US" sz="1200" baseline="0" dirty="0" smtClean="0">
+                        <a:rPr lang="en-US" sz="1000" baseline="0" dirty="0" smtClean="0">
                           <a:effectLst/>
                         </a:rPr>
                         <a:t>0</a:t>
                       </a:r>
-                      <a:endParaRPr lang="en-US" sz="1200" baseline="0" dirty="0">
+                      <a:endParaRPr lang="en-US" sz="1000" baseline="0" dirty="0">
                         <a:effectLst/>
                       </a:endParaRPr>
                     </a:p>
@@ -4134,12 +4088,12 @@
                     <a:p>
                       <a:pPr algn="l"/>
                       <a:r>
-                        <a:rPr lang="en-US" sz="1200" baseline="0" dirty="0" smtClean="0">
+                        <a:rPr lang="en-US" sz="1000" baseline="0" dirty="0" smtClean="0">
                           <a:effectLst/>
                         </a:rPr>
                         <a:t>0</a:t>
                       </a:r>
-                      <a:endParaRPr lang="en-US" sz="1200" baseline="0" dirty="0">
+                      <a:endParaRPr lang="en-US" sz="1000" baseline="0" dirty="0">
                         <a:effectLst/>
                       </a:endParaRPr>
                     </a:p>
@@ -4174,12 +4128,12 @@
                     <a:p>
                       <a:pPr algn="l"/>
                       <a:r>
-                        <a:rPr lang="en-US" sz="1200" baseline="0" dirty="0" smtClean="0">
+                        <a:rPr lang="en-US" sz="1000" baseline="0" dirty="0" smtClean="0">
                           <a:effectLst/>
                         </a:rPr>
                         <a:t>1</a:t>
                       </a:r>
-                      <a:endParaRPr lang="en-US" sz="1200" baseline="0" dirty="0">
+                      <a:endParaRPr lang="en-US" sz="1000" baseline="0" dirty="0">
                         <a:effectLst/>
                       </a:endParaRPr>
                     </a:p>
@@ -4214,12 +4168,12 @@
                     <a:p>
                       <a:pPr algn="l"/>
                       <a:r>
-                        <a:rPr lang="en-US" sz="1200" baseline="0" dirty="0" smtClean="0">
+                        <a:rPr lang="en-US" sz="1000" baseline="0" dirty="0" smtClean="0">
                           <a:effectLst/>
                         </a:rPr>
                         <a:t>0</a:t>
                       </a:r>
-                      <a:endParaRPr lang="en-US" sz="1200" baseline="0" dirty="0">
+                      <a:endParaRPr lang="en-US" sz="1000" baseline="0" dirty="0">
                         <a:effectLst/>
                       </a:endParaRPr>
                     </a:p>
@@ -4254,12 +4208,12 @@
                     <a:p>
                       <a:pPr algn="l"/>
                       <a:r>
-                        <a:rPr lang="en-US" sz="1200" baseline="0" dirty="0" smtClean="0">
+                        <a:rPr lang="en-US" sz="1000" baseline="0" dirty="0" smtClean="0">
                           <a:effectLst/>
                         </a:rPr>
                         <a:t>0</a:t>
                       </a:r>
-                      <a:endParaRPr lang="en-US" sz="1200" baseline="0" dirty="0">
+                      <a:endParaRPr lang="en-US" sz="1000" baseline="0" dirty="0">
                         <a:effectLst/>
                       </a:endParaRPr>
                     </a:p>
@@ -4294,12 +4248,12 @@
                     <a:p>
                       <a:pPr algn="l"/>
                       <a:r>
-                        <a:rPr lang="en-US" sz="1200" baseline="0" dirty="0" smtClean="0">
+                        <a:rPr lang="en-US" sz="1000" baseline="0" dirty="0" smtClean="0">
                           <a:effectLst/>
                         </a:rPr>
                         <a:t>1</a:t>
                       </a:r>
-                      <a:endParaRPr lang="en-US" sz="1200" baseline="0" dirty="0">
+                      <a:endParaRPr lang="en-US" sz="1000" baseline="0" dirty="0">
                         <a:effectLst/>
                       </a:endParaRPr>
                     </a:p>
@@ -4334,12 +4288,12 @@
                     <a:p>
                       <a:pPr algn="l"/>
                       <a:r>
-                        <a:rPr lang="en-US" sz="1200" baseline="0" dirty="0" smtClean="0">
+                        <a:rPr lang="en-US" sz="1000" baseline="0" dirty="0" smtClean="0">
                           <a:effectLst/>
                         </a:rPr>
                         <a:t>1</a:t>
                       </a:r>
-                      <a:endParaRPr lang="en-US" sz="1200" baseline="0" dirty="0">
+                      <a:endParaRPr lang="en-US" sz="1000" baseline="0" dirty="0">
                         <a:effectLst/>
                       </a:endParaRPr>
                     </a:p>
@@ -4374,12 +4328,12 @@
                     <a:p>
                       <a:pPr algn="l"/>
                       <a:r>
-                        <a:rPr lang="en-US" sz="1200" baseline="0" dirty="0" smtClean="0">
+                        <a:rPr lang="en-US" sz="1000" baseline="0" dirty="0" smtClean="0">
                           <a:effectLst/>
                         </a:rPr>
                         <a:t>0</a:t>
                       </a:r>
-                      <a:endParaRPr lang="en-US" sz="1200" baseline="0" dirty="0">
+                      <a:endParaRPr lang="en-US" sz="1000" baseline="0" dirty="0">
                         <a:effectLst/>
                       </a:endParaRPr>
                     </a:p>
@@ -4416,12 +4370,12 @@
                     <a:p>
                       <a:pPr algn="l"/>
                       <a:r>
-                        <a:rPr lang="en-US" sz="1200" baseline="0" dirty="0" smtClean="0">
+                        <a:rPr lang="en-US" sz="1000" baseline="0" dirty="0" smtClean="0">
                           <a:effectLst/>
                         </a:rPr>
                         <a:t>0</a:t>
                       </a:r>
-                      <a:endParaRPr lang="en-US" sz="1200" baseline="0" dirty="0">
+                      <a:endParaRPr lang="en-US" sz="1000" baseline="0" dirty="0">
                         <a:effectLst/>
                       </a:endParaRPr>
                     </a:p>
@@ -4456,12 +4410,12 @@
                     <a:p>
                       <a:pPr algn="l"/>
                       <a:r>
-                        <a:rPr lang="is-IS" sz="1200" baseline="0" dirty="0" smtClean="0">
+                        <a:rPr lang="is-IS" sz="1000" baseline="0" dirty="0" smtClean="0">
                           <a:effectLst/>
                         </a:rPr>
                         <a:t>2</a:t>
                       </a:r>
-                      <a:endParaRPr lang="en-US" sz="1200" baseline="0" dirty="0">
+                      <a:endParaRPr lang="en-US" sz="1000" baseline="0" dirty="0">
                         <a:effectLst/>
                       </a:endParaRPr>
                     </a:p>
@@ -4496,12 +4450,12 @@
                     <a:p>
                       <a:pPr algn="l"/>
                       <a:r>
-                        <a:rPr lang="en-US" sz="1200" baseline="0" dirty="0" smtClean="0">
+                        <a:rPr lang="en-US" sz="1000" baseline="0" dirty="0" smtClean="0">
                           <a:effectLst/>
                         </a:rPr>
                         <a:t>1</a:t>
                       </a:r>
-                      <a:endParaRPr lang="en-US" sz="1200" baseline="0" dirty="0">
+                      <a:endParaRPr lang="en-US" sz="1000" baseline="0" dirty="0">
                         <a:effectLst/>
                       </a:endParaRPr>
                     </a:p>
@@ -4536,12 +4490,12 @@
                     <a:p>
                       <a:pPr algn="l"/>
                       <a:r>
-                        <a:rPr lang="en-US" sz="1200" baseline="0" dirty="0" smtClean="0">
+                        <a:rPr lang="en-US" sz="1000" baseline="0" dirty="0" smtClean="0">
                           <a:effectLst/>
                         </a:rPr>
                         <a:t>1</a:t>
                       </a:r>
-                      <a:endParaRPr lang="en-US" sz="1200" baseline="0" dirty="0">
+                      <a:endParaRPr lang="en-US" sz="1000" baseline="0" dirty="0">
                         <a:effectLst/>
                       </a:endParaRPr>
                     </a:p>
@@ -4576,12 +4530,12 @@
                     <a:p>
                       <a:pPr algn="l"/>
                       <a:r>
-                        <a:rPr lang="en-US" sz="1200" baseline="0" dirty="0" smtClean="0">
+                        <a:rPr lang="en-US" sz="1000" baseline="0" dirty="0" smtClean="0">
                           <a:effectLst/>
                         </a:rPr>
                         <a:t>0</a:t>
                       </a:r>
-                      <a:endParaRPr lang="en-US" sz="1200" baseline="0" dirty="0">
+                      <a:endParaRPr lang="en-US" sz="1000" baseline="0" dirty="0">
                         <a:effectLst/>
                       </a:endParaRPr>
                     </a:p>
@@ -4616,12 +4570,12 @@
                     <a:p>
                       <a:pPr algn="l"/>
                       <a:r>
-                        <a:rPr lang="en-US" sz="1200" baseline="0" dirty="0" smtClean="0">
+                        <a:rPr lang="en-US" sz="1000" baseline="0" dirty="0" smtClean="0">
                           <a:effectLst/>
                         </a:rPr>
                         <a:t>1</a:t>
                       </a:r>
-                      <a:endParaRPr lang="en-US" sz="1200" baseline="0" dirty="0">
+                      <a:endParaRPr lang="en-US" sz="1000" baseline="0" dirty="0">
                         <a:effectLst/>
                       </a:endParaRPr>
                     </a:p>
@@ -4656,12 +4610,12 @@
                     <a:p>
                       <a:pPr algn="l"/>
                       <a:r>
-                        <a:rPr lang="en-US" sz="1200" baseline="0" dirty="0" smtClean="0">
+                        <a:rPr lang="en-US" sz="1000" baseline="0" dirty="0" smtClean="0">
                           <a:effectLst/>
                         </a:rPr>
                         <a:t>1</a:t>
                       </a:r>
-                      <a:endParaRPr lang="en-US" sz="1200" baseline="0" dirty="0">
+                      <a:endParaRPr lang="en-US" sz="1000" baseline="0" dirty="0">
                         <a:effectLst/>
                       </a:endParaRPr>
                     </a:p>
@@ -4696,1944 +4650,12 @@
                     <a:p>
                       <a:pPr algn="l"/>
                       <a:r>
-                        <a:rPr lang="en-US" sz="1200" baseline="0" dirty="0" smtClean="0">
+                        <a:rPr lang="en-US" sz="1000" baseline="0" dirty="0" smtClean="0">
                           <a:effectLst/>
                         </a:rPr>
                         <a:t>1</a:t>
                       </a:r>
-                      <a:endParaRPr lang="en-US" sz="1200" baseline="0" dirty="0">
-                        <a:effectLst/>
-                      </a:endParaRPr>
-                    </a:p>
-                  </a:txBody>
-                  <a:tcPr marL="50800" marR="50800" marT="25400" marB="25400" anchor="b">
-                    <a:lnL w="12700" cmpd="sng">
-                      <a:noFill/>
-                    </a:lnL>
-                    <a:lnR w="12700" cmpd="sng">
-                      <a:noFill/>
-                    </a:lnR>
-                    <a:lnT w="12700" cmpd="sng">
-                      <a:noFill/>
-                    </a:lnT>
-                    <a:lnB w="12700" cmpd="sng">
-                      <a:noFill/>
-                    </a:lnB>
-                    <a:lnTlToBr w="12700" cmpd="sng">
-                      <a:noFill/>
-                      <a:prstDash val="solid"/>
-                    </a:lnTlToBr>
-                    <a:lnBlToTr w="12700" cmpd="sng">
-                      <a:noFill/>
-                      <a:prstDash val="solid"/>
-                    </a:lnBlToTr>
-                  </a:tcPr>
-                </a:tc>
-              </a:tr>
-              <a:tr h="227785">
-                <a:tc>
-                  <a:txBody>
-                    <a:bodyPr/>
-                    <a:lstStyle/>
-                    <a:p>
-                      <a:pPr algn="l"/>
-                      <a:r>
-                        <a:rPr lang="en-US" sz="1200" baseline="0" dirty="0" smtClean="0">
-                          <a:effectLst/>
-                        </a:rPr>
-                        <a:t>1</a:t>
-                      </a:r>
-                      <a:endParaRPr lang="en-US" sz="1200" baseline="0" dirty="0">
-                        <a:effectLst/>
-                      </a:endParaRPr>
-                    </a:p>
-                  </a:txBody>
-                  <a:tcPr marL="50800" marR="50800" marT="25400" marB="25400" anchor="b">
-                    <a:lnL w="12700" cmpd="sng">
-                      <a:noFill/>
-                    </a:lnL>
-                    <a:lnR w="12700" cmpd="sng">
-                      <a:noFill/>
-                    </a:lnR>
-                    <a:lnT w="12700" cmpd="sng">
-                      <a:noFill/>
-                    </a:lnT>
-                    <a:lnB w="12700" cmpd="sng">
-                      <a:noFill/>
-                    </a:lnB>
-                    <a:lnTlToBr w="12700" cmpd="sng">
-                      <a:noFill/>
-                      <a:prstDash val="solid"/>
-                    </a:lnTlToBr>
-                    <a:lnBlToTr w="12700" cmpd="sng">
-                      <a:noFill/>
-                      <a:prstDash val="solid"/>
-                    </a:lnBlToTr>
-                  </a:tcPr>
-                </a:tc>
-                <a:tc>
-                  <a:txBody>
-                    <a:bodyPr/>
-                    <a:lstStyle/>
-                    <a:p>
-                      <a:pPr algn="l"/>
-                      <a:r>
-                        <a:rPr lang="is-IS" sz="1200" baseline="0" dirty="0" smtClean="0">
-                          <a:effectLst/>
-                        </a:rPr>
-                        <a:t>2</a:t>
-                      </a:r>
-                      <a:endParaRPr lang="en-US" sz="1200" baseline="0" dirty="0">
-                        <a:effectLst/>
-                      </a:endParaRPr>
-                    </a:p>
-                  </a:txBody>
-                  <a:tcPr marL="50800" marR="50800" marT="25400" marB="25400" anchor="b">
-                    <a:lnL w="12700" cmpd="sng">
-                      <a:noFill/>
-                    </a:lnL>
-                    <a:lnR w="12700" cmpd="sng">
-                      <a:noFill/>
-                    </a:lnR>
-                    <a:lnT w="12700" cmpd="sng">
-                      <a:noFill/>
-                    </a:lnT>
-                    <a:lnB w="12700" cmpd="sng">
-                      <a:noFill/>
-                    </a:lnB>
-                    <a:lnTlToBr w="12700" cmpd="sng">
-                      <a:noFill/>
-                      <a:prstDash val="solid"/>
-                    </a:lnTlToBr>
-                    <a:lnBlToTr w="12700" cmpd="sng">
-                      <a:noFill/>
-                      <a:prstDash val="solid"/>
-                    </a:lnBlToTr>
-                  </a:tcPr>
-                </a:tc>
-                <a:tc>
-                  <a:txBody>
-                    <a:bodyPr/>
-                    <a:lstStyle/>
-                    <a:p>
-                      <a:pPr algn="l"/>
-                      <a:r>
-                        <a:rPr lang="en-US" sz="1200" baseline="0" dirty="0" smtClean="0">
-                          <a:effectLst/>
-                        </a:rPr>
-                        <a:t>1</a:t>
-                      </a:r>
-                      <a:endParaRPr lang="en-US" sz="1200" baseline="0" dirty="0">
-                        <a:effectLst/>
-                      </a:endParaRPr>
-                    </a:p>
-                  </a:txBody>
-                  <a:tcPr marL="50800" marR="50800" marT="25400" marB="25400" anchor="b">
-                    <a:lnL w="12700" cmpd="sng">
-                      <a:noFill/>
-                    </a:lnL>
-                    <a:lnR w="12700" cmpd="sng">
-                      <a:noFill/>
-                    </a:lnR>
-                    <a:lnT w="12700" cmpd="sng">
-                      <a:noFill/>
-                    </a:lnT>
-                    <a:lnB w="12700" cmpd="sng">
-                      <a:noFill/>
-                    </a:lnB>
-                    <a:lnTlToBr w="12700" cmpd="sng">
-                      <a:noFill/>
-                      <a:prstDash val="solid"/>
-                    </a:lnTlToBr>
-                    <a:lnBlToTr w="12700" cmpd="sng">
-                      <a:noFill/>
-                      <a:prstDash val="solid"/>
-                    </a:lnBlToTr>
-                  </a:tcPr>
-                </a:tc>
-                <a:tc>
-                  <a:txBody>
-                    <a:bodyPr/>
-                    <a:lstStyle/>
-                    <a:p>
-                      <a:pPr algn="l"/>
-                      <a:r>
-                        <a:rPr lang="en-US" sz="1200" baseline="0" dirty="0" smtClean="0">
-                          <a:effectLst/>
-                        </a:rPr>
-                        <a:t>0</a:t>
-                      </a:r>
-                      <a:endParaRPr lang="en-US" sz="1200" baseline="0" dirty="0">
-                        <a:effectLst/>
-                      </a:endParaRPr>
-                    </a:p>
-                  </a:txBody>
-                  <a:tcPr marL="50800" marR="50800" marT="25400" marB="25400" anchor="b">
-                    <a:lnL w="12700" cmpd="sng">
-                      <a:noFill/>
-                    </a:lnL>
-                    <a:lnR w="12700" cmpd="sng">
-                      <a:noFill/>
-                    </a:lnR>
-                    <a:lnT w="12700" cmpd="sng">
-                      <a:noFill/>
-                    </a:lnT>
-                    <a:lnB w="12700" cmpd="sng">
-                      <a:noFill/>
-                    </a:lnB>
-                    <a:lnTlToBr w="12700" cmpd="sng">
-                      <a:noFill/>
-                      <a:prstDash val="solid"/>
-                    </a:lnTlToBr>
-                    <a:lnBlToTr w="12700" cmpd="sng">
-                      <a:noFill/>
-                      <a:prstDash val="solid"/>
-                    </a:lnBlToTr>
-                  </a:tcPr>
-                </a:tc>
-                <a:tc>
-                  <a:txBody>
-                    <a:bodyPr/>
-                    <a:lstStyle/>
-                    <a:p>
-                      <a:pPr algn="l"/>
-                      <a:r>
-                        <a:rPr lang="en-US" sz="1200" baseline="0" dirty="0" smtClean="0">
-                          <a:effectLst/>
-                        </a:rPr>
-                        <a:t>0</a:t>
-                      </a:r>
-                      <a:endParaRPr lang="en-US" sz="1200" baseline="0" dirty="0">
-                        <a:effectLst/>
-                      </a:endParaRPr>
-                    </a:p>
-                  </a:txBody>
-                  <a:tcPr marL="50800" marR="50800" marT="25400" marB="25400" anchor="b">
-                    <a:lnL w="12700" cmpd="sng">
-                      <a:noFill/>
-                    </a:lnL>
-                    <a:lnR w="12700" cmpd="sng">
-                      <a:noFill/>
-                    </a:lnR>
-                    <a:lnT w="12700" cmpd="sng">
-                      <a:noFill/>
-                    </a:lnT>
-                    <a:lnB w="12700" cmpd="sng">
-                      <a:noFill/>
-                    </a:lnB>
-                    <a:lnTlToBr w="12700" cmpd="sng">
-                      <a:noFill/>
-                      <a:prstDash val="solid"/>
-                    </a:lnTlToBr>
-                    <a:lnBlToTr w="12700" cmpd="sng">
-                      <a:noFill/>
-                      <a:prstDash val="solid"/>
-                    </a:lnBlToTr>
-                  </a:tcPr>
-                </a:tc>
-                <a:tc>
-                  <a:txBody>
-                    <a:bodyPr/>
-                    <a:lstStyle/>
-                    <a:p>
-                      <a:pPr algn="l"/>
-                      <a:r>
-                        <a:rPr lang="en-US" sz="1200" baseline="0" dirty="0" smtClean="0">
-                          <a:effectLst/>
-                        </a:rPr>
-                        <a:t>1</a:t>
-                      </a:r>
-                      <a:endParaRPr lang="en-US" sz="1200" baseline="0" dirty="0">
-                        <a:effectLst/>
-                      </a:endParaRPr>
-                    </a:p>
-                  </a:txBody>
-                  <a:tcPr marL="50800" marR="50800" marT="25400" marB="25400" anchor="b">
-                    <a:lnL w="12700" cmpd="sng">
-                      <a:noFill/>
-                    </a:lnL>
-                    <a:lnR w="12700" cmpd="sng">
-                      <a:noFill/>
-                    </a:lnR>
-                    <a:lnT w="12700" cmpd="sng">
-                      <a:noFill/>
-                    </a:lnT>
-                    <a:lnB w="12700" cmpd="sng">
-                      <a:noFill/>
-                    </a:lnB>
-                    <a:lnTlToBr w="12700" cmpd="sng">
-                      <a:noFill/>
-                      <a:prstDash val="solid"/>
-                    </a:lnTlToBr>
-                    <a:lnBlToTr w="12700" cmpd="sng">
-                      <a:noFill/>
-                      <a:prstDash val="solid"/>
-                    </a:lnBlToTr>
-                  </a:tcPr>
-                </a:tc>
-                <a:tc>
-                  <a:txBody>
-                    <a:bodyPr/>
-                    <a:lstStyle/>
-                    <a:p>
-                      <a:pPr algn="l"/>
-                      <a:r>
-                        <a:rPr lang="en-US" sz="1200" baseline="0" dirty="0" smtClean="0">
-                          <a:effectLst/>
-                        </a:rPr>
-                        <a:t>0</a:t>
-                      </a:r>
-                      <a:endParaRPr lang="en-US" sz="1200" baseline="0" dirty="0">
-                        <a:effectLst/>
-                      </a:endParaRPr>
-                    </a:p>
-                  </a:txBody>
-                  <a:tcPr marL="50800" marR="50800" marT="25400" marB="25400" anchor="b">
-                    <a:lnL w="12700" cmpd="sng">
-                      <a:noFill/>
-                    </a:lnL>
-                    <a:lnR w="12700" cmpd="sng">
-                      <a:noFill/>
-                    </a:lnR>
-                    <a:lnT w="12700" cmpd="sng">
-                      <a:noFill/>
-                    </a:lnT>
-                    <a:lnB w="12700" cmpd="sng">
-                      <a:noFill/>
-                    </a:lnB>
-                    <a:lnTlToBr w="12700" cmpd="sng">
-                      <a:noFill/>
-                      <a:prstDash val="solid"/>
-                    </a:lnTlToBr>
-                    <a:lnBlToTr w="12700" cmpd="sng">
-                      <a:noFill/>
-                      <a:prstDash val="solid"/>
-                    </a:lnBlToTr>
-                  </a:tcPr>
-                </a:tc>
-                <a:tc>
-                  <a:txBody>
-                    <a:bodyPr/>
-                    <a:lstStyle/>
-                    <a:p>
-                      <a:pPr algn="l"/>
-                      <a:r>
-                        <a:rPr lang="en-US" sz="1200" baseline="0" dirty="0" smtClean="0">
-                          <a:effectLst/>
-                        </a:rPr>
-                        <a:t>0</a:t>
-                      </a:r>
-                      <a:endParaRPr lang="en-US" sz="1200" baseline="0" dirty="0">
-                        <a:effectLst/>
-                      </a:endParaRPr>
-                    </a:p>
-                  </a:txBody>
-                  <a:tcPr marL="50800" marR="50800" marT="25400" marB="25400" anchor="b">
-                    <a:lnL w="12700" cmpd="sng">
-                      <a:noFill/>
-                    </a:lnL>
-                    <a:lnR w="12700" cmpd="sng">
-                      <a:noFill/>
-                    </a:lnR>
-                    <a:lnT w="12700" cmpd="sng">
-                      <a:noFill/>
-                    </a:lnT>
-                    <a:lnB w="12700" cmpd="sng">
-                      <a:noFill/>
-                    </a:lnB>
-                    <a:lnTlToBr w="12700" cmpd="sng">
-                      <a:noFill/>
-                      <a:prstDash val="solid"/>
-                    </a:lnTlToBr>
-                    <a:lnBlToTr w="12700" cmpd="sng">
-                      <a:noFill/>
-                      <a:prstDash val="solid"/>
-                    </a:lnBlToTr>
-                  </a:tcPr>
-                </a:tc>
-              </a:tr>
-              <a:tr h="227785">
-                <a:tc>
-                  <a:txBody>
-                    <a:bodyPr/>
-                    <a:lstStyle/>
-                    <a:p>
-                      <a:pPr algn="l"/>
-                      <a:r>
-                        <a:rPr lang="is-IS" sz="1200" baseline="0" dirty="0" smtClean="0">
-                          <a:effectLst/>
-                        </a:rPr>
-                        <a:t>2</a:t>
-                      </a:r>
-                      <a:endParaRPr lang="en-US" sz="1200" baseline="0" dirty="0">
-                        <a:effectLst/>
-                      </a:endParaRPr>
-                    </a:p>
-                  </a:txBody>
-                  <a:tcPr marL="50800" marR="50800" marT="25400" marB="25400" anchor="b">
-                    <a:lnL w="12700" cmpd="sng">
-                      <a:noFill/>
-                    </a:lnL>
-                    <a:lnR w="12700" cmpd="sng">
-                      <a:noFill/>
-                    </a:lnR>
-                    <a:lnT w="12700" cmpd="sng">
-                      <a:noFill/>
-                    </a:lnT>
-                    <a:lnB w="12700" cmpd="sng">
-                      <a:noFill/>
-                    </a:lnB>
-                    <a:lnTlToBr w="12700" cmpd="sng">
-                      <a:noFill/>
-                      <a:prstDash val="solid"/>
-                    </a:lnTlToBr>
-                    <a:lnBlToTr w="12700" cmpd="sng">
-                      <a:noFill/>
-                      <a:prstDash val="solid"/>
-                    </a:lnBlToTr>
-                  </a:tcPr>
-                </a:tc>
-                <a:tc>
-                  <a:txBody>
-                    <a:bodyPr/>
-                    <a:lstStyle/>
-                    <a:p>
-                      <a:pPr algn="l"/>
-                      <a:r>
-                        <a:rPr lang="is-IS" sz="1200" baseline="0" dirty="0" smtClean="0">
-                          <a:effectLst/>
-                        </a:rPr>
-                        <a:t>2</a:t>
-                      </a:r>
-                      <a:endParaRPr lang="en-US" sz="1200" baseline="0" dirty="0">
-                        <a:effectLst/>
-                      </a:endParaRPr>
-                    </a:p>
-                  </a:txBody>
-                  <a:tcPr marL="50800" marR="50800" marT="25400" marB="25400" anchor="b">
-                    <a:lnL w="12700" cmpd="sng">
-                      <a:noFill/>
-                    </a:lnL>
-                    <a:lnR w="12700" cmpd="sng">
-                      <a:noFill/>
-                    </a:lnR>
-                    <a:lnT w="12700" cmpd="sng">
-                      <a:noFill/>
-                    </a:lnT>
-                    <a:lnB w="12700" cmpd="sng">
-                      <a:noFill/>
-                    </a:lnB>
-                    <a:lnTlToBr w="12700" cmpd="sng">
-                      <a:noFill/>
-                      <a:prstDash val="solid"/>
-                    </a:lnTlToBr>
-                    <a:lnBlToTr w="12700" cmpd="sng">
-                      <a:noFill/>
-                      <a:prstDash val="solid"/>
-                    </a:lnBlToTr>
-                  </a:tcPr>
-                </a:tc>
-                <a:tc>
-                  <a:txBody>
-                    <a:bodyPr/>
-                    <a:lstStyle/>
-                    <a:p>
-                      <a:pPr algn="l"/>
-                      <a:r>
-                        <a:rPr lang="en-US" sz="1200" baseline="0" dirty="0" smtClean="0">
-                          <a:effectLst/>
-                        </a:rPr>
-                        <a:t>1</a:t>
-                      </a:r>
-                      <a:endParaRPr lang="en-US" sz="1200" baseline="0" dirty="0">
-                        <a:effectLst/>
-                      </a:endParaRPr>
-                    </a:p>
-                  </a:txBody>
-                  <a:tcPr marL="50800" marR="50800" marT="25400" marB="25400" anchor="b">
-                    <a:lnL w="12700" cmpd="sng">
-                      <a:noFill/>
-                    </a:lnL>
-                    <a:lnR w="12700" cmpd="sng">
-                      <a:noFill/>
-                    </a:lnR>
-                    <a:lnT w="12700" cmpd="sng">
-                      <a:noFill/>
-                    </a:lnT>
-                    <a:lnB w="12700" cmpd="sng">
-                      <a:noFill/>
-                    </a:lnB>
-                    <a:lnTlToBr w="12700" cmpd="sng">
-                      <a:noFill/>
-                      <a:prstDash val="solid"/>
-                    </a:lnTlToBr>
-                    <a:lnBlToTr w="12700" cmpd="sng">
-                      <a:noFill/>
-                      <a:prstDash val="solid"/>
-                    </a:lnBlToTr>
-                  </a:tcPr>
-                </a:tc>
-                <a:tc>
-                  <a:txBody>
-                    <a:bodyPr/>
-                    <a:lstStyle/>
-                    <a:p>
-                      <a:pPr algn="l"/>
-                      <a:r>
-                        <a:rPr lang="en-US" sz="1200" baseline="0" dirty="0" smtClean="0">
-                          <a:effectLst/>
-                        </a:rPr>
-                        <a:t>1</a:t>
-                      </a:r>
-                      <a:endParaRPr lang="en-US" sz="1200" baseline="0" dirty="0">
-                        <a:effectLst/>
-                      </a:endParaRPr>
-                    </a:p>
-                  </a:txBody>
-                  <a:tcPr marL="50800" marR="50800" marT="25400" marB="25400" anchor="b">
-                    <a:lnL w="12700" cmpd="sng">
-                      <a:noFill/>
-                    </a:lnL>
-                    <a:lnR w="12700" cmpd="sng">
-                      <a:noFill/>
-                    </a:lnR>
-                    <a:lnT w="12700" cmpd="sng">
-                      <a:noFill/>
-                    </a:lnT>
-                    <a:lnB w="12700" cmpd="sng">
-                      <a:noFill/>
-                    </a:lnB>
-                    <a:lnTlToBr w="12700" cmpd="sng">
-                      <a:noFill/>
-                      <a:prstDash val="solid"/>
-                    </a:lnTlToBr>
-                    <a:lnBlToTr w="12700" cmpd="sng">
-                      <a:noFill/>
-                      <a:prstDash val="solid"/>
-                    </a:lnBlToTr>
-                  </a:tcPr>
-                </a:tc>
-                <a:tc>
-                  <a:txBody>
-                    <a:bodyPr/>
-                    <a:lstStyle/>
-                    <a:p>
-                      <a:pPr algn="l"/>
-                      <a:r>
-                        <a:rPr lang="en-US" sz="1200" baseline="0" dirty="0" smtClean="0">
-                          <a:effectLst/>
-                        </a:rPr>
-                        <a:t>1</a:t>
-                      </a:r>
-                      <a:endParaRPr lang="en-US" sz="1200" baseline="0" dirty="0">
-                        <a:effectLst/>
-                      </a:endParaRPr>
-                    </a:p>
-                  </a:txBody>
-                  <a:tcPr marL="50800" marR="50800" marT="25400" marB="25400" anchor="b">
-                    <a:lnL w="12700" cmpd="sng">
-                      <a:noFill/>
-                    </a:lnL>
-                    <a:lnR w="12700" cmpd="sng">
-                      <a:noFill/>
-                    </a:lnR>
-                    <a:lnT w="12700" cmpd="sng">
-                      <a:noFill/>
-                    </a:lnT>
-                    <a:lnB w="12700" cmpd="sng">
-                      <a:noFill/>
-                    </a:lnB>
-                    <a:lnTlToBr w="12700" cmpd="sng">
-                      <a:noFill/>
-                      <a:prstDash val="solid"/>
-                    </a:lnTlToBr>
-                    <a:lnBlToTr w="12700" cmpd="sng">
-                      <a:noFill/>
-                      <a:prstDash val="solid"/>
-                    </a:lnBlToTr>
-                  </a:tcPr>
-                </a:tc>
-                <a:tc>
-                  <a:txBody>
-                    <a:bodyPr/>
-                    <a:lstStyle/>
-                    <a:p>
-                      <a:pPr algn="l"/>
-                      <a:r>
-                        <a:rPr lang="en-US" sz="1200" baseline="0" dirty="0" smtClean="0">
-                          <a:effectLst/>
-                        </a:rPr>
-                        <a:t>1</a:t>
-                      </a:r>
-                      <a:endParaRPr lang="en-US" sz="1200" baseline="0" dirty="0">
-                        <a:effectLst/>
-                      </a:endParaRPr>
-                    </a:p>
-                  </a:txBody>
-                  <a:tcPr marL="50800" marR="50800" marT="25400" marB="25400" anchor="b">
-                    <a:lnL w="12700" cmpd="sng">
-                      <a:noFill/>
-                    </a:lnL>
-                    <a:lnR w="12700" cmpd="sng">
-                      <a:noFill/>
-                    </a:lnR>
-                    <a:lnT w="12700" cmpd="sng">
-                      <a:noFill/>
-                    </a:lnT>
-                    <a:lnB w="12700" cmpd="sng">
-                      <a:noFill/>
-                    </a:lnB>
-                    <a:lnTlToBr w="12700" cmpd="sng">
-                      <a:noFill/>
-                      <a:prstDash val="solid"/>
-                    </a:lnTlToBr>
-                    <a:lnBlToTr w="12700" cmpd="sng">
-                      <a:noFill/>
-                      <a:prstDash val="solid"/>
-                    </a:lnBlToTr>
-                  </a:tcPr>
-                </a:tc>
-                <a:tc>
-                  <a:txBody>
-                    <a:bodyPr/>
-                    <a:lstStyle/>
-                    <a:p>
-                      <a:pPr algn="l"/>
-                      <a:r>
-                        <a:rPr lang="en-US" sz="1200" baseline="0" dirty="0" smtClean="0">
-                          <a:effectLst/>
-                        </a:rPr>
-                        <a:t>0</a:t>
-                      </a:r>
-                      <a:endParaRPr lang="en-US" sz="1200" baseline="0" dirty="0">
-                        <a:effectLst/>
-                      </a:endParaRPr>
-                    </a:p>
-                  </a:txBody>
-                  <a:tcPr marL="50800" marR="50800" marT="25400" marB="25400" anchor="b">
-                    <a:lnL w="12700" cmpd="sng">
-                      <a:noFill/>
-                    </a:lnL>
-                    <a:lnR w="12700" cmpd="sng">
-                      <a:noFill/>
-                    </a:lnR>
-                    <a:lnT w="12700" cmpd="sng">
-                      <a:noFill/>
-                    </a:lnT>
-                    <a:lnB w="12700" cmpd="sng">
-                      <a:noFill/>
-                    </a:lnB>
-                    <a:lnTlToBr w="12700" cmpd="sng">
-                      <a:noFill/>
-                      <a:prstDash val="solid"/>
-                    </a:lnTlToBr>
-                    <a:lnBlToTr w="12700" cmpd="sng">
-                      <a:noFill/>
-                      <a:prstDash val="solid"/>
-                    </a:lnBlToTr>
-                  </a:tcPr>
-                </a:tc>
-                <a:tc>
-                  <a:txBody>
-                    <a:bodyPr/>
-                    <a:lstStyle/>
-                    <a:p>
-                      <a:pPr algn="l"/>
-                      <a:r>
-                        <a:rPr lang="en-US" sz="1200" baseline="0" dirty="0" smtClean="0">
-                          <a:effectLst/>
-                        </a:rPr>
-                        <a:t>1</a:t>
-                      </a:r>
-                      <a:endParaRPr lang="en-US" sz="1200" baseline="0" dirty="0">
-                        <a:effectLst/>
-                      </a:endParaRPr>
-                    </a:p>
-                  </a:txBody>
-                  <a:tcPr marL="50800" marR="50800" marT="25400" marB="25400" anchor="b">
-                    <a:lnL w="12700" cmpd="sng">
-                      <a:noFill/>
-                    </a:lnL>
-                    <a:lnR w="12700" cmpd="sng">
-                      <a:noFill/>
-                    </a:lnR>
-                    <a:lnT w="12700" cmpd="sng">
-                      <a:noFill/>
-                    </a:lnT>
-                    <a:lnB w="12700" cmpd="sng">
-                      <a:noFill/>
-                    </a:lnB>
-                    <a:lnTlToBr w="12700" cmpd="sng">
-                      <a:noFill/>
-                      <a:prstDash val="solid"/>
-                    </a:lnTlToBr>
-                    <a:lnBlToTr w="12700" cmpd="sng">
-                      <a:noFill/>
-                      <a:prstDash val="solid"/>
-                    </a:lnBlToTr>
-                  </a:tcPr>
-                </a:tc>
-              </a:tr>
-              <a:tr h="227785">
-                <a:tc>
-                  <a:txBody>
-                    <a:bodyPr/>
-                    <a:lstStyle/>
-                    <a:p>
-                      <a:pPr algn="l"/>
-                      <a:r>
-                        <a:rPr lang="en-US" sz="1200" baseline="0" dirty="0" smtClean="0">
-                          <a:effectLst/>
-                        </a:rPr>
-                        <a:t>0</a:t>
-                      </a:r>
-                      <a:endParaRPr lang="en-US" sz="1200" baseline="0" dirty="0">
-                        <a:effectLst/>
-                      </a:endParaRPr>
-                    </a:p>
-                  </a:txBody>
-                  <a:tcPr marL="50800" marR="50800" marT="25400" marB="25400" anchor="b">
-                    <a:lnL w="12700" cmpd="sng">
-                      <a:noFill/>
-                    </a:lnL>
-                    <a:lnR w="12700" cmpd="sng">
-                      <a:noFill/>
-                    </a:lnR>
-                    <a:lnT w="12700" cmpd="sng">
-                      <a:noFill/>
-                    </a:lnT>
-                    <a:lnB w="12700" cmpd="sng">
-                      <a:noFill/>
-                    </a:lnB>
-                    <a:lnTlToBr w="12700" cmpd="sng">
-                      <a:noFill/>
-                      <a:prstDash val="solid"/>
-                    </a:lnTlToBr>
-                    <a:lnBlToTr w="12700" cmpd="sng">
-                      <a:noFill/>
-                      <a:prstDash val="solid"/>
-                    </a:lnBlToTr>
-                  </a:tcPr>
-                </a:tc>
-                <a:tc>
-                  <a:txBody>
-                    <a:bodyPr/>
-                    <a:lstStyle/>
-                    <a:p>
-                      <a:pPr algn="l"/>
-                      <a:r>
-                        <a:rPr lang="is-IS" sz="1200" baseline="0" dirty="0" smtClean="0">
-                          <a:effectLst/>
-                        </a:rPr>
-                        <a:t>2</a:t>
-                      </a:r>
-                      <a:endParaRPr lang="en-US" sz="1200" baseline="0" dirty="0">
-                        <a:effectLst/>
-                      </a:endParaRPr>
-                    </a:p>
-                  </a:txBody>
-                  <a:tcPr marL="50800" marR="50800" marT="25400" marB="25400" anchor="b">
-                    <a:lnL w="12700" cmpd="sng">
-                      <a:noFill/>
-                    </a:lnL>
-                    <a:lnR w="12700" cmpd="sng">
-                      <a:noFill/>
-                    </a:lnR>
-                    <a:lnT w="12700" cmpd="sng">
-                      <a:noFill/>
-                    </a:lnT>
-                    <a:lnB w="12700" cmpd="sng">
-                      <a:noFill/>
-                    </a:lnB>
-                    <a:lnTlToBr w="12700" cmpd="sng">
-                      <a:noFill/>
-                      <a:prstDash val="solid"/>
-                    </a:lnTlToBr>
-                    <a:lnBlToTr w="12700" cmpd="sng">
-                      <a:noFill/>
-                      <a:prstDash val="solid"/>
-                    </a:lnBlToTr>
-                  </a:tcPr>
-                </a:tc>
-                <a:tc>
-                  <a:txBody>
-                    <a:bodyPr/>
-                    <a:lstStyle/>
-                    <a:p>
-                      <a:pPr algn="l"/>
-                      <a:r>
-                        <a:rPr lang="en-US" sz="1200" baseline="0" dirty="0" smtClean="0">
-                          <a:effectLst/>
-                        </a:rPr>
-                        <a:t>1</a:t>
-                      </a:r>
-                      <a:endParaRPr lang="en-US" sz="1200" baseline="0" dirty="0">
-                        <a:effectLst/>
-                      </a:endParaRPr>
-                    </a:p>
-                  </a:txBody>
-                  <a:tcPr marL="50800" marR="50800" marT="25400" marB="25400" anchor="b">
-                    <a:lnL w="12700" cmpd="sng">
-                      <a:noFill/>
-                    </a:lnL>
-                    <a:lnR w="12700" cmpd="sng">
-                      <a:noFill/>
-                    </a:lnR>
-                    <a:lnT w="12700" cmpd="sng">
-                      <a:noFill/>
-                    </a:lnT>
-                    <a:lnB w="12700" cmpd="sng">
-                      <a:noFill/>
-                    </a:lnB>
-                    <a:lnTlToBr w="12700" cmpd="sng">
-                      <a:noFill/>
-                      <a:prstDash val="solid"/>
-                    </a:lnTlToBr>
-                    <a:lnBlToTr w="12700" cmpd="sng">
-                      <a:noFill/>
-                      <a:prstDash val="solid"/>
-                    </a:lnBlToTr>
-                  </a:tcPr>
-                </a:tc>
-                <a:tc>
-                  <a:txBody>
-                    <a:bodyPr/>
-                    <a:lstStyle/>
-                    <a:p>
-                      <a:pPr algn="l"/>
-                      <a:r>
-                        <a:rPr lang="is-IS" sz="1200" baseline="0" dirty="0" smtClean="0">
-                          <a:effectLst/>
-                        </a:rPr>
-                        <a:t>2</a:t>
-                      </a:r>
-                      <a:endParaRPr lang="en-US" sz="1200" baseline="0" dirty="0">
-                        <a:effectLst/>
-                      </a:endParaRPr>
-                    </a:p>
-                  </a:txBody>
-                  <a:tcPr marL="50800" marR="50800" marT="25400" marB="25400" anchor="b">
-                    <a:lnL w="12700" cmpd="sng">
-                      <a:noFill/>
-                    </a:lnL>
-                    <a:lnR w="12700" cmpd="sng">
-                      <a:noFill/>
-                    </a:lnR>
-                    <a:lnT w="12700" cmpd="sng">
-                      <a:noFill/>
-                    </a:lnT>
-                    <a:lnB w="12700" cmpd="sng">
-                      <a:noFill/>
-                    </a:lnB>
-                    <a:lnTlToBr w="12700" cmpd="sng">
-                      <a:noFill/>
-                      <a:prstDash val="solid"/>
-                    </a:lnTlToBr>
-                    <a:lnBlToTr w="12700" cmpd="sng">
-                      <a:noFill/>
-                      <a:prstDash val="solid"/>
-                    </a:lnBlToTr>
-                  </a:tcPr>
-                </a:tc>
-                <a:tc>
-                  <a:txBody>
-                    <a:bodyPr/>
-                    <a:lstStyle/>
-                    <a:p>
-                      <a:pPr algn="l"/>
-                      <a:r>
-                        <a:rPr lang="en-US" sz="1200" baseline="0" dirty="0" smtClean="0">
-                          <a:effectLst/>
-                        </a:rPr>
-                        <a:t>0</a:t>
-                      </a:r>
-                      <a:endParaRPr lang="en-US" sz="1200" baseline="0" dirty="0">
-                        <a:effectLst/>
-                      </a:endParaRPr>
-                    </a:p>
-                  </a:txBody>
-                  <a:tcPr marL="50800" marR="50800" marT="25400" marB="25400" anchor="b">
-                    <a:lnL w="12700" cmpd="sng">
-                      <a:noFill/>
-                    </a:lnL>
-                    <a:lnR w="12700" cmpd="sng">
-                      <a:noFill/>
-                    </a:lnR>
-                    <a:lnT w="12700" cmpd="sng">
-                      <a:noFill/>
-                    </a:lnT>
-                    <a:lnB w="12700" cmpd="sng">
-                      <a:noFill/>
-                    </a:lnB>
-                    <a:lnTlToBr w="12700" cmpd="sng">
-                      <a:noFill/>
-                      <a:prstDash val="solid"/>
-                    </a:lnTlToBr>
-                    <a:lnBlToTr w="12700" cmpd="sng">
-                      <a:noFill/>
-                      <a:prstDash val="solid"/>
-                    </a:lnBlToTr>
-                  </a:tcPr>
-                </a:tc>
-                <a:tc>
-                  <a:txBody>
-                    <a:bodyPr/>
-                    <a:lstStyle/>
-                    <a:p>
-                      <a:pPr algn="l"/>
-                      <a:r>
-                        <a:rPr lang="en-US" sz="1200" baseline="0" dirty="0" smtClean="0">
-                          <a:effectLst/>
-                        </a:rPr>
-                        <a:t>1</a:t>
-                      </a:r>
-                      <a:endParaRPr lang="en-US" sz="1200" baseline="0" dirty="0">
-                        <a:effectLst/>
-                      </a:endParaRPr>
-                    </a:p>
-                  </a:txBody>
-                  <a:tcPr marL="50800" marR="50800" marT="25400" marB="25400" anchor="b">
-                    <a:lnL w="12700" cmpd="sng">
-                      <a:noFill/>
-                    </a:lnL>
-                    <a:lnR w="12700" cmpd="sng">
-                      <a:noFill/>
-                    </a:lnR>
-                    <a:lnT w="12700" cmpd="sng">
-                      <a:noFill/>
-                    </a:lnT>
-                    <a:lnB w="12700" cmpd="sng">
-                      <a:noFill/>
-                    </a:lnB>
-                    <a:lnTlToBr w="12700" cmpd="sng">
-                      <a:noFill/>
-                      <a:prstDash val="solid"/>
-                    </a:lnTlToBr>
-                    <a:lnBlToTr w="12700" cmpd="sng">
-                      <a:noFill/>
-                      <a:prstDash val="solid"/>
-                    </a:lnBlToTr>
-                  </a:tcPr>
-                </a:tc>
-                <a:tc>
-                  <a:txBody>
-                    <a:bodyPr/>
-                    <a:lstStyle/>
-                    <a:p>
-                      <a:pPr algn="l"/>
-                      <a:r>
-                        <a:rPr lang="is-IS" sz="1200" baseline="0" dirty="0" smtClean="0">
-                          <a:effectLst/>
-                        </a:rPr>
-                        <a:t>2</a:t>
-                      </a:r>
-                      <a:endParaRPr lang="en-US" sz="1200" baseline="0" dirty="0">
-                        <a:effectLst/>
-                      </a:endParaRPr>
-                    </a:p>
-                  </a:txBody>
-                  <a:tcPr marL="50800" marR="50800" marT="25400" marB="25400" anchor="b">
-                    <a:lnL w="12700" cmpd="sng">
-                      <a:noFill/>
-                    </a:lnL>
-                    <a:lnR w="12700" cmpd="sng">
-                      <a:noFill/>
-                    </a:lnR>
-                    <a:lnT w="12700" cmpd="sng">
-                      <a:noFill/>
-                    </a:lnT>
-                    <a:lnB w="12700" cmpd="sng">
-                      <a:noFill/>
-                    </a:lnB>
-                    <a:lnTlToBr w="12700" cmpd="sng">
-                      <a:noFill/>
-                      <a:prstDash val="solid"/>
-                    </a:lnTlToBr>
-                    <a:lnBlToTr w="12700" cmpd="sng">
-                      <a:noFill/>
-                      <a:prstDash val="solid"/>
-                    </a:lnBlToTr>
-                  </a:tcPr>
-                </a:tc>
-                <a:tc>
-                  <a:txBody>
-                    <a:bodyPr/>
-                    <a:lstStyle/>
-                    <a:p>
-                      <a:pPr algn="l"/>
-                      <a:r>
-                        <a:rPr lang="en-US" sz="1200" baseline="0" dirty="0" smtClean="0">
-                          <a:effectLst/>
-                        </a:rPr>
-                        <a:t>1</a:t>
-                      </a:r>
-                      <a:endParaRPr lang="en-US" sz="1200" baseline="0" dirty="0">
-                        <a:effectLst/>
-                      </a:endParaRPr>
-                    </a:p>
-                  </a:txBody>
-                  <a:tcPr marL="50800" marR="50800" marT="25400" marB="25400" anchor="b">
-                    <a:lnL w="12700" cmpd="sng">
-                      <a:noFill/>
-                    </a:lnL>
-                    <a:lnR w="12700" cmpd="sng">
-                      <a:noFill/>
-                    </a:lnR>
-                    <a:lnT w="12700" cmpd="sng">
-                      <a:noFill/>
-                    </a:lnT>
-                    <a:lnB w="12700" cmpd="sng">
-                      <a:noFill/>
-                    </a:lnB>
-                    <a:lnTlToBr w="12700" cmpd="sng">
-                      <a:noFill/>
-                      <a:prstDash val="solid"/>
-                    </a:lnTlToBr>
-                    <a:lnBlToTr w="12700" cmpd="sng">
-                      <a:noFill/>
-                      <a:prstDash val="solid"/>
-                    </a:lnBlToTr>
-                  </a:tcPr>
-                </a:tc>
-              </a:tr>
-              <a:tr h="227785">
-                <a:tc>
-                  <a:txBody>
-                    <a:bodyPr/>
-                    <a:lstStyle/>
-                    <a:p>
-                      <a:pPr algn="l"/>
-                      <a:r>
-                        <a:rPr lang="is-IS" sz="1200" baseline="0" dirty="0" smtClean="0">
-                          <a:effectLst/>
-                        </a:rPr>
-                        <a:t>2</a:t>
-                      </a:r>
-                      <a:endParaRPr lang="en-US" sz="1200" baseline="0" dirty="0">
-                        <a:effectLst/>
-                      </a:endParaRPr>
-                    </a:p>
-                  </a:txBody>
-                  <a:tcPr marL="50800" marR="50800" marT="25400" marB="25400" anchor="b">
-                    <a:lnL w="12700" cmpd="sng">
-                      <a:noFill/>
-                    </a:lnL>
-                    <a:lnR w="12700" cmpd="sng">
-                      <a:noFill/>
-                    </a:lnR>
-                    <a:lnT w="12700" cmpd="sng">
-                      <a:noFill/>
-                    </a:lnT>
-                    <a:lnB w="12700" cmpd="sng">
-                      <a:noFill/>
-                    </a:lnB>
-                    <a:lnTlToBr w="12700" cmpd="sng">
-                      <a:noFill/>
-                      <a:prstDash val="solid"/>
-                    </a:lnTlToBr>
-                    <a:lnBlToTr w="12700" cmpd="sng">
-                      <a:noFill/>
-                      <a:prstDash val="solid"/>
-                    </a:lnBlToTr>
-                  </a:tcPr>
-                </a:tc>
-                <a:tc>
-                  <a:txBody>
-                    <a:bodyPr/>
-                    <a:lstStyle/>
-                    <a:p>
-                      <a:pPr algn="l"/>
-                      <a:r>
-                        <a:rPr lang="is-IS" sz="1200" baseline="0" dirty="0" smtClean="0">
-                          <a:effectLst/>
-                        </a:rPr>
-                        <a:t>2</a:t>
-                      </a:r>
-                      <a:endParaRPr lang="en-US" sz="1200" baseline="0" dirty="0">
-                        <a:effectLst/>
-                      </a:endParaRPr>
-                    </a:p>
-                  </a:txBody>
-                  <a:tcPr marL="50800" marR="50800" marT="25400" marB="25400" anchor="b">
-                    <a:lnL w="12700" cmpd="sng">
-                      <a:noFill/>
-                    </a:lnL>
-                    <a:lnR w="12700" cmpd="sng">
-                      <a:noFill/>
-                    </a:lnR>
-                    <a:lnT w="12700" cmpd="sng">
-                      <a:noFill/>
-                    </a:lnT>
-                    <a:lnB w="12700" cmpd="sng">
-                      <a:noFill/>
-                    </a:lnB>
-                    <a:lnTlToBr w="12700" cmpd="sng">
-                      <a:noFill/>
-                      <a:prstDash val="solid"/>
-                    </a:lnTlToBr>
-                    <a:lnBlToTr w="12700" cmpd="sng">
-                      <a:noFill/>
-                      <a:prstDash val="solid"/>
-                    </a:lnBlToTr>
-                  </a:tcPr>
-                </a:tc>
-                <a:tc>
-                  <a:txBody>
-                    <a:bodyPr/>
-                    <a:lstStyle/>
-                    <a:p>
-                      <a:pPr algn="l"/>
-                      <a:r>
-                        <a:rPr lang="en-US" sz="1200" baseline="0" dirty="0" smtClean="0">
-                          <a:effectLst/>
-                        </a:rPr>
-                        <a:t>1</a:t>
-                      </a:r>
-                      <a:endParaRPr lang="en-US" sz="1200" baseline="0" dirty="0">
-                        <a:effectLst/>
-                      </a:endParaRPr>
-                    </a:p>
-                  </a:txBody>
-                  <a:tcPr marL="50800" marR="50800" marT="25400" marB="25400" anchor="b">
-                    <a:lnL w="12700" cmpd="sng">
-                      <a:noFill/>
-                    </a:lnL>
-                    <a:lnR w="12700" cmpd="sng">
-                      <a:noFill/>
-                    </a:lnR>
-                    <a:lnT w="12700" cmpd="sng">
-                      <a:noFill/>
-                    </a:lnT>
-                    <a:lnB w="12700" cmpd="sng">
-                      <a:noFill/>
-                    </a:lnB>
-                    <a:lnTlToBr w="12700" cmpd="sng">
-                      <a:noFill/>
-                      <a:prstDash val="solid"/>
-                    </a:lnTlToBr>
-                    <a:lnBlToTr w="12700" cmpd="sng">
-                      <a:noFill/>
-                      <a:prstDash val="solid"/>
-                    </a:lnBlToTr>
-                  </a:tcPr>
-                </a:tc>
-                <a:tc>
-                  <a:txBody>
-                    <a:bodyPr/>
-                    <a:lstStyle/>
-                    <a:p>
-                      <a:pPr algn="l"/>
-                      <a:r>
-                        <a:rPr lang="en-US" sz="1200" baseline="0" dirty="0" smtClean="0">
-                          <a:effectLst/>
-                        </a:rPr>
-                        <a:t>1</a:t>
-                      </a:r>
-                      <a:endParaRPr lang="en-US" sz="1200" baseline="0" dirty="0">
-                        <a:effectLst/>
-                      </a:endParaRPr>
-                    </a:p>
-                  </a:txBody>
-                  <a:tcPr marL="50800" marR="50800" marT="25400" marB="25400" anchor="b">
-                    <a:lnL w="12700" cmpd="sng">
-                      <a:noFill/>
-                    </a:lnL>
-                    <a:lnR w="12700" cmpd="sng">
-                      <a:noFill/>
-                    </a:lnR>
-                    <a:lnT w="12700" cmpd="sng">
-                      <a:noFill/>
-                    </a:lnT>
-                    <a:lnB w="12700" cmpd="sng">
-                      <a:noFill/>
-                    </a:lnB>
-                    <a:lnTlToBr w="12700" cmpd="sng">
-                      <a:noFill/>
-                      <a:prstDash val="solid"/>
-                    </a:lnTlToBr>
-                    <a:lnBlToTr w="12700" cmpd="sng">
-                      <a:noFill/>
-                      <a:prstDash val="solid"/>
-                    </a:lnBlToTr>
-                  </a:tcPr>
-                </a:tc>
-                <a:tc>
-                  <a:txBody>
-                    <a:bodyPr/>
-                    <a:lstStyle/>
-                    <a:p>
-                      <a:pPr algn="l"/>
-                      <a:r>
-                        <a:rPr lang="en-US" sz="1200" baseline="0" dirty="0" smtClean="0">
-                          <a:effectLst/>
-                        </a:rPr>
-                        <a:t>0</a:t>
-                      </a:r>
-                      <a:endParaRPr lang="en-US" sz="1200" baseline="0" dirty="0">
-                        <a:effectLst/>
-                      </a:endParaRPr>
-                    </a:p>
-                  </a:txBody>
-                  <a:tcPr marL="50800" marR="50800" marT="25400" marB="25400" anchor="b">
-                    <a:lnL w="12700" cmpd="sng">
-                      <a:noFill/>
-                    </a:lnL>
-                    <a:lnR w="12700" cmpd="sng">
-                      <a:noFill/>
-                    </a:lnR>
-                    <a:lnT w="12700" cmpd="sng">
-                      <a:noFill/>
-                    </a:lnT>
-                    <a:lnB w="12700" cmpd="sng">
-                      <a:noFill/>
-                    </a:lnB>
-                    <a:lnTlToBr w="12700" cmpd="sng">
-                      <a:noFill/>
-                      <a:prstDash val="solid"/>
-                    </a:lnTlToBr>
-                    <a:lnBlToTr w="12700" cmpd="sng">
-                      <a:noFill/>
-                      <a:prstDash val="solid"/>
-                    </a:lnBlToTr>
-                  </a:tcPr>
-                </a:tc>
-                <a:tc>
-                  <a:txBody>
-                    <a:bodyPr/>
-                    <a:lstStyle/>
-                    <a:p>
-                      <a:pPr algn="l"/>
-                      <a:r>
-                        <a:rPr lang="is-IS" sz="1200" baseline="0" dirty="0" smtClean="0">
-                          <a:effectLst/>
-                        </a:rPr>
-                        <a:t>2</a:t>
-                      </a:r>
-                      <a:endParaRPr lang="en-US" sz="1200" baseline="0" dirty="0">
-                        <a:effectLst/>
-                      </a:endParaRPr>
-                    </a:p>
-                  </a:txBody>
-                  <a:tcPr marL="50800" marR="50800" marT="25400" marB="25400" anchor="b">
-                    <a:lnL w="12700" cmpd="sng">
-                      <a:noFill/>
-                    </a:lnL>
-                    <a:lnR w="12700" cmpd="sng">
-                      <a:noFill/>
-                    </a:lnR>
-                    <a:lnT w="12700" cmpd="sng">
-                      <a:noFill/>
-                    </a:lnT>
-                    <a:lnB w="12700" cmpd="sng">
-                      <a:noFill/>
-                    </a:lnB>
-                    <a:lnTlToBr w="12700" cmpd="sng">
-                      <a:noFill/>
-                      <a:prstDash val="solid"/>
-                    </a:lnTlToBr>
-                    <a:lnBlToTr w="12700" cmpd="sng">
-                      <a:noFill/>
-                      <a:prstDash val="solid"/>
-                    </a:lnBlToTr>
-                  </a:tcPr>
-                </a:tc>
-                <a:tc>
-                  <a:txBody>
-                    <a:bodyPr/>
-                    <a:lstStyle/>
-                    <a:p>
-                      <a:pPr algn="l"/>
-                      <a:r>
-                        <a:rPr lang="en-US" sz="1200" baseline="0" dirty="0" smtClean="0">
-                          <a:effectLst/>
-                        </a:rPr>
-                        <a:t>0</a:t>
-                      </a:r>
-                      <a:endParaRPr lang="en-US" sz="1200" baseline="0" dirty="0">
-                        <a:effectLst/>
-                      </a:endParaRPr>
-                    </a:p>
-                  </a:txBody>
-                  <a:tcPr marL="50800" marR="50800" marT="25400" marB="25400" anchor="b">
-                    <a:lnL w="12700" cmpd="sng">
-                      <a:noFill/>
-                    </a:lnL>
-                    <a:lnR w="12700" cmpd="sng">
-                      <a:noFill/>
-                    </a:lnR>
-                    <a:lnT w="12700" cmpd="sng">
-                      <a:noFill/>
-                    </a:lnT>
-                    <a:lnB w="12700" cmpd="sng">
-                      <a:noFill/>
-                    </a:lnB>
-                    <a:lnTlToBr w="12700" cmpd="sng">
-                      <a:noFill/>
-                      <a:prstDash val="solid"/>
-                    </a:lnTlToBr>
-                    <a:lnBlToTr w="12700" cmpd="sng">
-                      <a:noFill/>
-                      <a:prstDash val="solid"/>
-                    </a:lnBlToTr>
-                  </a:tcPr>
-                </a:tc>
-                <a:tc>
-                  <a:txBody>
-                    <a:bodyPr/>
-                    <a:lstStyle/>
-                    <a:p>
-                      <a:pPr algn="l"/>
-                      <a:r>
-                        <a:rPr lang="en-US" sz="1200" baseline="0" dirty="0" smtClean="0">
-                          <a:effectLst/>
-                        </a:rPr>
-                        <a:t>1</a:t>
-                      </a:r>
-                      <a:endParaRPr lang="en-US" sz="1200" baseline="0" dirty="0">
-                        <a:effectLst/>
-                      </a:endParaRPr>
-                    </a:p>
-                  </a:txBody>
-                  <a:tcPr marL="50800" marR="50800" marT="25400" marB="25400" anchor="b">
-                    <a:lnL w="12700" cmpd="sng">
-                      <a:noFill/>
-                    </a:lnL>
-                    <a:lnR w="12700" cmpd="sng">
-                      <a:noFill/>
-                    </a:lnR>
-                    <a:lnT w="12700" cmpd="sng">
-                      <a:noFill/>
-                    </a:lnT>
-                    <a:lnB w="12700" cmpd="sng">
-                      <a:noFill/>
-                    </a:lnB>
-                    <a:lnTlToBr w="12700" cmpd="sng">
-                      <a:noFill/>
-                      <a:prstDash val="solid"/>
-                    </a:lnTlToBr>
-                    <a:lnBlToTr w="12700" cmpd="sng">
-                      <a:noFill/>
-                      <a:prstDash val="solid"/>
-                    </a:lnBlToTr>
-                  </a:tcPr>
-                </a:tc>
-              </a:tr>
-              <a:tr h="227785">
-                <a:tc>
-                  <a:txBody>
-                    <a:bodyPr/>
-                    <a:lstStyle/>
-                    <a:p>
-                      <a:pPr algn="l"/>
-                      <a:r>
-                        <a:rPr lang="en-US" sz="1200" baseline="0" dirty="0" smtClean="0">
-                          <a:effectLst/>
-                        </a:rPr>
-                        <a:t>1</a:t>
-                      </a:r>
-                      <a:endParaRPr lang="en-US" sz="1200" baseline="0" dirty="0">
-                        <a:effectLst/>
-                      </a:endParaRPr>
-                    </a:p>
-                  </a:txBody>
-                  <a:tcPr marL="50800" marR="50800" marT="25400" marB="25400" anchor="b">
-                    <a:lnL w="12700" cmpd="sng">
-                      <a:noFill/>
-                    </a:lnL>
-                    <a:lnR w="12700" cmpd="sng">
-                      <a:noFill/>
-                    </a:lnR>
-                    <a:lnT w="12700" cmpd="sng">
-                      <a:noFill/>
-                    </a:lnT>
-                    <a:lnB w="12700" cmpd="sng">
-                      <a:noFill/>
-                    </a:lnB>
-                    <a:lnTlToBr w="12700" cmpd="sng">
-                      <a:noFill/>
-                      <a:prstDash val="solid"/>
-                    </a:lnTlToBr>
-                    <a:lnBlToTr w="12700" cmpd="sng">
-                      <a:noFill/>
-                      <a:prstDash val="solid"/>
-                    </a:lnBlToTr>
-                  </a:tcPr>
-                </a:tc>
-                <a:tc>
-                  <a:txBody>
-                    <a:bodyPr/>
-                    <a:lstStyle/>
-                    <a:p>
-                      <a:pPr algn="l"/>
-                      <a:r>
-                        <a:rPr lang="is-IS" sz="1200" baseline="0" dirty="0" smtClean="0">
-                          <a:effectLst/>
-                        </a:rPr>
-                        <a:t>2</a:t>
-                      </a:r>
-                      <a:endParaRPr lang="en-US" sz="1200" baseline="0" dirty="0">
-                        <a:effectLst/>
-                      </a:endParaRPr>
-                    </a:p>
-                  </a:txBody>
-                  <a:tcPr marL="50800" marR="50800" marT="25400" marB="25400" anchor="b">
-                    <a:lnL w="12700" cmpd="sng">
-                      <a:noFill/>
-                    </a:lnL>
-                    <a:lnR w="12700" cmpd="sng">
-                      <a:noFill/>
-                    </a:lnR>
-                    <a:lnT w="12700" cmpd="sng">
-                      <a:noFill/>
-                    </a:lnT>
-                    <a:lnB w="12700" cmpd="sng">
-                      <a:noFill/>
-                    </a:lnB>
-                    <a:lnTlToBr w="12700" cmpd="sng">
-                      <a:noFill/>
-                      <a:prstDash val="solid"/>
-                    </a:lnTlToBr>
-                    <a:lnBlToTr w="12700" cmpd="sng">
-                      <a:noFill/>
-                      <a:prstDash val="solid"/>
-                    </a:lnBlToTr>
-                  </a:tcPr>
-                </a:tc>
-                <a:tc>
-                  <a:txBody>
-                    <a:bodyPr/>
-                    <a:lstStyle/>
-                    <a:p>
-                      <a:pPr algn="l"/>
-                      <a:r>
-                        <a:rPr lang="en-US" sz="1200" baseline="0" dirty="0" smtClean="0">
-                          <a:effectLst/>
-                        </a:rPr>
-                        <a:t>0</a:t>
-                      </a:r>
-                      <a:endParaRPr lang="en-US" sz="1200" baseline="0" dirty="0">
-                        <a:effectLst/>
-                      </a:endParaRPr>
-                    </a:p>
-                  </a:txBody>
-                  <a:tcPr marL="50800" marR="50800" marT="25400" marB="25400" anchor="b">
-                    <a:lnL w="12700" cmpd="sng">
-                      <a:noFill/>
-                    </a:lnL>
-                    <a:lnR w="12700" cmpd="sng">
-                      <a:noFill/>
-                    </a:lnR>
-                    <a:lnT w="12700" cmpd="sng">
-                      <a:noFill/>
-                    </a:lnT>
-                    <a:lnB w="12700" cmpd="sng">
-                      <a:noFill/>
-                    </a:lnB>
-                    <a:lnTlToBr w="12700" cmpd="sng">
-                      <a:noFill/>
-                      <a:prstDash val="solid"/>
-                    </a:lnTlToBr>
-                    <a:lnBlToTr w="12700" cmpd="sng">
-                      <a:noFill/>
-                      <a:prstDash val="solid"/>
-                    </a:lnBlToTr>
-                  </a:tcPr>
-                </a:tc>
-                <a:tc>
-                  <a:txBody>
-                    <a:bodyPr/>
-                    <a:lstStyle/>
-                    <a:p>
-                      <a:pPr algn="l"/>
-                      <a:r>
-                        <a:rPr lang="en-US" sz="1200" baseline="0" dirty="0" smtClean="0">
-                          <a:effectLst/>
-                        </a:rPr>
-                        <a:t>0</a:t>
-                      </a:r>
-                      <a:endParaRPr lang="en-US" sz="1200" baseline="0" dirty="0">
-                        <a:effectLst/>
-                      </a:endParaRPr>
-                    </a:p>
-                  </a:txBody>
-                  <a:tcPr marL="50800" marR="50800" marT="25400" marB="25400" anchor="b">
-                    <a:lnL w="12700" cmpd="sng">
-                      <a:noFill/>
-                    </a:lnL>
-                    <a:lnR w="12700" cmpd="sng">
-                      <a:noFill/>
-                    </a:lnR>
-                    <a:lnT w="12700" cmpd="sng">
-                      <a:noFill/>
-                    </a:lnT>
-                    <a:lnB w="12700" cmpd="sng">
-                      <a:noFill/>
-                    </a:lnB>
-                    <a:lnTlToBr w="12700" cmpd="sng">
-                      <a:noFill/>
-                      <a:prstDash val="solid"/>
-                    </a:lnTlToBr>
-                    <a:lnBlToTr w="12700" cmpd="sng">
-                      <a:noFill/>
-                      <a:prstDash val="solid"/>
-                    </a:lnBlToTr>
-                  </a:tcPr>
-                </a:tc>
-                <a:tc>
-                  <a:txBody>
-                    <a:bodyPr/>
-                    <a:lstStyle/>
-                    <a:p>
-                      <a:pPr algn="l"/>
-                      <a:r>
-                        <a:rPr lang="en-US" sz="1200" baseline="0" dirty="0" smtClean="0">
-                          <a:effectLst/>
-                        </a:rPr>
-                        <a:t>0</a:t>
-                      </a:r>
-                      <a:endParaRPr lang="en-US" sz="1200" baseline="0" dirty="0">
-                        <a:effectLst/>
-                      </a:endParaRPr>
-                    </a:p>
-                  </a:txBody>
-                  <a:tcPr marL="50800" marR="50800" marT="25400" marB="25400" anchor="b">
-                    <a:lnL w="12700" cmpd="sng">
-                      <a:noFill/>
-                    </a:lnL>
-                    <a:lnR w="12700" cmpd="sng">
-                      <a:noFill/>
-                    </a:lnR>
-                    <a:lnT w="12700" cmpd="sng">
-                      <a:noFill/>
-                    </a:lnT>
-                    <a:lnB w="12700" cmpd="sng">
-                      <a:noFill/>
-                    </a:lnB>
-                    <a:lnTlToBr w="12700" cmpd="sng">
-                      <a:noFill/>
-                      <a:prstDash val="solid"/>
-                    </a:lnTlToBr>
-                    <a:lnBlToTr w="12700" cmpd="sng">
-                      <a:noFill/>
-                      <a:prstDash val="solid"/>
-                    </a:lnBlToTr>
-                  </a:tcPr>
-                </a:tc>
-                <a:tc>
-                  <a:txBody>
-                    <a:bodyPr/>
-                    <a:lstStyle/>
-                    <a:p>
-                      <a:pPr algn="l"/>
-                      <a:r>
-                        <a:rPr lang="en-US" sz="1200" baseline="0" dirty="0" smtClean="0">
-                          <a:effectLst/>
-                        </a:rPr>
-                        <a:t>0</a:t>
-                      </a:r>
-                      <a:endParaRPr lang="en-US" sz="1200" baseline="0" dirty="0">
-                        <a:effectLst/>
-                      </a:endParaRPr>
-                    </a:p>
-                  </a:txBody>
-                  <a:tcPr marL="50800" marR="50800" marT="25400" marB="25400" anchor="b">
-                    <a:lnL w="12700" cmpd="sng">
-                      <a:noFill/>
-                    </a:lnL>
-                    <a:lnR w="12700" cmpd="sng">
-                      <a:noFill/>
-                    </a:lnR>
-                    <a:lnT w="12700" cmpd="sng">
-                      <a:noFill/>
-                    </a:lnT>
-                    <a:lnB w="12700" cmpd="sng">
-                      <a:noFill/>
-                    </a:lnB>
-                    <a:lnTlToBr w="12700" cmpd="sng">
-                      <a:noFill/>
-                      <a:prstDash val="solid"/>
-                    </a:lnTlToBr>
-                    <a:lnBlToTr w="12700" cmpd="sng">
-                      <a:noFill/>
-                      <a:prstDash val="solid"/>
-                    </a:lnBlToTr>
-                  </a:tcPr>
-                </a:tc>
-                <a:tc>
-                  <a:txBody>
-                    <a:bodyPr/>
-                    <a:lstStyle/>
-                    <a:p>
-                      <a:pPr algn="l"/>
-                      <a:r>
-                        <a:rPr lang="en-US" sz="1200" baseline="0" dirty="0" smtClean="0">
-                          <a:effectLst/>
-                        </a:rPr>
-                        <a:t>0</a:t>
-                      </a:r>
-                      <a:endParaRPr lang="en-US" sz="1200" baseline="0" dirty="0">
-                        <a:effectLst/>
-                      </a:endParaRPr>
-                    </a:p>
-                  </a:txBody>
-                  <a:tcPr marL="50800" marR="50800" marT="25400" marB="25400" anchor="b">
-                    <a:lnL w="12700" cmpd="sng">
-                      <a:noFill/>
-                    </a:lnL>
-                    <a:lnR w="12700" cmpd="sng">
-                      <a:noFill/>
-                    </a:lnR>
-                    <a:lnT w="12700" cmpd="sng">
-                      <a:noFill/>
-                    </a:lnT>
-                    <a:lnB w="12700" cmpd="sng">
-                      <a:noFill/>
-                    </a:lnB>
-                    <a:lnTlToBr w="12700" cmpd="sng">
-                      <a:noFill/>
-                      <a:prstDash val="solid"/>
-                    </a:lnTlToBr>
-                    <a:lnBlToTr w="12700" cmpd="sng">
-                      <a:noFill/>
-                      <a:prstDash val="solid"/>
-                    </a:lnBlToTr>
-                  </a:tcPr>
-                </a:tc>
-                <a:tc>
-                  <a:txBody>
-                    <a:bodyPr/>
-                    <a:lstStyle/>
-                    <a:p>
-                      <a:pPr algn="l"/>
-                      <a:r>
-                        <a:rPr lang="en-US" sz="1200" baseline="0" dirty="0" smtClean="0">
-                          <a:effectLst/>
-                        </a:rPr>
-                        <a:t>0</a:t>
-                      </a:r>
-                      <a:endParaRPr lang="en-US" sz="1200" baseline="0" dirty="0">
-                        <a:effectLst/>
-                      </a:endParaRPr>
-                    </a:p>
-                  </a:txBody>
-                  <a:tcPr marL="50800" marR="50800" marT="25400" marB="25400" anchor="b">
-                    <a:lnL w="12700" cmpd="sng">
-                      <a:noFill/>
-                    </a:lnL>
-                    <a:lnR w="12700" cmpd="sng">
-                      <a:noFill/>
-                    </a:lnR>
-                    <a:lnT w="12700" cmpd="sng">
-                      <a:noFill/>
-                    </a:lnT>
-                    <a:lnB w="12700" cmpd="sng">
-                      <a:noFill/>
-                    </a:lnB>
-                    <a:lnTlToBr w="12700" cmpd="sng">
-                      <a:noFill/>
-                      <a:prstDash val="solid"/>
-                    </a:lnTlToBr>
-                    <a:lnBlToTr w="12700" cmpd="sng">
-                      <a:noFill/>
-                      <a:prstDash val="solid"/>
-                    </a:lnBlToTr>
-                  </a:tcPr>
-                </a:tc>
-              </a:tr>
-              <a:tr h="227785">
-                <a:tc>
-                  <a:txBody>
-                    <a:bodyPr/>
-                    <a:lstStyle/>
-                    <a:p>
-                      <a:pPr algn="l"/>
-                      <a:r>
-                        <a:rPr lang="en-US" sz="1200" baseline="0" dirty="0" smtClean="0">
-                          <a:effectLst/>
-                        </a:rPr>
-                        <a:t>1</a:t>
-                      </a:r>
-                      <a:endParaRPr lang="en-US" sz="1200" baseline="0" dirty="0">
-                        <a:effectLst/>
-                      </a:endParaRPr>
-                    </a:p>
-                  </a:txBody>
-                  <a:tcPr marL="50800" marR="50800" marT="25400" marB="25400" anchor="b">
-                    <a:lnL w="12700" cmpd="sng">
-                      <a:noFill/>
-                    </a:lnL>
-                    <a:lnR w="12700" cmpd="sng">
-                      <a:noFill/>
-                    </a:lnR>
-                    <a:lnT w="12700" cmpd="sng">
-                      <a:noFill/>
-                    </a:lnT>
-                    <a:lnB w="12700" cmpd="sng">
-                      <a:noFill/>
-                    </a:lnB>
-                    <a:lnTlToBr w="12700" cmpd="sng">
-                      <a:noFill/>
-                      <a:prstDash val="solid"/>
-                    </a:lnTlToBr>
-                    <a:lnBlToTr w="12700" cmpd="sng">
-                      <a:noFill/>
-                      <a:prstDash val="solid"/>
-                    </a:lnBlToTr>
-                  </a:tcPr>
-                </a:tc>
-                <a:tc>
-                  <a:txBody>
-                    <a:bodyPr/>
-                    <a:lstStyle/>
-                    <a:p>
-                      <a:pPr algn="l"/>
-                      <a:r>
-                        <a:rPr lang="is-IS" sz="1200" baseline="0" dirty="0" smtClean="0">
-                          <a:effectLst/>
-                        </a:rPr>
-                        <a:t>2</a:t>
-                      </a:r>
-                      <a:endParaRPr lang="en-US" sz="1200" baseline="0" dirty="0">
-                        <a:effectLst/>
-                      </a:endParaRPr>
-                    </a:p>
-                  </a:txBody>
-                  <a:tcPr marL="50800" marR="50800" marT="25400" marB="25400" anchor="b">
-                    <a:lnL w="12700" cmpd="sng">
-                      <a:noFill/>
-                    </a:lnL>
-                    <a:lnR w="12700" cmpd="sng">
-                      <a:noFill/>
-                    </a:lnR>
-                    <a:lnT w="12700" cmpd="sng">
-                      <a:noFill/>
-                    </a:lnT>
-                    <a:lnB w="12700" cmpd="sng">
-                      <a:noFill/>
-                    </a:lnB>
-                    <a:lnTlToBr w="12700" cmpd="sng">
-                      <a:noFill/>
-                      <a:prstDash val="solid"/>
-                    </a:lnTlToBr>
-                    <a:lnBlToTr w="12700" cmpd="sng">
-                      <a:noFill/>
-                      <a:prstDash val="solid"/>
-                    </a:lnBlToTr>
-                  </a:tcPr>
-                </a:tc>
-                <a:tc>
-                  <a:txBody>
-                    <a:bodyPr/>
-                    <a:lstStyle/>
-                    <a:p>
-                      <a:pPr algn="l"/>
-                      <a:r>
-                        <a:rPr lang="en-US" sz="1200" baseline="0" dirty="0" smtClean="0">
-                          <a:effectLst/>
-                        </a:rPr>
-                        <a:t>1</a:t>
-                      </a:r>
-                      <a:endParaRPr lang="en-US" sz="1200" baseline="0" dirty="0">
-                        <a:effectLst/>
-                      </a:endParaRPr>
-                    </a:p>
-                  </a:txBody>
-                  <a:tcPr marL="50800" marR="50800" marT="25400" marB="25400" anchor="b">
-                    <a:lnL w="12700" cmpd="sng">
-                      <a:noFill/>
-                    </a:lnL>
-                    <a:lnR w="12700" cmpd="sng">
-                      <a:noFill/>
-                    </a:lnR>
-                    <a:lnT w="12700" cmpd="sng">
-                      <a:noFill/>
-                    </a:lnT>
-                    <a:lnB w="12700" cmpd="sng">
-                      <a:noFill/>
-                    </a:lnB>
-                    <a:lnTlToBr w="12700" cmpd="sng">
-                      <a:noFill/>
-                      <a:prstDash val="solid"/>
-                    </a:lnTlToBr>
-                    <a:lnBlToTr w="12700" cmpd="sng">
-                      <a:noFill/>
-                      <a:prstDash val="solid"/>
-                    </a:lnBlToTr>
-                  </a:tcPr>
-                </a:tc>
-                <a:tc>
-                  <a:txBody>
-                    <a:bodyPr/>
-                    <a:lstStyle/>
-                    <a:p>
-                      <a:pPr algn="l"/>
-                      <a:r>
-                        <a:rPr lang="en-US" sz="1200" baseline="0" dirty="0" smtClean="0">
-                          <a:effectLst/>
-                        </a:rPr>
-                        <a:t>1</a:t>
-                      </a:r>
-                      <a:endParaRPr lang="en-US" sz="1200" baseline="0" dirty="0">
-                        <a:effectLst/>
-                      </a:endParaRPr>
-                    </a:p>
-                  </a:txBody>
-                  <a:tcPr marL="50800" marR="50800" marT="25400" marB="25400" anchor="b">
-                    <a:lnL w="12700" cmpd="sng">
-                      <a:noFill/>
-                    </a:lnL>
-                    <a:lnR w="12700" cmpd="sng">
-                      <a:noFill/>
-                    </a:lnR>
-                    <a:lnT w="12700" cmpd="sng">
-                      <a:noFill/>
-                    </a:lnT>
-                    <a:lnB w="12700" cmpd="sng">
-                      <a:noFill/>
-                    </a:lnB>
-                    <a:lnTlToBr w="12700" cmpd="sng">
-                      <a:noFill/>
-                      <a:prstDash val="solid"/>
-                    </a:lnTlToBr>
-                    <a:lnBlToTr w="12700" cmpd="sng">
-                      <a:noFill/>
-                      <a:prstDash val="solid"/>
-                    </a:lnBlToTr>
-                  </a:tcPr>
-                </a:tc>
-                <a:tc>
-                  <a:txBody>
-                    <a:bodyPr/>
-                    <a:lstStyle/>
-                    <a:p>
-                      <a:pPr algn="l"/>
-                      <a:r>
-                        <a:rPr lang="en-US" sz="1200" baseline="0" dirty="0" smtClean="0">
-                          <a:effectLst/>
-                        </a:rPr>
-                        <a:t>0</a:t>
-                      </a:r>
-                      <a:endParaRPr lang="en-US" sz="1200" baseline="0" dirty="0">
-                        <a:effectLst/>
-                      </a:endParaRPr>
-                    </a:p>
-                  </a:txBody>
-                  <a:tcPr marL="50800" marR="50800" marT="25400" marB="25400" anchor="b">
-                    <a:lnL w="12700" cmpd="sng">
-                      <a:noFill/>
-                    </a:lnL>
-                    <a:lnR w="12700" cmpd="sng">
-                      <a:noFill/>
-                    </a:lnR>
-                    <a:lnT w="12700" cmpd="sng">
-                      <a:noFill/>
-                    </a:lnT>
-                    <a:lnB w="12700" cmpd="sng">
-                      <a:noFill/>
-                    </a:lnB>
-                    <a:lnTlToBr w="12700" cmpd="sng">
-                      <a:noFill/>
-                      <a:prstDash val="solid"/>
-                    </a:lnTlToBr>
-                    <a:lnBlToTr w="12700" cmpd="sng">
-                      <a:noFill/>
-                      <a:prstDash val="solid"/>
-                    </a:lnBlToTr>
-                  </a:tcPr>
-                </a:tc>
-                <a:tc>
-                  <a:txBody>
-                    <a:bodyPr/>
-                    <a:lstStyle/>
-                    <a:p>
-                      <a:pPr algn="l"/>
-                      <a:r>
-                        <a:rPr lang="en-US" sz="1200" baseline="0" dirty="0" smtClean="0">
-                          <a:effectLst/>
-                        </a:rPr>
-                        <a:t>0</a:t>
-                      </a:r>
-                      <a:endParaRPr lang="en-US" sz="1200" baseline="0" dirty="0">
-                        <a:effectLst/>
-                      </a:endParaRPr>
-                    </a:p>
-                  </a:txBody>
-                  <a:tcPr marL="50800" marR="50800" marT="25400" marB="25400" anchor="b">
-                    <a:lnL w="12700" cmpd="sng">
-                      <a:noFill/>
-                    </a:lnL>
-                    <a:lnR w="12700" cmpd="sng">
-                      <a:noFill/>
-                    </a:lnR>
-                    <a:lnT w="12700" cmpd="sng">
-                      <a:noFill/>
-                    </a:lnT>
-                    <a:lnB w="12700" cmpd="sng">
-                      <a:noFill/>
-                    </a:lnB>
-                    <a:lnTlToBr w="12700" cmpd="sng">
-                      <a:noFill/>
-                      <a:prstDash val="solid"/>
-                    </a:lnTlToBr>
-                    <a:lnBlToTr w="12700" cmpd="sng">
-                      <a:noFill/>
-                      <a:prstDash val="solid"/>
-                    </a:lnBlToTr>
-                  </a:tcPr>
-                </a:tc>
-                <a:tc>
-                  <a:txBody>
-                    <a:bodyPr/>
-                    <a:lstStyle/>
-                    <a:p>
-                      <a:pPr algn="l"/>
-                      <a:r>
-                        <a:rPr lang="en-US" sz="1200" baseline="0" dirty="0" smtClean="0">
-                          <a:effectLst/>
-                        </a:rPr>
-                        <a:t>1</a:t>
-                      </a:r>
-                      <a:endParaRPr lang="en-US" sz="1200" baseline="0" dirty="0">
-                        <a:effectLst/>
-                      </a:endParaRPr>
-                    </a:p>
-                  </a:txBody>
-                  <a:tcPr marL="50800" marR="50800" marT="25400" marB="25400" anchor="b">
-                    <a:lnL w="12700" cmpd="sng">
-                      <a:noFill/>
-                    </a:lnL>
-                    <a:lnR w="12700" cmpd="sng">
-                      <a:noFill/>
-                    </a:lnR>
-                    <a:lnT w="12700" cmpd="sng">
-                      <a:noFill/>
-                    </a:lnT>
-                    <a:lnB w="12700" cmpd="sng">
-                      <a:noFill/>
-                    </a:lnB>
-                    <a:lnTlToBr w="12700" cmpd="sng">
-                      <a:noFill/>
-                      <a:prstDash val="solid"/>
-                    </a:lnTlToBr>
-                    <a:lnBlToTr w="12700" cmpd="sng">
-                      <a:noFill/>
-                      <a:prstDash val="solid"/>
-                    </a:lnBlToTr>
-                  </a:tcPr>
-                </a:tc>
-                <a:tc>
-                  <a:txBody>
-                    <a:bodyPr/>
-                    <a:lstStyle/>
-                    <a:p>
-                      <a:pPr algn="l"/>
-                      <a:r>
-                        <a:rPr lang="is-IS" sz="1200" baseline="0" dirty="0" smtClean="0">
-                          <a:effectLst/>
-                        </a:rPr>
-                        <a:t>2</a:t>
-                      </a:r>
-                      <a:endParaRPr lang="en-US" sz="1200" baseline="0" dirty="0">
+                      <a:endParaRPr lang="en-US" sz="1000" baseline="0" dirty="0">
                         <a:effectLst/>
                       </a:endParaRPr>
                     </a:p>
@@ -6674,8 +4696,8 @@
         </p:nvCxnSpPr>
         <p:spPr>
           <a:xfrm flipV="1">
-            <a:off x="1740462" y="4683587"/>
-            <a:ext cx="418612" cy="467900"/>
+            <a:off x="1917700" y="4591258"/>
+            <a:ext cx="114300" cy="574890"/>
           </a:xfrm>
           <a:prstGeom prst="line">
             <a:avLst/>
@@ -6710,8 +4732,8 @@
         </p:nvSpPr>
         <p:spPr>
           <a:xfrm>
-            <a:off x="2159076" y="4255704"/>
-            <a:ext cx="805413" cy="461665"/>
+            <a:off x="1784534" y="4160370"/>
+            <a:ext cx="760012" cy="430887"/>
           </a:xfrm>
           <a:prstGeom prst="rect">
             <a:avLst/>
@@ -6725,13 +4747,13 @@
           <a:lstStyle/>
           <a:p>
             <a:r>
-              <a:rPr lang="en-US" sz="1200" dirty="0"/>
+              <a:rPr lang="en-US" sz="1100" dirty="0"/>
               <a:t>Space </a:t>
             </a:r>
           </a:p>
           <a:p>
             <a:r>
-              <a:rPr lang="en-US" sz="1200" dirty="0"/>
+              <a:rPr lang="en-US" sz="1100" dirty="0"/>
               <a:t>separated</a:t>
             </a:r>
           </a:p>
@@ -6740,15 +4762,13 @@
       <p:cxnSp>
         <p:nvCxnSpPr>
           <p:cNvPr id="33" name="Straight Connector 32"/>
-          <p:cNvCxnSpPr>
-            <a:endCxn id="34" idx="2"/>
-          </p:cNvCxnSpPr>
+          <p:cNvCxnSpPr/>
           <p:nvPr/>
         </p:nvCxnSpPr>
         <p:spPr>
           <a:xfrm flipH="1" flipV="1">
-            <a:off x="1058106" y="4683589"/>
-            <a:ext cx="348956" cy="379478"/>
+            <a:off x="858764" y="4637422"/>
+            <a:ext cx="400562" cy="425645"/>
           </a:xfrm>
           <a:prstGeom prst="line">
             <a:avLst/>
@@ -6784,7 +4804,7 @@
         <p:spPr>
           <a:xfrm>
             <a:off x="350220" y="4037258"/>
-            <a:ext cx="1415772" cy="646331"/>
+            <a:ext cx="1312560" cy="600164"/>
           </a:xfrm>
           <a:prstGeom prst="rect">
             <a:avLst/>
@@ -6798,34 +4818,34 @@
           <a:lstStyle/>
           <a:p>
             <a:r>
-              <a:rPr lang="en-US" sz="1200" dirty="0"/>
+              <a:rPr lang="en-US" sz="1100" dirty="0"/>
               <a:t>Genotypes can be </a:t>
             </a:r>
           </a:p>
           <a:p>
             <a:r>
-              <a:rPr lang="en-US" sz="1200" dirty="0"/>
+              <a:rPr lang="en-US" sz="1100" dirty="0"/>
               <a:t>c</a:t>
             </a:r>
             <a:r>
-              <a:rPr lang="en-US" sz="1200" dirty="0" smtClean="0"/>
+              <a:rPr lang="en-US" sz="1100" dirty="0" smtClean="0"/>
               <a:t>oded </a:t>
             </a:r>
             <a:r>
-              <a:rPr lang="en-US" sz="1200" dirty="0"/>
+              <a:rPr lang="en-US" sz="1100" dirty="0"/>
               <a:t>as any </a:t>
             </a:r>
           </a:p>
           <a:p>
             <a:r>
-              <a:rPr lang="en-US" sz="1200" dirty="0"/>
+              <a:rPr lang="en-US" sz="1100" dirty="0"/>
               <a:t>a</a:t>
             </a:r>
             <a:r>
-              <a:rPr lang="en-US" sz="1200" dirty="0" smtClean="0"/>
+              <a:rPr lang="en-US" sz="1100" dirty="0" smtClean="0"/>
               <a:t>lphanumeric value</a:t>
             </a:r>
-            <a:endParaRPr lang="en-US" sz="1200" dirty="0"/>
+            <a:endParaRPr lang="en-US" sz="1100" dirty="0"/>
           </a:p>
         </p:txBody>
       </p:sp>
@@ -6837,8 +4857,8 @@
         </p:nvSpPr>
         <p:spPr>
           <a:xfrm>
-            <a:off x="333738" y="3281649"/>
-            <a:ext cx="3211135" cy="369332"/>
+            <a:off x="333738" y="3196641"/>
+            <a:ext cx="1813317" cy="523220"/>
           </a:xfrm>
           <a:prstGeom prst="rect">
             <a:avLst/>
@@ -6852,7 +4872,7 @@
           <a:lstStyle/>
           <a:p>
             <a:r>
-              <a:rPr lang="en-US" dirty="0">
+              <a:rPr lang="en-US" sz="1400" dirty="0">
                 <a:solidFill>
                   <a:schemeClr val="bg1">
                     <a:lumMod val="50000"/>
@@ -6862,7 +4882,7 @@
               <a:t>Formats: PLINK </a:t>
             </a:r>
             <a:r>
-              <a:rPr lang="en-US" dirty="0" err="1">
+              <a:rPr lang="en-US" sz="1400" dirty="0" err="1">
                 <a:solidFill>
                   <a:schemeClr val="bg1">
                     <a:lumMod val="50000"/>
@@ -6872,7 +4892,7 @@
               <a:t>ped</a:t>
             </a:r>
             <a:r>
-              <a:rPr lang="en-US" dirty="0">
+              <a:rPr lang="en-US" sz="1400" dirty="0">
                 <a:solidFill>
                   <a:schemeClr val="bg1">
                     <a:lumMod val="50000"/>
@@ -6881,17 +4901,56 @@
               </a:rPr>
               <a:t> or </a:t>
             </a:r>
-            <a:r>
-              <a:rPr lang="en-US" dirty="0" smtClean="0">
+            <a:endParaRPr lang="en-US" sz="1400" dirty="0" smtClean="0">
+              <a:solidFill>
+                <a:schemeClr val="bg1">
+                  <a:lumMod val="50000"/>
+                </a:schemeClr>
+              </a:solidFill>
+            </a:endParaRPr>
+          </a:p>
+          <a:p>
+            <a:r>
+              <a:rPr lang="en-US" sz="1400" dirty="0">
                 <a:solidFill>
                   <a:schemeClr val="bg1">
                     <a:lumMod val="50000"/>
                   </a:schemeClr>
                 </a:solidFill>
               </a:rPr>
-              <a:t>plain text</a:t>
-            </a:r>
-            <a:endParaRPr lang="en-US" dirty="0">
+              <a:t> </a:t>
+            </a:r>
+            <a:r>
+              <a:rPr lang="en-US" sz="1400" dirty="0" smtClean="0">
+                <a:solidFill>
+                  <a:schemeClr val="bg1">
+                    <a:lumMod val="50000"/>
+                  </a:schemeClr>
+                </a:solidFill>
+              </a:rPr>
+              <a:t>                </a:t>
+            </a:r>
+            <a:r>
+              <a:rPr lang="en-US" sz="1400" dirty="0" smtClean="0">
+                <a:solidFill>
+                  <a:schemeClr val="bg1">
+                    <a:lumMod val="50000"/>
+                  </a:schemeClr>
+                </a:solidFill>
+              </a:rPr>
+              <a:t>plain </a:t>
+            </a:r>
+            <a:r>
+              <a:rPr lang="en-US" sz="1400" dirty="0" smtClean="0">
+                <a:solidFill>
+                  <a:schemeClr val="bg1">
+                    <a:lumMod val="50000"/>
+                  </a:schemeClr>
+                </a:solidFill>
+              </a:rPr>
+              <a:t>text</a:t>
+            </a:r>
+            <a:endParaRPr lang="en-US" sz="1400" dirty="0">
               <a:solidFill>
                 <a:schemeClr val="bg1">
                   <a:lumMod val="50000"/>
@@ -6909,7 +4968,7 @@
         </p:nvSpPr>
         <p:spPr>
           <a:xfrm>
-            <a:off x="1414098" y="4711463"/>
+            <a:off x="1266362" y="4660800"/>
             <a:ext cx="493340" cy="276999"/>
           </a:xfrm>
           <a:prstGeom prst="rect">
@@ -6938,8 +4997,8 @@
         </p:nvSpPr>
         <p:spPr>
           <a:xfrm rot="16200000">
-            <a:off x="263064" y="5762355"/>
-            <a:ext cx="853119" cy="276999"/>
+            <a:off x="141768" y="5225309"/>
+            <a:ext cx="800238" cy="261610"/>
           </a:xfrm>
           <a:prstGeom prst="rect">
             <a:avLst/>
@@ -6953,10 +5012,9 @@
           <a:lstStyle/>
           <a:p>
             <a:r>
-              <a:rPr lang="en-US" sz="1200"/>
+              <a:rPr lang="en-US" sz="1100" dirty="0"/>
               <a:t>Individuals</a:t>
             </a:r>
-            <a:endParaRPr lang="en-US" sz="1200" dirty="0"/>
           </a:p>
         </p:txBody>
       </p:sp>
@@ -6968,8 +5026,8 @@
         </p:nvSpPr>
         <p:spPr>
           <a:xfrm>
-            <a:off x="865745" y="3719861"/>
-            <a:ext cx="1800493" cy="307777"/>
+            <a:off x="674718" y="3729552"/>
+            <a:ext cx="1569660" cy="276999"/>
           </a:xfrm>
           <a:prstGeom prst="rect">
             <a:avLst/>
@@ -6983,15 +5041,27 @@
           <a:lstStyle/>
           <a:p>
             <a:r>
-              <a:rPr lang="en-US" sz="1400" dirty="0"/>
+              <a:rPr lang="en-US" sz="1200" dirty="0">
+                <a:solidFill>
+                  <a:srgbClr val="008000"/>
+                </a:solidFill>
+              </a:rPr>
               <a:t>Example </a:t>
             </a:r>
             <a:r>
-              <a:rPr lang="en-US" sz="1400" dirty="0" smtClean="0"/>
+              <a:rPr lang="en-US" sz="1200" dirty="0" smtClean="0">
+                <a:solidFill>
+                  <a:srgbClr val="008000"/>
+                </a:solidFill>
+              </a:rPr>
               <a:t>plain text </a:t>
             </a:r>
             <a:r>
-              <a:rPr lang="en-US" sz="1400" dirty="0"/>
+              <a:rPr lang="en-US" sz="1200" dirty="0">
+                <a:solidFill>
+                  <a:srgbClr val="008000"/>
+                </a:solidFill>
+              </a:rPr>
               <a:t>file</a:t>
             </a:r>
           </a:p>
@@ -7005,8 +5075,8 @@
         </p:nvSpPr>
         <p:spPr>
           <a:xfrm>
-            <a:off x="4471283" y="2860716"/>
-            <a:ext cx="3452461" cy="3713305"/>
+            <a:off x="3658483" y="2864803"/>
+            <a:ext cx="2534785" cy="3132928"/>
           </a:xfrm>
           <a:prstGeom prst="rect">
             <a:avLst/>
@@ -7053,8 +5123,8 @@
         </p:nvSpPr>
         <p:spPr>
           <a:xfrm>
-            <a:off x="4471283" y="2665392"/>
-            <a:ext cx="3452459" cy="675352"/>
+            <a:off x="3658483" y="2669478"/>
+            <a:ext cx="2534785" cy="504000"/>
           </a:xfrm>
           <a:prstGeom prst="roundRect">
             <a:avLst/>
@@ -7103,8 +5173,8 @@
         </p:nvSpPr>
         <p:spPr>
           <a:xfrm>
-            <a:off x="4471283" y="2625489"/>
-            <a:ext cx="3215263" cy="584775"/>
+            <a:off x="3658483" y="2629575"/>
+            <a:ext cx="2534785" cy="461665"/>
           </a:xfrm>
           <a:prstGeom prst="rect">
             <a:avLst/>
@@ -7118,7 +5188,7 @@
           <a:lstStyle/>
           <a:p>
             <a:r>
-              <a:rPr lang="en-US" sz="3200" b="1" cap="small" dirty="0">
+              <a:rPr lang="en-US" sz="2400" b="1" cap="small" dirty="0">
                 <a:solidFill>
                   <a:schemeClr val="bg1"/>
                 </a:solidFill>
@@ -7128,7 +5198,7 @@
               <a:t>Read</a:t>
             </a:r>
             <a:r>
-              <a:rPr lang="en-US" sz="3200" cap="small" dirty="0">
+              <a:rPr lang="en-US" sz="2400" cap="small" dirty="0">
                 <a:solidFill>
                   <a:schemeClr val="bg1"/>
                 </a:solidFill>
@@ -7138,7 +5208,7 @@
               <a:t> </a:t>
             </a:r>
             <a:r>
-              <a:rPr lang="en-US" sz="3200" i="1" dirty="0">
+              <a:rPr lang="en-US" sz="2400" i="1" dirty="0">
                 <a:solidFill>
                   <a:schemeClr val="bg1"/>
                 </a:solidFill>
@@ -7147,52 +5217,6 @@
               </a:rPr>
               <a:t>Phenotypes</a:t>
             </a:r>
-          </a:p>
-        </p:txBody>
-      </p:sp>
-      <p:sp>
-        <p:nvSpPr>
-          <p:cNvPr id="44" name="Rectangle 43"/>
-          <p:cNvSpPr/>
-          <p:nvPr/>
-        </p:nvSpPr>
-        <p:spPr>
-          <a:xfrm>
-            <a:off x="4804765" y="4658704"/>
-            <a:ext cx="2741311" cy="1660756"/>
-          </a:xfrm>
-          <a:prstGeom prst="rect">
-            <a:avLst/>
-          </a:prstGeom>
-          <a:solidFill>
-            <a:schemeClr val="bg1"/>
-          </a:solidFill>
-          <a:ln>
-            <a:noFill/>
-          </a:ln>
-        </p:spPr>
-        <p:style>
-          <a:lnRef idx="2">
-            <a:schemeClr val="accent1">
-              <a:shade val="50000"/>
-            </a:schemeClr>
-          </a:lnRef>
-          <a:fillRef idx="1">
-            <a:schemeClr val="accent1"/>
-          </a:fillRef>
-          <a:effectRef idx="0">
-            <a:schemeClr val="accent1"/>
-          </a:effectRef>
-          <a:fontRef idx="minor">
-            <a:schemeClr val="lt1"/>
-          </a:fontRef>
-        </p:style>
-        <p:txBody>
-          <a:bodyPr rtlCol="0" anchor="ctr"/>
-          <a:lstStyle/>
-          <a:p>
-            <a:pPr algn="ctr"/>
-            <a:endParaRPr lang="en-US"/>
           </a:p>
         </p:txBody>
       </p:sp>
@@ -7205,14 +5229,14 @@
           <p:nvPr>
             <p:extLst>
               <p:ext uri="{D42A27DB-BD31-4B8C-83A1-F6EECF244321}">
-                <p14:modId xmlns:p14="http://schemas.microsoft.com/office/powerpoint/2010/main" val="2537707405"/>
+                <p14:modId xmlns:p14="http://schemas.microsoft.com/office/powerpoint/2010/main" val="2083797144"/>
               </p:ext>
             </p:extLst>
           </p:nvPr>
         </p:nvGraphicFramePr>
         <p:xfrm>
-          <a:off x="4873054" y="4683700"/>
-          <a:ext cx="2591826" cy="1635760"/>
+          <a:off x="3948533" y="4687786"/>
+          <a:ext cx="2068212" cy="1138925"/>
         </p:xfrm>
         <a:graphic>
           <a:graphicData uri="http://schemas.openxmlformats.org/drawingml/2006/table">
@@ -7221,12 +5245,12 @@
                 <a:tableStyleId>{8799B23B-EC83-4686-B30A-512413B5E67A}</a:tableStyleId>
               </a:tblPr>
               <a:tblGrid>
-                <a:gridCol w="431971"/>
-                <a:gridCol w="431971"/>
-                <a:gridCol w="431971"/>
-                <a:gridCol w="431971"/>
-                <a:gridCol w="431971"/>
-                <a:gridCol w="431971"/>
+                <a:gridCol w="344702"/>
+                <a:gridCol w="344702"/>
+                <a:gridCol w="344702"/>
+                <a:gridCol w="344702"/>
+                <a:gridCol w="344702"/>
+                <a:gridCol w="344702"/>
               </a:tblGrid>
               <a:tr h="227785">
                 <a:tc>
@@ -7236,12 +5260,12 @@
                     <a:p>
                       <a:pPr algn="ctr"/>
                       <a:r>
-                        <a:rPr lang="en-US" sz="1200" b="0" baseline="0" dirty="0" smtClean="0">
+                        <a:rPr lang="en-US" sz="1000" b="0" baseline="0" dirty="0" smtClean="0">
                           <a:effectLst/>
                         </a:rPr>
                         <a:t>y1</a:t>
                       </a:r>
-                      <a:endParaRPr lang="en-US" sz="1200" b="0" baseline="0" dirty="0">
+                      <a:endParaRPr lang="en-US" sz="1000" b="0" baseline="0" dirty="0">
                         <a:effectLst/>
                       </a:endParaRPr>
                     </a:p>
@@ -7276,12 +5300,12 @@
                     <a:p>
                       <a:pPr algn="ctr"/>
                       <a:r>
-                        <a:rPr lang="en-US" sz="1200" b="0" baseline="0" dirty="0" smtClean="0">
+                        <a:rPr lang="en-US" sz="1000" b="0" baseline="0" dirty="0" smtClean="0">
                           <a:effectLst/>
                         </a:rPr>
                         <a:t>y2</a:t>
                       </a:r>
-                      <a:endParaRPr lang="en-US" sz="1200" b="0" baseline="0" dirty="0">
+                      <a:endParaRPr lang="en-US" sz="1000" b="0" baseline="0" dirty="0">
                         <a:effectLst/>
                       </a:endParaRPr>
                     </a:p>
@@ -7316,12 +5340,12 @@
                     <a:p>
                       <a:pPr algn="ctr"/>
                       <a:r>
-                        <a:rPr lang="en-US" sz="1200" b="0" baseline="0" dirty="0" smtClean="0">
+                        <a:rPr lang="en-US" sz="1000" b="0" baseline="0" dirty="0" smtClean="0">
                           <a:effectLst/>
                         </a:rPr>
                         <a:t>pc1</a:t>
                       </a:r>
-                      <a:endParaRPr lang="en-US" sz="1200" b="0" baseline="0" dirty="0">
+                      <a:endParaRPr lang="en-US" sz="1000" b="0" baseline="0" dirty="0">
                         <a:effectLst/>
                       </a:endParaRPr>
                     </a:p>
@@ -7356,12 +5380,12 @@
                     <a:p>
                       <a:pPr algn="ctr"/>
                       <a:r>
-                        <a:rPr lang="en-US" sz="1200" b="0" baseline="0" dirty="0" smtClean="0">
+                        <a:rPr lang="en-US" sz="1000" b="0" baseline="0" dirty="0" smtClean="0">
                           <a:effectLst/>
                         </a:rPr>
                         <a:t>pc2</a:t>
                       </a:r>
-                      <a:endParaRPr lang="en-US" sz="1200" b="0" baseline="0" dirty="0">
+                      <a:endParaRPr lang="en-US" sz="1000" b="0" baseline="0" dirty="0">
                         <a:effectLst/>
                       </a:endParaRPr>
                     </a:p>
@@ -7396,12 +5420,12 @@
                     <a:p>
                       <a:pPr algn="ctr"/>
                       <a:r>
-                        <a:rPr lang="en-US" sz="1200" b="0" baseline="0" dirty="0" smtClean="0">
+                        <a:rPr lang="en-US" sz="1000" b="0" baseline="0" dirty="0" smtClean="0">
                           <a:effectLst/>
                         </a:rPr>
                         <a:t>age</a:t>
                       </a:r>
-                      <a:endParaRPr lang="en-US" sz="1200" b="0" baseline="0" dirty="0">
+                      <a:endParaRPr lang="en-US" sz="1000" b="0" baseline="0" dirty="0">
                         <a:effectLst/>
                       </a:endParaRPr>
                     </a:p>
@@ -7436,12 +5460,12 @@
                     <a:p>
                       <a:pPr algn="ctr"/>
                       <a:r>
-                        <a:rPr lang="en-US" sz="1200" b="0" baseline="0" dirty="0" smtClean="0">
+                        <a:rPr lang="en-US" sz="1000" b="0" baseline="0" dirty="0" smtClean="0">
                           <a:effectLst/>
                         </a:rPr>
                         <a:t>sex</a:t>
                       </a:r>
-                      <a:endParaRPr lang="en-US" sz="1200" b="0" baseline="0" dirty="0">
+                      <a:endParaRPr lang="en-US" sz="1000" b="0" baseline="0" dirty="0">
                         <a:effectLst/>
                       </a:endParaRPr>
                     </a:p>
@@ -7478,12 +5502,12 @@
                     <a:p>
                       <a:pPr algn="ctr"/>
                       <a:r>
-                        <a:rPr lang="en-US" sz="1200" b="0" baseline="0" dirty="0" smtClean="0">
+                        <a:rPr lang="en-US" sz="1000" b="0" baseline="0" dirty="0" smtClean="0">
                           <a:effectLst/>
                         </a:rPr>
                         <a:t>0.1</a:t>
                       </a:r>
-                      <a:endParaRPr lang="en-US" sz="1200" b="0" baseline="0" dirty="0">
+                      <a:endParaRPr lang="en-US" sz="1000" b="0" baseline="0" dirty="0">
                         <a:effectLst/>
                       </a:endParaRPr>
                     </a:p>
@@ -7518,12 +5542,12 @@
                     <a:p>
                       <a:pPr algn="ctr"/>
                       <a:r>
-                        <a:rPr lang="en-US" sz="1200" b="0" baseline="0" dirty="0" smtClean="0">
+                        <a:rPr lang="en-US" sz="1000" b="0" baseline="0" dirty="0" smtClean="0">
                           <a:effectLst/>
                         </a:rPr>
                         <a:t>100</a:t>
                       </a:r>
-                      <a:endParaRPr lang="en-US" sz="1200" b="0" baseline="0" dirty="0">
+                      <a:endParaRPr lang="en-US" sz="1000" b="0" baseline="0" dirty="0">
                         <a:effectLst/>
                       </a:endParaRPr>
                     </a:p>
@@ -7558,12 +5582,12 @@
                     <a:p>
                       <a:pPr algn="ctr"/>
                       <a:r>
-                        <a:rPr lang="en-US" sz="1200" b="0" baseline="0" dirty="0" smtClean="0">
+                        <a:rPr lang="en-US" sz="1000" b="0" baseline="0" dirty="0" smtClean="0">
                           <a:effectLst/>
                         </a:rPr>
                         <a:t>0.11</a:t>
                       </a:r>
-                      <a:endParaRPr lang="en-US" sz="1200" b="0" baseline="0" dirty="0">
+                      <a:endParaRPr lang="en-US" sz="1000" b="0" baseline="0" dirty="0">
                         <a:effectLst/>
                       </a:endParaRPr>
                     </a:p>
@@ -7598,12 +5622,12 @@
                     <a:p>
                       <a:pPr algn="ctr"/>
                       <a:r>
-                        <a:rPr lang="en-US" sz="1200" b="0" baseline="0" dirty="0" smtClean="0">
+                        <a:rPr lang="en-US" sz="1000" b="0" baseline="0" dirty="0" smtClean="0">
                           <a:effectLst/>
                         </a:rPr>
                         <a:t>1.4</a:t>
                       </a:r>
-                      <a:endParaRPr lang="en-US" sz="1200" b="0" baseline="0" dirty="0">
+                      <a:endParaRPr lang="en-US" sz="1000" b="0" baseline="0" dirty="0">
                         <a:effectLst/>
                       </a:endParaRPr>
                     </a:p>
@@ -7638,12 +5662,12 @@
                     <a:p>
                       <a:pPr algn="ctr"/>
                       <a:r>
-                        <a:rPr lang="en-US" sz="1200" b="0" baseline="0" dirty="0" smtClean="0">
+                        <a:rPr lang="en-US" sz="1000" b="0" baseline="0" dirty="0" smtClean="0">
                           <a:effectLst/>
                         </a:rPr>
                         <a:t>10</a:t>
                       </a:r>
-                      <a:endParaRPr lang="en-US" sz="1200" b="0" baseline="0" dirty="0">
+                      <a:endParaRPr lang="en-US" sz="1000" b="0" baseline="0" dirty="0">
                         <a:effectLst/>
                       </a:endParaRPr>
                     </a:p>
@@ -7678,12 +5702,12 @@
                     <a:p>
                       <a:pPr algn="ctr"/>
                       <a:r>
-                        <a:rPr lang="en-US" sz="1200" b="0" baseline="0" dirty="0" smtClean="0">
+                        <a:rPr lang="en-US" sz="1000" b="0" baseline="0" dirty="0" smtClean="0">
                           <a:effectLst/>
                         </a:rPr>
                         <a:t>M</a:t>
                       </a:r>
-                      <a:endParaRPr lang="en-US" sz="1200" b="0" baseline="0" dirty="0">
+                      <a:endParaRPr lang="en-US" sz="1000" b="0" baseline="0" dirty="0">
                         <a:effectLst/>
                       </a:endParaRPr>
                     </a:p>
@@ -7720,12 +5744,12 @@
                     <a:p>
                       <a:pPr algn="ctr"/>
                       <a:r>
-                        <a:rPr lang="en-US" sz="1200" b="0" baseline="0" dirty="0" smtClean="0">
+                        <a:rPr lang="en-US" sz="1000" b="0" baseline="0" dirty="0" smtClean="0">
                           <a:effectLst/>
                         </a:rPr>
                         <a:t>3.4</a:t>
                       </a:r>
-                      <a:endParaRPr lang="en-US" sz="1200" b="0" baseline="0" dirty="0">
+                      <a:endParaRPr lang="en-US" sz="1000" b="0" baseline="0" dirty="0">
                         <a:effectLst/>
                       </a:endParaRPr>
                     </a:p>
@@ -7760,12 +5784,12 @@
                     <a:p>
                       <a:pPr algn="ctr"/>
                       <a:r>
-                        <a:rPr lang="en-US" sz="1200" b="0" baseline="0" dirty="0" smtClean="0">
+                        <a:rPr lang="en-US" sz="1000" b="0" baseline="0" dirty="0" smtClean="0">
                           <a:effectLst/>
                         </a:rPr>
                         <a:t>110</a:t>
                       </a:r>
-                      <a:endParaRPr lang="en-US" sz="1200" b="0" baseline="0" dirty="0">
+                      <a:endParaRPr lang="en-US" sz="1000" b="0" baseline="0" dirty="0">
                         <a:effectLst/>
                       </a:endParaRPr>
                     </a:p>
@@ -7800,12 +5824,12 @@
                     <a:p>
                       <a:pPr algn="ctr"/>
                       <a:r>
-                        <a:rPr lang="en-US" sz="1200" b="0" baseline="0" dirty="0" smtClean="0">
+                        <a:rPr lang="en-US" sz="1000" b="0" baseline="0" dirty="0" smtClean="0">
                           <a:effectLst/>
                         </a:rPr>
                         <a:t>0.36</a:t>
                       </a:r>
-                      <a:endParaRPr lang="en-US" sz="1200" b="0" baseline="0" dirty="0">
+                      <a:endParaRPr lang="en-US" sz="1000" b="0" baseline="0" dirty="0">
                         <a:effectLst/>
                       </a:endParaRPr>
                     </a:p>
@@ -7840,12 +5864,12 @@
                     <a:p>
                       <a:pPr algn="ctr"/>
                       <a:r>
-                        <a:rPr lang="en-US" sz="1200" b="0" baseline="0" dirty="0" smtClean="0">
+                        <a:rPr lang="en-US" sz="1000" b="0" baseline="0" dirty="0" smtClean="0">
                           <a:effectLst/>
                         </a:rPr>
                         <a:t>2.3</a:t>
                       </a:r>
-                      <a:endParaRPr lang="en-US" sz="1200" b="0" baseline="0" dirty="0">
+                      <a:endParaRPr lang="en-US" sz="1000" b="0" baseline="0" dirty="0">
                         <a:effectLst/>
                       </a:endParaRPr>
                     </a:p>
@@ -7880,12 +5904,12 @@
                     <a:p>
                       <a:pPr algn="ctr"/>
                       <a:r>
-                        <a:rPr lang="en-US" sz="1200" b="0" baseline="0" dirty="0" smtClean="0">
+                        <a:rPr lang="en-US" sz="1000" b="0" baseline="0" dirty="0" smtClean="0">
                           <a:effectLst/>
                         </a:rPr>
                         <a:t>25</a:t>
                       </a:r>
-                      <a:endParaRPr lang="en-US" sz="1200" b="0" baseline="0" dirty="0">
+                      <a:endParaRPr lang="en-US" sz="1000" b="0" baseline="0" dirty="0">
                         <a:effectLst/>
                       </a:endParaRPr>
                     </a:p>
@@ -7920,12 +5944,12 @@
                     <a:p>
                       <a:pPr algn="ctr"/>
                       <a:r>
-                        <a:rPr lang="en-US" sz="1200" b="0" baseline="0" dirty="0" smtClean="0">
+                        <a:rPr lang="en-US" sz="1000" b="0" baseline="0" dirty="0" smtClean="0">
                           <a:effectLst/>
                         </a:rPr>
                         <a:t>M</a:t>
                       </a:r>
-                      <a:endParaRPr lang="en-US" sz="1200" b="0" baseline="0" dirty="0">
+                      <a:endParaRPr lang="en-US" sz="1000" b="0" baseline="0" dirty="0">
                         <a:effectLst/>
                       </a:endParaRPr>
                     </a:p>
@@ -7962,12 +5986,12 @@
                     <a:p>
                       <a:pPr algn="ctr"/>
                       <a:r>
-                        <a:rPr lang="en-US" sz="1200" baseline="0" dirty="0" smtClean="0">
+                        <a:rPr lang="en-US" sz="1000" baseline="0" dirty="0" smtClean="0">
                           <a:effectLst/>
                         </a:rPr>
                         <a:t>-2.1</a:t>
                       </a:r>
-                      <a:endParaRPr lang="en-US" sz="1200" baseline="0" dirty="0">
+                      <a:endParaRPr lang="en-US" sz="1000" baseline="0" dirty="0">
                         <a:effectLst/>
                       </a:endParaRPr>
                     </a:p>
@@ -8002,12 +6026,12 @@
                     <a:p>
                       <a:pPr algn="ctr"/>
                       <a:r>
-                        <a:rPr lang="en-US" sz="1200" baseline="0" dirty="0" smtClean="0">
+                        <a:rPr lang="en-US" sz="1000" baseline="0" dirty="0" smtClean="0">
                           <a:effectLst/>
                         </a:rPr>
                         <a:t>90</a:t>
                       </a:r>
-                      <a:endParaRPr lang="en-US" sz="1200" baseline="0" dirty="0">
+                      <a:endParaRPr lang="en-US" sz="1000" baseline="0" dirty="0">
                         <a:effectLst/>
                       </a:endParaRPr>
                     </a:p>
@@ -8042,12 +6066,12 @@
                     <a:p>
                       <a:pPr algn="ctr"/>
                       <a:r>
-                        <a:rPr lang="en-US" sz="1200" baseline="0" dirty="0" smtClean="0">
+                        <a:rPr lang="en-US" sz="1000" baseline="0" dirty="0" smtClean="0">
                           <a:effectLst/>
                         </a:rPr>
                         <a:t>0.27</a:t>
                       </a:r>
-                      <a:endParaRPr lang="en-US" sz="1200" baseline="0" dirty="0">
+                      <a:endParaRPr lang="en-US" sz="1000" baseline="0" dirty="0">
                         <a:effectLst/>
                       </a:endParaRPr>
                     </a:p>
@@ -8082,12 +6106,12 @@
                     <a:p>
                       <a:pPr algn="ctr"/>
                       <a:r>
-                        <a:rPr lang="en-US" sz="1200" baseline="0" dirty="0" smtClean="0">
+                        <a:rPr lang="en-US" sz="1000" baseline="0" dirty="0" smtClean="0">
                           <a:effectLst/>
                         </a:rPr>
                         <a:t>1.7</a:t>
                       </a:r>
-                      <a:endParaRPr lang="en-US" sz="1200" baseline="0" dirty="0">
+                      <a:endParaRPr lang="en-US" sz="1000" baseline="0" dirty="0">
                         <a:effectLst/>
                       </a:endParaRPr>
                     </a:p>
@@ -8122,12 +6146,12 @@
                     <a:p>
                       <a:pPr algn="ctr"/>
                       <a:r>
-                        <a:rPr lang="en-US" sz="1200" baseline="0" dirty="0" smtClean="0">
+                        <a:rPr lang="en-US" sz="1000" baseline="0" dirty="0" smtClean="0">
                           <a:effectLst/>
                         </a:rPr>
                         <a:t>34</a:t>
                       </a:r>
-                      <a:endParaRPr lang="en-US" sz="1200" baseline="0" dirty="0">
+                      <a:endParaRPr lang="en-US" sz="1000" baseline="0" dirty="0">
                         <a:effectLst/>
                       </a:endParaRPr>
                     </a:p>
@@ -8162,12 +6186,12 @@
                     <a:p>
                       <a:pPr algn="ctr"/>
                       <a:r>
-                        <a:rPr lang="en-US" sz="1200" baseline="0" dirty="0" smtClean="0">
+                        <a:rPr lang="en-US" sz="1000" baseline="0" dirty="0" smtClean="0">
                           <a:effectLst/>
                         </a:rPr>
                         <a:t>F</a:t>
                       </a:r>
-                      <a:endParaRPr lang="en-US" sz="1200" baseline="0" dirty="0">
+                      <a:endParaRPr lang="en-US" sz="1000" baseline="0" dirty="0">
                         <a:effectLst/>
                       </a:endParaRPr>
                     </a:p>
@@ -8204,12 +6228,12 @@
                     <a:p>
                       <a:pPr algn="ctr"/>
                       <a:r>
-                        <a:rPr lang="en-US" sz="1200" baseline="0" dirty="0" smtClean="0">
+                        <a:rPr lang="en-US" sz="1000" baseline="0" dirty="0" smtClean="0">
                           <a:effectLst/>
                         </a:rPr>
                         <a:t>-0.3</a:t>
                       </a:r>
-                      <a:endParaRPr lang="en-US" sz="1200" baseline="0" dirty="0">
+                      <a:endParaRPr lang="en-US" sz="1000" baseline="0" dirty="0">
                         <a:effectLst/>
                       </a:endParaRPr>
                     </a:p>
@@ -8244,12 +6268,12 @@
                     <a:p>
                       <a:pPr algn="ctr"/>
                       <a:r>
-                        <a:rPr lang="en-US" sz="1200" baseline="0" dirty="0" smtClean="0">
+                        <a:rPr lang="en-US" sz="1000" baseline="0" dirty="0" smtClean="0">
                           <a:effectLst/>
                         </a:rPr>
                         <a:t>44</a:t>
                       </a:r>
-                      <a:endParaRPr lang="en-US" sz="1200" baseline="0" dirty="0">
+                      <a:endParaRPr lang="en-US" sz="1000" baseline="0" dirty="0">
                         <a:effectLst/>
                       </a:endParaRPr>
                     </a:p>
@@ -8284,12 +6308,12 @@
                     <a:p>
                       <a:pPr algn="ctr"/>
                       <a:r>
-                        <a:rPr lang="en-US" sz="1200" baseline="0" dirty="0" smtClean="0">
+                        <a:rPr lang="en-US" sz="1000" baseline="0" dirty="0" smtClean="0">
                           <a:effectLst/>
                         </a:rPr>
                         <a:t>0.18</a:t>
                       </a:r>
-                      <a:endParaRPr lang="en-US" sz="1200" baseline="0" dirty="0">
+                      <a:endParaRPr lang="en-US" sz="1000" baseline="0" dirty="0">
                         <a:effectLst/>
                       </a:endParaRPr>
                     </a:p>
@@ -8324,12 +6348,12 @@
                     <a:p>
                       <a:pPr algn="ctr"/>
                       <a:r>
-                        <a:rPr lang="en-US" sz="1200" baseline="0" dirty="0" smtClean="0">
+                        <a:rPr lang="en-US" sz="1000" baseline="0" dirty="0" smtClean="0">
                           <a:effectLst/>
                         </a:rPr>
                         <a:t>2.1</a:t>
                       </a:r>
-                      <a:endParaRPr lang="en-US" sz="1200" baseline="0" dirty="0">
+                      <a:endParaRPr lang="en-US" sz="1000" baseline="0" dirty="0">
                         <a:effectLst/>
                       </a:endParaRPr>
                     </a:p>
@@ -8364,12 +6388,12 @@
                     <a:p>
                       <a:pPr algn="ctr"/>
                       <a:r>
-                        <a:rPr lang="en-US" sz="1200" baseline="0" dirty="0" smtClean="0">
+                        <a:rPr lang="en-US" sz="1000" baseline="0" dirty="0" smtClean="0">
                           <a:effectLst/>
                         </a:rPr>
                         <a:t>24</a:t>
                       </a:r>
-                      <a:endParaRPr lang="en-US" sz="1200" baseline="0" dirty="0">
+                      <a:endParaRPr lang="en-US" sz="1000" baseline="0" dirty="0">
                         <a:effectLst/>
                       </a:endParaRPr>
                     </a:p>
@@ -8404,496 +6428,12 @@
                     <a:p>
                       <a:pPr algn="ctr"/>
                       <a:r>
-                        <a:rPr lang="en-US" sz="1200" baseline="0" dirty="0" smtClean="0">
+                        <a:rPr lang="en-US" sz="1000" baseline="0" dirty="0" smtClean="0">
                           <a:effectLst/>
                         </a:rPr>
                         <a:t>F</a:t>
                       </a:r>
-                      <a:endParaRPr lang="en-US" sz="1200" baseline="0" dirty="0">
-                        <a:effectLst/>
-                      </a:endParaRPr>
-                    </a:p>
-                  </a:txBody>
-                  <a:tcPr marL="50800" marR="50800" marT="25400" marB="25400" anchor="b">
-                    <a:lnL w="12700" cmpd="sng">
-                      <a:noFill/>
-                    </a:lnL>
-                    <a:lnR w="12700" cmpd="sng">
-                      <a:noFill/>
-                    </a:lnR>
-                    <a:lnT w="12700" cmpd="sng">
-                      <a:noFill/>
-                    </a:lnT>
-                    <a:lnB w="12700" cmpd="sng">
-                      <a:noFill/>
-                    </a:lnB>
-                    <a:lnTlToBr w="12700" cmpd="sng">
-                      <a:noFill/>
-                      <a:prstDash val="solid"/>
-                    </a:lnTlToBr>
-                    <a:lnBlToTr w="12700" cmpd="sng">
-                      <a:noFill/>
-                      <a:prstDash val="solid"/>
-                    </a:lnBlToTr>
-                  </a:tcPr>
-                </a:tc>
-              </a:tr>
-              <a:tr h="227785">
-                <a:tc>
-                  <a:txBody>
-                    <a:bodyPr/>
-                    <a:lstStyle/>
-                    <a:p>
-                      <a:pPr algn="ctr"/>
-                      <a:r>
-                        <a:rPr lang="en-US" sz="1200" baseline="0" dirty="0" smtClean="0">
-                          <a:effectLst/>
-                        </a:rPr>
-                        <a:t>1.2</a:t>
-                      </a:r>
-                      <a:endParaRPr lang="en-US" sz="1200" baseline="0" dirty="0">
-                        <a:effectLst/>
-                      </a:endParaRPr>
-                    </a:p>
-                  </a:txBody>
-                  <a:tcPr marL="50800" marR="50800" marT="25400" marB="25400" anchor="b">
-                    <a:lnL w="12700" cmpd="sng">
-                      <a:noFill/>
-                    </a:lnL>
-                    <a:lnR w="12700" cmpd="sng">
-                      <a:noFill/>
-                    </a:lnR>
-                    <a:lnT w="12700" cmpd="sng">
-                      <a:noFill/>
-                    </a:lnT>
-                    <a:lnB w="12700" cmpd="sng">
-                      <a:noFill/>
-                    </a:lnB>
-                    <a:lnTlToBr w="12700" cmpd="sng">
-                      <a:noFill/>
-                      <a:prstDash val="solid"/>
-                    </a:lnTlToBr>
-                    <a:lnBlToTr w="12700" cmpd="sng">
-                      <a:noFill/>
-                      <a:prstDash val="solid"/>
-                    </a:lnBlToTr>
-                  </a:tcPr>
-                </a:tc>
-                <a:tc>
-                  <a:txBody>
-                    <a:bodyPr/>
-                    <a:lstStyle/>
-                    <a:p>
-                      <a:pPr algn="ctr"/>
-                      <a:r>
-                        <a:rPr lang="is-IS" sz="1200" baseline="0" dirty="0" smtClean="0">
-                          <a:effectLst/>
-                        </a:rPr>
-                        <a:t>206</a:t>
-                      </a:r>
-                      <a:endParaRPr lang="en-US" sz="1200" baseline="0" dirty="0">
-                        <a:effectLst/>
-                      </a:endParaRPr>
-                    </a:p>
-                  </a:txBody>
-                  <a:tcPr marL="50800" marR="50800" marT="25400" marB="25400" anchor="b">
-                    <a:lnL w="12700" cmpd="sng">
-                      <a:noFill/>
-                    </a:lnL>
-                    <a:lnR w="12700" cmpd="sng">
-                      <a:noFill/>
-                    </a:lnR>
-                    <a:lnT w="12700" cmpd="sng">
-                      <a:noFill/>
-                    </a:lnT>
-                    <a:lnB w="12700" cmpd="sng">
-                      <a:noFill/>
-                    </a:lnB>
-                    <a:lnTlToBr w="12700" cmpd="sng">
-                      <a:noFill/>
-                      <a:prstDash val="solid"/>
-                    </a:lnTlToBr>
-                    <a:lnBlToTr w="12700" cmpd="sng">
-                      <a:noFill/>
-                      <a:prstDash val="solid"/>
-                    </a:lnBlToTr>
-                  </a:tcPr>
-                </a:tc>
-                <a:tc>
-                  <a:txBody>
-                    <a:bodyPr/>
-                    <a:lstStyle/>
-                    <a:p>
-                      <a:pPr algn="ctr"/>
-                      <a:r>
-                        <a:rPr lang="en-US" sz="1200" baseline="0" dirty="0" smtClean="0">
-                          <a:effectLst/>
-                        </a:rPr>
-                        <a:t>0.21</a:t>
-                      </a:r>
-                      <a:endParaRPr lang="en-US" sz="1200" baseline="0" dirty="0">
-                        <a:effectLst/>
-                      </a:endParaRPr>
-                    </a:p>
-                  </a:txBody>
-                  <a:tcPr marL="50800" marR="50800" marT="25400" marB="25400" anchor="b">
-                    <a:lnL w="12700" cmpd="sng">
-                      <a:noFill/>
-                    </a:lnL>
-                    <a:lnR w="12700" cmpd="sng">
-                      <a:noFill/>
-                    </a:lnR>
-                    <a:lnT w="12700" cmpd="sng">
-                      <a:noFill/>
-                    </a:lnT>
-                    <a:lnB w="12700" cmpd="sng">
-                      <a:noFill/>
-                    </a:lnB>
-                    <a:lnTlToBr w="12700" cmpd="sng">
-                      <a:noFill/>
-                      <a:prstDash val="solid"/>
-                    </a:lnTlToBr>
-                    <a:lnBlToTr w="12700" cmpd="sng">
-                      <a:noFill/>
-                      <a:prstDash val="solid"/>
-                    </a:lnBlToTr>
-                  </a:tcPr>
-                </a:tc>
-                <a:tc>
-                  <a:txBody>
-                    <a:bodyPr/>
-                    <a:lstStyle/>
-                    <a:p>
-                      <a:pPr algn="ctr"/>
-                      <a:r>
-                        <a:rPr lang="en-US" sz="1200" baseline="0" dirty="0" smtClean="0">
-                          <a:effectLst/>
-                        </a:rPr>
-                        <a:t>1.9</a:t>
-                      </a:r>
-                      <a:endParaRPr lang="en-US" sz="1200" baseline="0" dirty="0">
-                        <a:effectLst/>
-                      </a:endParaRPr>
-                    </a:p>
-                  </a:txBody>
-                  <a:tcPr marL="50800" marR="50800" marT="25400" marB="25400" anchor="b">
-                    <a:lnL w="12700" cmpd="sng">
-                      <a:noFill/>
-                    </a:lnL>
-                    <a:lnR w="12700" cmpd="sng">
-                      <a:noFill/>
-                    </a:lnR>
-                    <a:lnT w="12700" cmpd="sng">
-                      <a:noFill/>
-                    </a:lnT>
-                    <a:lnB w="12700" cmpd="sng">
-                      <a:noFill/>
-                    </a:lnB>
-                    <a:lnTlToBr w="12700" cmpd="sng">
-                      <a:noFill/>
-                      <a:prstDash val="solid"/>
-                    </a:lnTlToBr>
-                    <a:lnBlToTr w="12700" cmpd="sng">
-                      <a:noFill/>
-                      <a:prstDash val="solid"/>
-                    </a:lnBlToTr>
-                  </a:tcPr>
-                </a:tc>
-                <a:tc>
-                  <a:txBody>
-                    <a:bodyPr/>
-                    <a:lstStyle/>
-                    <a:p>
-                      <a:pPr algn="ctr"/>
-                      <a:r>
-                        <a:rPr lang="en-US" sz="1200" baseline="0" dirty="0" smtClean="0">
-                          <a:effectLst/>
-                        </a:rPr>
-                        <a:t>18</a:t>
-                      </a:r>
-                      <a:endParaRPr lang="en-US" sz="1200" baseline="0" dirty="0">
-                        <a:effectLst/>
-                      </a:endParaRPr>
-                    </a:p>
-                  </a:txBody>
-                  <a:tcPr marL="50800" marR="50800" marT="25400" marB="25400" anchor="b">
-                    <a:lnL w="12700" cmpd="sng">
-                      <a:noFill/>
-                    </a:lnL>
-                    <a:lnR w="12700" cmpd="sng">
-                      <a:noFill/>
-                    </a:lnR>
-                    <a:lnT w="12700" cmpd="sng">
-                      <a:noFill/>
-                    </a:lnT>
-                    <a:lnB w="12700" cmpd="sng">
-                      <a:noFill/>
-                    </a:lnB>
-                    <a:lnTlToBr w="12700" cmpd="sng">
-                      <a:noFill/>
-                      <a:prstDash val="solid"/>
-                    </a:lnTlToBr>
-                    <a:lnBlToTr w="12700" cmpd="sng">
-                      <a:noFill/>
-                      <a:prstDash val="solid"/>
-                    </a:lnBlToTr>
-                  </a:tcPr>
-                </a:tc>
-                <a:tc>
-                  <a:txBody>
-                    <a:bodyPr/>
-                    <a:lstStyle/>
-                    <a:p>
-                      <a:pPr algn="ctr"/>
-                      <a:r>
-                        <a:rPr lang="en-US" sz="1200" baseline="0" dirty="0" smtClean="0">
-                          <a:effectLst/>
-                        </a:rPr>
-                        <a:t>M</a:t>
-                      </a:r>
-                      <a:endParaRPr lang="en-US" sz="1200" baseline="0" dirty="0">
-                        <a:effectLst/>
-                      </a:endParaRPr>
-                    </a:p>
-                  </a:txBody>
-                  <a:tcPr marL="50800" marR="50800" marT="25400" marB="25400" anchor="b">
-                    <a:lnL w="12700" cmpd="sng">
-                      <a:noFill/>
-                    </a:lnL>
-                    <a:lnR w="12700" cmpd="sng">
-                      <a:noFill/>
-                    </a:lnR>
-                    <a:lnT w="12700" cmpd="sng">
-                      <a:noFill/>
-                    </a:lnT>
-                    <a:lnB w="12700" cmpd="sng">
-                      <a:noFill/>
-                    </a:lnB>
-                    <a:lnTlToBr w="12700" cmpd="sng">
-                      <a:noFill/>
-                      <a:prstDash val="solid"/>
-                    </a:lnTlToBr>
-                    <a:lnBlToTr w="12700" cmpd="sng">
-                      <a:noFill/>
-                      <a:prstDash val="solid"/>
-                    </a:lnBlToTr>
-                  </a:tcPr>
-                </a:tc>
-              </a:tr>
-              <a:tr h="227785">
-                <a:tc>
-                  <a:txBody>
-                    <a:bodyPr/>
-                    <a:lstStyle/>
-                    <a:p>
-                      <a:pPr algn="ctr"/>
-                      <a:r>
-                        <a:rPr lang="en-US" sz="1200" baseline="0" dirty="0" smtClean="0">
-                          <a:effectLst/>
-                        </a:rPr>
-                        <a:t>-1.8</a:t>
-                      </a:r>
-                      <a:endParaRPr lang="en-US" sz="1200" baseline="0" dirty="0">
-                        <a:effectLst/>
-                      </a:endParaRPr>
-                    </a:p>
-                  </a:txBody>
-                  <a:tcPr marL="50800" marR="50800" marT="25400" marB="25400" anchor="b">
-                    <a:lnL w="12700" cmpd="sng">
-                      <a:noFill/>
-                    </a:lnL>
-                    <a:lnR w="12700" cmpd="sng">
-                      <a:noFill/>
-                    </a:lnR>
-                    <a:lnT w="12700" cmpd="sng">
-                      <a:noFill/>
-                    </a:lnT>
-                    <a:lnB w="12700" cmpd="sng">
-                      <a:noFill/>
-                    </a:lnB>
-                    <a:lnTlToBr w="12700" cmpd="sng">
-                      <a:noFill/>
-                      <a:prstDash val="solid"/>
-                    </a:lnTlToBr>
-                    <a:lnBlToTr w="12700" cmpd="sng">
-                      <a:noFill/>
-                      <a:prstDash val="solid"/>
-                    </a:lnBlToTr>
-                  </a:tcPr>
-                </a:tc>
-                <a:tc>
-                  <a:txBody>
-                    <a:bodyPr/>
-                    <a:lstStyle/>
-                    <a:p>
-                      <a:pPr algn="ctr"/>
-                      <a:r>
-                        <a:rPr lang="is-IS" sz="1200" baseline="0" dirty="0" smtClean="0">
-                          <a:effectLst/>
-                        </a:rPr>
-                        <a:t>23</a:t>
-                      </a:r>
-                      <a:endParaRPr lang="en-US" sz="1200" baseline="0" dirty="0">
-                        <a:effectLst/>
-                      </a:endParaRPr>
-                    </a:p>
-                  </a:txBody>
-                  <a:tcPr marL="50800" marR="50800" marT="25400" marB="25400" anchor="b">
-                    <a:lnL w="12700" cmpd="sng">
-                      <a:noFill/>
-                    </a:lnL>
-                    <a:lnR w="12700" cmpd="sng">
-                      <a:noFill/>
-                    </a:lnR>
-                    <a:lnT w="12700" cmpd="sng">
-                      <a:noFill/>
-                    </a:lnT>
-                    <a:lnB w="12700" cmpd="sng">
-                      <a:noFill/>
-                    </a:lnB>
-                    <a:lnTlToBr w="12700" cmpd="sng">
-                      <a:noFill/>
-                      <a:prstDash val="solid"/>
-                    </a:lnTlToBr>
-                    <a:lnBlToTr w="12700" cmpd="sng">
-                      <a:noFill/>
-                      <a:prstDash val="solid"/>
-                    </a:lnBlToTr>
-                  </a:tcPr>
-                </a:tc>
-                <a:tc>
-                  <a:txBody>
-                    <a:bodyPr/>
-                    <a:lstStyle/>
-                    <a:p>
-                      <a:pPr algn="ctr"/>
-                      <a:r>
-                        <a:rPr lang="en-US" sz="1200" baseline="0" dirty="0" smtClean="0">
-                          <a:effectLst/>
-                        </a:rPr>
-                        <a:t>0.42</a:t>
-                      </a:r>
-                      <a:endParaRPr lang="en-US" sz="1200" baseline="0" dirty="0">
-                        <a:effectLst/>
-                      </a:endParaRPr>
-                    </a:p>
-                  </a:txBody>
-                  <a:tcPr marL="50800" marR="50800" marT="25400" marB="25400" anchor="b">
-                    <a:lnL w="12700" cmpd="sng">
-                      <a:noFill/>
-                    </a:lnL>
-                    <a:lnR w="12700" cmpd="sng">
-                      <a:noFill/>
-                    </a:lnR>
-                    <a:lnT w="12700" cmpd="sng">
-                      <a:noFill/>
-                    </a:lnT>
-                    <a:lnB w="12700" cmpd="sng">
-                      <a:noFill/>
-                    </a:lnB>
-                    <a:lnTlToBr w="12700" cmpd="sng">
-                      <a:noFill/>
-                      <a:prstDash val="solid"/>
-                    </a:lnTlToBr>
-                    <a:lnBlToTr w="12700" cmpd="sng">
-                      <a:noFill/>
-                      <a:prstDash val="solid"/>
-                    </a:lnBlToTr>
-                  </a:tcPr>
-                </a:tc>
-                <a:tc>
-                  <a:txBody>
-                    <a:bodyPr/>
-                    <a:lstStyle/>
-                    <a:p>
-                      <a:pPr algn="ctr"/>
-                      <a:r>
-                        <a:rPr lang="en-US" sz="1200" baseline="0" dirty="0" smtClean="0">
-                          <a:effectLst/>
-                        </a:rPr>
-                        <a:t>2.5</a:t>
-                      </a:r>
-                      <a:endParaRPr lang="en-US" sz="1200" baseline="0" dirty="0">
-                        <a:effectLst/>
-                      </a:endParaRPr>
-                    </a:p>
-                  </a:txBody>
-                  <a:tcPr marL="50800" marR="50800" marT="25400" marB="25400" anchor="b">
-                    <a:lnL w="12700" cmpd="sng">
-                      <a:noFill/>
-                    </a:lnL>
-                    <a:lnR w="12700" cmpd="sng">
-                      <a:noFill/>
-                    </a:lnR>
-                    <a:lnT w="12700" cmpd="sng">
-                      <a:noFill/>
-                    </a:lnT>
-                    <a:lnB w="12700" cmpd="sng">
-                      <a:noFill/>
-                    </a:lnB>
-                    <a:lnTlToBr w="12700" cmpd="sng">
-                      <a:noFill/>
-                      <a:prstDash val="solid"/>
-                    </a:lnTlToBr>
-                    <a:lnBlToTr w="12700" cmpd="sng">
-                      <a:noFill/>
-                      <a:prstDash val="solid"/>
-                    </a:lnBlToTr>
-                  </a:tcPr>
-                </a:tc>
-                <a:tc>
-                  <a:txBody>
-                    <a:bodyPr/>
-                    <a:lstStyle/>
-                    <a:p>
-                      <a:pPr algn="ctr"/>
-                      <a:r>
-                        <a:rPr lang="en-US" sz="1200" baseline="0" dirty="0" smtClean="0">
-                          <a:effectLst/>
-                        </a:rPr>
-                        <a:t>41</a:t>
-                      </a:r>
-                      <a:endParaRPr lang="en-US" sz="1200" baseline="0" dirty="0">
-                        <a:effectLst/>
-                      </a:endParaRPr>
-                    </a:p>
-                  </a:txBody>
-                  <a:tcPr marL="50800" marR="50800" marT="25400" marB="25400" anchor="b">
-                    <a:lnL w="12700" cmpd="sng">
-                      <a:noFill/>
-                    </a:lnL>
-                    <a:lnR w="12700" cmpd="sng">
-                      <a:noFill/>
-                    </a:lnR>
-                    <a:lnT w="12700" cmpd="sng">
-                      <a:noFill/>
-                    </a:lnT>
-                    <a:lnB w="12700" cmpd="sng">
-                      <a:noFill/>
-                    </a:lnB>
-                    <a:lnTlToBr w="12700" cmpd="sng">
-                      <a:noFill/>
-                      <a:prstDash val="solid"/>
-                    </a:lnTlToBr>
-                    <a:lnBlToTr w="12700" cmpd="sng">
-                      <a:noFill/>
-                      <a:prstDash val="solid"/>
-                    </a:lnBlToTr>
-                  </a:tcPr>
-                </a:tc>
-                <a:tc>
-                  <a:txBody>
-                    <a:bodyPr/>
-                    <a:lstStyle/>
-                    <a:p>
-                      <a:pPr algn="ctr"/>
-                      <a:r>
-                        <a:rPr lang="en-US" sz="1200" baseline="0" dirty="0" smtClean="0">
-                          <a:effectLst/>
-                        </a:rPr>
-                        <a:t>F</a:t>
-                      </a:r>
-                      <a:endParaRPr lang="en-US" sz="1200" baseline="0" dirty="0">
+                      <a:endParaRPr lang="en-US" sz="1000" baseline="0" dirty="0">
                         <a:effectLst/>
                       </a:endParaRPr>
                     </a:p>
@@ -8934,8 +6474,8 @@
         </p:nvSpPr>
         <p:spPr>
           <a:xfrm>
-            <a:off x="4547832" y="3340746"/>
-            <a:ext cx="2767489" cy="646331"/>
+            <a:off x="3735032" y="3344832"/>
+            <a:ext cx="2190949" cy="523220"/>
           </a:xfrm>
           <a:prstGeom prst="rect">
             <a:avLst/>
@@ -8949,19 +6489,29 @@
           <a:lstStyle/>
           <a:p>
             <a:r>
-              <a:rPr lang="en-US" dirty="0">
+              <a:rPr lang="en-US" sz="1400" dirty="0" smtClean="0">
                 <a:solidFill>
                   <a:schemeClr val="bg1">
                     <a:lumMod val="50000"/>
                   </a:schemeClr>
                 </a:solidFill>
               </a:rPr>
-              <a:t>Formats: text file, space or </a:t>
-            </a:r>
-          </a:p>
-          <a:p>
-            <a:r>
-              <a:rPr lang="en-US" dirty="0">
+              <a:t>Format: </a:t>
+            </a:r>
+            <a:r>
+              <a:rPr lang="en-US" sz="1400" dirty="0">
+                <a:solidFill>
+                  <a:schemeClr val="bg1">
+                    <a:lumMod val="50000"/>
+                  </a:schemeClr>
+                </a:solidFill>
+              </a:rPr>
+              <a:t>text file, space or </a:t>
+            </a:r>
+          </a:p>
+          <a:p>
+            <a:r>
+              <a:rPr lang="en-US" sz="1400" dirty="0">
                 <a:solidFill>
                   <a:schemeClr val="bg1">
                     <a:lumMod val="50000"/>
@@ -8981,8 +6531,8 @@
         </p:nvSpPr>
         <p:spPr>
           <a:xfrm>
-            <a:off x="5339539" y="4431267"/>
-            <a:ext cx="1795107" cy="276999"/>
+            <a:off x="4455668" y="4435353"/>
+            <a:ext cx="1666529" cy="261610"/>
           </a:xfrm>
           <a:prstGeom prst="rect">
             <a:avLst/>
@@ -8996,7 +6546,7 @@
           <a:lstStyle/>
           <a:p>
             <a:r>
-              <a:rPr lang="en-US" sz="1200" dirty="0"/>
+              <a:rPr lang="en-US" sz="1100" dirty="0"/>
               <a:t>3 traits and 4 fixed effects</a:t>
             </a:r>
           </a:p>
@@ -9010,8 +6560,8 @@
         </p:nvSpPr>
         <p:spPr>
           <a:xfrm rot="16200000">
-            <a:off x="4307997" y="5419196"/>
-            <a:ext cx="853119" cy="276999"/>
+            <a:off x="3417609" y="5234730"/>
+            <a:ext cx="800238" cy="261610"/>
           </a:xfrm>
           <a:prstGeom prst="rect">
             <a:avLst/>
@@ -9025,7 +6575,7 @@
           <a:lstStyle/>
           <a:p>
             <a:r>
-              <a:rPr lang="en-US" sz="1200" dirty="0"/>
+              <a:rPr lang="en-US" sz="1100" dirty="0"/>
               <a:t>Individuals</a:t>
             </a:r>
           </a:p>
@@ -9039,8 +6589,8 @@
         </p:nvSpPr>
         <p:spPr>
           <a:xfrm>
-            <a:off x="5577145" y="3960426"/>
-            <a:ext cx="803425" cy="307777"/>
+            <a:off x="4571900" y="3931575"/>
+            <a:ext cx="715836" cy="276999"/>
           </a:xfrm>
           <a:prstGeom prst="rect">
             <a:avLst/>
@@ -9054,7 +6604,11 @@
           <a:lstStyle/>
           <a:p>
             <a:r>
-              <a:rPr lang="en-US" sz="1400" dirty="0"/>
+              <a:rPr lang="en-US" sz="1200" dirty="0">
+                <a:solidFill>
+                  <a:srgbClr val="008000"/>
+                </a:solidFill>
+              </a:rPr>
               <a:t>Example</a:t>
             </a:r>
           </a:p>
@@ -9068,8 +6622,8 @@
         </p:nvSpPr>
         <p:spPr>
           <a:xfrm>
-            <a:off x="4539044" y="4243207"/>
-            <a:ext cx="1117614" cy="276999"/>
+            <a:off x="3655173" y="4247293"/>
+            <a:ext cx="1039179" cy="261610"/>
           </a:xfrm>
           <a:prstGeom prst="rect">
             <a:avLst/>
@@ -9083,7 +6637,7 @@
           <a:lstStyle/>
           <a:p>
             <a:r>
-              <a:rPr lang="en-US" sz="1200" dirty="0"/>
+              <a:rPr lang="en-US" sz="1100" dirty="0"/>
               <a:t>Column names</a:t>
             </a:r>
           </a:p>
@@ -9097,7 +6651,7 @@
         </p:nvCxnSpPr>
         <p:spPr>
           <a:xfrm flipH="1" flipV="1">
-            <a:off x="4804766" y="4469831"/>
+            <a:off x="3920895" y="4473917"/>
             <a:ext cx="293087" cy="241632"/>
           </a:xfrm>
           <a:prstGeom prst="line">
@@ -9133,8 +6687,8 @@
         </p:nvSpPr>
         <p:spPr>
           <a:xfrm>
-            <a:off x="4810731" y="4658704"/>
-            <a:ext cx="2735345" cy="276186"/>
+            <a:off x="3926860" y="4662789"/>
+            <a:ext cx="2166653" cy="297291"/>
           </a:xfrm>
           <a:prstGeom prst="ellipse">
             <a:avLst/>
@@ -9180,8 +6734,8 @@
         </p:nvSpPr>
         <p:spPr>
           <a:xfrm>
-            <a:off x="8864108" y="2983584"/>
-            <a:ext cx="2841450" cy="3231463"/>
+            <a:off x="7084231" y="3237438"/>
+            <a:ext cx="2020778" cy="2528216"/>
           </a:xfrm>
           <a:prstGeom prst="rect">
             <a:avLst/>
@@ -9222,60 +6776,16 @@
       </p:sp>
       <p:sp>
         <p:nvSpPr>
-          <p:cNvPr id="56" name="Rectangle 55"/>
-          <p:cNvSpPr/>
+          <p:cNvPr id="54" name="Rounded Rectangle 53"/>
+          <p:cNvSpPr>
+            <a:spLocks/>
+          </p:cNvSpPr>
           <p:nvPr/>
         </p:nvSpPr>
         <p:spPr>
           <a:xfrm>
-            <a:off x="9197592" y="4332888"/>
-            <a:ext cx="2282996" cy="1660756"/>
-          </a:xfrm>
-          <a:prstGeom prst="rect">
-            <a:avLst/>
-          </a:prstGeom>
-          <a:solidFill>
-            <a:schemeClr val="bg1"/>
-          </a:solidFill>
-          <a:ln>
-            <a:noFill/>
-          </a:ln>
-        </p:spPr>
-        <p:style>
-          <a:lnRef idx="2">
-            <a:schemeClr val="accent1">
-              <a:shade val="50000"/>
-            </a:schemeClr>
-          </a:lnRef>
-          <a:fillRef idx="1">
-            <a:schemeClr val="accent1"/>
-          </a:fillRef>
-          <a:effectRef idx="0">
-            <a:schemeClr val="accent1"/>
-          </a:effectRef>
-          <a:fontRef idx="minor">
-            <a:schemeClr val="lt1"/>
-          </a:fontRef>
-        </p:style>
-        <p:txBody>
-          <a:bodyPr rtlCol="0" anchor="ctr"/>
-          <a:lstStyle/>
-          <a:p>
-            <a:pPr algn="ctr"/>
-            <a:endParaRPr lang="en-US"/>
-          </a:p>
-        </p:txBody>
-      </p:sp>
-      <p:sp>
-        <p:nvSpPr>
-          <p:cNvPr id="54" name="Rounded Rectangle 53"/>
-          <p:cNvSpPr/>
-          <p:nvPr/>
-        </p:nvSpPr>
-        <p:spPr>
-          <a:xfrm>
-            <a:off x="8864110" y="2607598"/>
-            <a:ext cx="2841448" cy="675352"/>
+            <a:off x="7084233" y="2861451"/>
+            <a:ext cx="2020776" cy="504000"/>
           </a:xfrm>
           <a:prstGeom prst="roundRect">
             <a:avLst/>
@@ -9320,8 +6830,8 @@
         </p:nvSpPr>
         <p:spPr>
           <a:xfrm>
-            <a:off x="8926644" y="2626051"/>
-            <a:ext cx="3215263" cy="584775"/>
+            <a:off x="7173768" y="2853891"/>
+            <a:ext cx="2008697" cy="461665"/>
           </a:xfrm>
           <a:prstGeom prst="rect">
             <a:avLst/>
@@ -9335,7 +6845,7 @@
           <a:lstStyle/>
           <a:p>
             <a:r>
-              <a:rPr lang="en-US" sz="3200" b="1" cap="small" dirty="0">
+              <a:rPr lang="en-US" sz="2400" b="1" cap="small" dirty="0">
                 <a:solidFill>
                   <a:schemeClr val="bg1"/>
                 </a:solidFill>
@@ -9345,7 +6855,7 @@
               <a:t>Read</a:t>
             </a:r>
             <a:r>
-              <a:rPr lang="en-US" sz="3200" cap="small" dirty="0">
+              <a:rPr lang="en-US" sz="2400" cap="small" dirty="0">
                 <a:solidFill>
                   <a:schemeClr val="bg1"/>
                 </a:solidFill>
@@ -9355,7 +6865,7 @@
               <a:t> </a:t>
             </a:r>
             <a:r>
-              <a:rPr lang="en-US" sz="3200" i="1" dirty="0">
+              <a:rPr lang="en-US" sz="2400" i="1" dirty="0">
                 <a:solidFill>
                   <a:schemeClr val="bg1"/>
                 </a:solidFill>
@@ -9375,8 +6885,8 @@
         </p:nvSpPr>
         <p:spPr>
           <a:xfrm>
-            <a:off x="8956153" y="3254161"/>
-            <a:ext cx="2471382" cy="646331"/>
+            <a:off x="7176276" y="3508014"/>
+            <a:ext cx="1928733" cy="523220"/>
           </a:xfrm>
           <a:prstGeom prst="rect">
             <a:avLst/>
@@ -9390,19 +6900,29 @@
           <a:lstStyle/>
           <a:p>
             <a:r>
-              <a:rPr lang="en-US" dirty="0">
+              <a:rPr lang="en-US" sz="1400" dirty="0" smtClean="0">
                 <a:solidFill>
                   <a:schemeClr val="bg1">
                     <a:lumMod val="50000"/>
                   </a:schemeClr>
                 </a:solidFill>
               </a:rPr>
-              <a:t>Formats: text file, space </a:t>
-            </a:r>
-          </a:p>
-          <a:p>
-            <a:r>
-              <a:rPr lang="en-US" dirty="0">
+              <a:t>Format: </a:t>
+            </a:r>
+            <a:r>
+              <a:rPr lang="en-US" sz="1400" dirty="0">
+                <a:solidFill>
+                  <a:schemeClr val="bg1">
+                    <a:lumMod val="50000"/>
+                  </a:schemeClr>
+                </a:solidFill>
+              </a:rPr>
+              <a:t>text file, space </a:t>
+            </a:r>
+          </a:p>
+          <a:p>
+            <a:r>
+              <a:rPr lang="en-US" sz="1400" dirty="0">
                 <a:solidFill>
                   <a:schemeClr val="bg1">
                     <a:lumMod val="50000"/>
@@ -9422,8 +6942,8 @@
         </p:nvSpPr>
         <p:spPr>
           <a:xfrm rot="16200000">
-            <a:off x="8910015" y="5093380"/>
-            <a:ext cx="434734" cy="276999"/>
+            <a:off x="7019645" y="4999118"/>
+            <a:ext cx="413413" cy="261610"/>
           </a:xfrm>
           <a:prstGeom prst="rect">
             <a:avLst/>
@@ -9437,7 +6957,7 @@
           <a:lstStyle/>
           <a:p>
             <a:r>
-              <a:rPr lang="en-US" sz="1200" dirty="0"/>
+              <a:rPr lang="en-US" sz="1100" dirty="0"/>
               <a:t>SNP</a:t>
             </a:r>
           </a:p>
@@ -9451,8 +6971,8 @@
         </p:nvSpPr>
         <p:spPr>
           <a:xfrm>
-            <a:off x="9927179" y="3824131"/>
-            <a:ext cx="803425" cy="307777"/>
+            <a:off x="7789384" y="4015945"/>
+            <a:ext cx="715836" cy="276999"/>
           </a:xfrm>
           <a:prstGeom prst="rect">
             <a:avLst/>
@@ -9466,7 +6986,7 @@
           <a:lstStyle/>
           <a:p>
             <a:r>
-              <a:rPr lang="en-US" sz="1400" dirty="0"/>
+              <a:rPr lang="en-US" sz="1200" dirty="0"/>
               <a:t>Example</a:t>
             </a:r>
           </a:p>
@@ -9480,8 +7000,8 @@
         </p:nvSpPr>
         <p:spPr>
           <a:xfrm>
-            <a:off x="8931872" y="3995494"/>
-            <a:ext cx="1117614" cy="276999"/>
+            <a:off x="7055776" y="4249347"/>
+            <a:ext cx="1039179" cy="261610"/>
           </a:xfrm>
           <a:prstGeom prst="rect">
             <a:avLst/>
@@ -9495,7 +7015,7 @@
           <a:lstStyle/>
           <a:p>
             <a:r>
-              <a:rPr lang="en-US" sz="1200" dirty="0"/>
+              <a:rPr lang="en-US" sz="1100" dirty="0"/>
               <a:t>Column names</a:t>
             </a:r>
           </a:p>
@@ -9509,7 +7029,7 @@
         </p:nvCxnSpPr>
         <p:spPr>
           <a:xfrm flipH="1" flipV="1">
-            <a:off x="9265883" y="4248712"/>
+            <a:off x="7389787" y="4502565"/>
             <a:ext cx="224799" cy="136937"/>
           </a:xfrm>
           <a:prstGeom prst="line">
@@ -9545,8 +7065,8 @@
         </p:nvSpPr>
         <p:spPr>
           <a:xfrm>
-            <a:off x="9203558" y="4332888"/>
-            <a:ext cx="2226230" cy="276186"/>
+            <a:off x="7327462" y="4586741"/>
+            <a:ext cx="1600602" cy="253331"/>
           </a:xfrm>
           <a:prstGeom prst="ellipse">
             <a:avLst/>
@@ -9592,8 +7112,8 @@
         </p:nvSpPr>
         <p:spPr>
           <a:xfrm>
-            <a:off x="8738149" y="8260446"/>
-            <a:ext cx="2841450" cy="3231463"/>
+            <a:off x="8080499" y="7271557"/>
+            <a:ext cx="2327218" cy="2788365"/>
           </a:xfrm>
           <a:prstGeom prst="rect">
             <a:avLst/>
@@ -9640,8 +7160,8 @@
         </p:nvSpPr>
         <p:spPr>
           <a:xfrm>
-            <a:off x="8720261" y="7792636"/>
-            <a:ext cx="2859339" cy="675352"/>
+            <a:off x="8062612" y="6803747"/>
+            <a:ext cx="2345106" cy="504000"/>
           </a:xfrm>
           <a:prstGeom prst="roundRect">
             <a:avLst/>
@@ -9688,8 +7208,8 @@
         </p:nvSpPr>
         <p:spPr>
           <a:xfrm>
-            <a:off x="8720262" y="7744243"/>
-            <a:ext cx="3215263" cy="584775"/>
+            <a:off x="8062613" y="6755354"/>
+            <a:ext cx="2451770" cy="461665"/>
           </a:xfrm>
           <a:prstGeom prst="rect">
             <a:avLst/>
@@ -9703,7 +7223,7 @@
           <a:lstStyle/>
           <a:p>
             <a:r>
-              <a:rPr lang="en-US" sz="3200" b="1" cap="small" dirty="0">
+              <a:rPr lang="en-US" sz="2400" b="1" cap="small" dirty="0">
                 <a:solidFill>
                   <a:schemeClr val="bg1"/>
                 </a:solidFill>
@@ -9712,7 +7232,7 @@
               </a:rPr>
               <a:t>Analysis</a:t>
             </a:r>
-            <a:endParaRPr lang="en-US" sz="3200" i="1" dirty="0">
+            <a:endParaRPr lang="en-US" sz="2400" i="1" dirty="0">
               <a:solidFill>
                 <a:schemeClr val="bg1"/>
               </a:solidFill>
@@ -9730,8 +7250,8 @@
         </p:nvSpPr>
         <p:spPr>
           <a:xfrm>
-            <a:off x="9942869" y="8697349"/>
-            <a:ext cx="1386662" cy="646331"/>
+            <a:off x="9285219" y="7708460"/>
+            <a:ext cx="1122498" cy="523220"/>
           </a:xfrm>
           <a:prstGeom prst="rect">
             <a:avLst/>
@@ -9745,7 +7265,7 @@
           <a:lstStyle/>
           <a:p>
             <a:r>
-              <a:rPr lang="en-US" dirty="0">
+              <a:rPr lang="en-US" sz="1400" dirty="0">
                 <a:solidFill>
                   <a:schemeClr val="bg1">
                     <a:lumMod val="50000"/>
@@ -9757,7 +7277,7 @@
           </a:p>
           <a:p>
             <a:r>
-              <a:rPr lang="en-US" dirty="0">
+              <a:rPr lang="en-US" sz="1400" dirty="0">
                 <a:solidFill>
                   <a:schemeClr val="bg1">
                     <a:lumMod val="50000"/>
@@ -9791,7 +7311,7 @@
         </p:blipFill>
         <p:spPr>
           <a:xfrm>
-            <a:off x="8795046" y="8829040"/>
+            <a:off x="8137396" y="7840151"/>
             <a:ext cx="482148" cy="514118"/>
           </a:xfrm>
           <a:prstGeom prst="rect">
@@ -9821,7 +7341,7 @@
         </p:blipFill>
         <p:spPr>
           <a:xfrm>
-            <a:off x="9228535" y="8637567"/>
+            <a:off x="8570885" y="7648678"/>
             <a:ext cx="482148" cy="514118"/>
           </a:xfrm>
           <a:prstGeom prst="rect">
@@ -9851,7 +7371,7 @@
         </p:blipFill>
         <p:spPr>
           <a:xfrm>
-            <a:off x="9259920" y="9020513"/>
+            <a:off x="8602270" y="8031624"/>
             <a:ext cx="482148" cy="514118"/>
           </a:xfrm>
           <a:prstGeom prst="rect">
@@ -9881,7 +7401,7 @@
         </p:blipFill>
         <p:spPr>
           <a:xfrm rot="5400000">
-            <a:off x="8900682" y="9605022"/>
+            <a:off x="8243032" y="8616133"/>
             <a:ext cx="648000" cy="324000"/>
           </a:xfrm>
           <a:prstGeom prst="rect">
@@ -9897,8 +7417,8 @@
         </p:nvSpPr>
         <p:spPr>
           <a:xfrm>
-            <a:off x="9710683" y="9490832"/>
-            <a:ext cx="1584088" cy="923330"/>
+            <a:off x="9053033" y="8501943"/>
+            <a:ext cx="1229886" cy="738664"/>
           </a:xfrm>
           <a:prstGeom prst="rect">
             <a:avLst/>
@@ -9912,7 +7432,7 @@
           <a:lstStyle/>
           <a:p>
             <a:r>
-              <a:rPr lang="en-US" dirty="0">
+              <a:rPr lang="en-US" sz="1400" dirty="0">
                 <a:solidFill>
                   <a:schemeClr val="bg1">
                     <a:lumMod val="50000"/>
@@ -9924,7 +7444,7 @@
           </a:p>
           <a:p>
             <a:r>
-              <a:rPr lang="en-US" dirty="0">
+              <a:rPr lang="en-US" sz="1400" dirty="0">
                 <a:solidFill>
                   <a:schemeClr val="bg1">
                     <a:lumMod val="50000"/>
@@ -9936,7 +7456,7 @@
           </a:p>
           <a:p>
             <a:r>
-              <a:rPr lang="en-US" dirty="0">
+              <a:rPr lang="en-US" sz="1400" dirty="0">
                 <a:solidFill>
                   <a:schemeClr val="bg1">
                     <a:lumMod val="50000"/>
@@ -9970,7 +7490,7 @@
         </p:blipFill>
         <p:spPr>
           <a:xfrm rot="5400000">
-            <a:off x="8582474" y="9928162"/>
+            <a:off x="7924824" y="8939273"/>
             <a:ext cx="648000" cy="324000"/>
           </a:xfrm>
           <a:prstGeom prst="rect">
@@ -10000,7 +7520,7 @@
         </p:blipFill>
         <p:spPr>
           <a:xfrm rot="5400000">
-            <a:off x="9224682" y="9890328"/>
+            <a:off x="8567032" y="8901439"/>
             <a:ext cx="648000" cy="324000"/>
           </a:xfrm>
           <a:prstGeom prst="rect">
@@ -10016,8 +7536,8 @@
         </p:nvSpPr>
         <p:spPr>
           <a:xfrm>
-            <a:off x="8931872" y="10459878"/>
-            <a:ext cx="2398545" cy="646331"/>
+            <a:off x="8274222" y="9470989"/>
+            <a:ext cx="2398545" cy="523220"/>
           </a:xfrm>
           <a:prstGeom prst="rect">
             <a:avLst/>
@@ -10031,7 +7551,7 @@
           <a:lstStyle/>
           <a:p>
             <a:r>
-              <a:rPr lang="en-US" dirty="0">
+              <a:rPr lang="en-US" sz="1400" dirty="0">
                 <a:solidFill>
                   <a:schemeClr val="bg1">
                     <a:lumMod val="50000"/>
@@ -10041,7 +7561,7 @@
               <a:t>Linear mixed </a:t>
             </a:r>
             <a:r>
-              <a:rPr lang="en-US" dirty="0" smtClean="0">
+              <a:rPr lang="en-US" sz="1400" dirty="0" smtClean="0">
                 <a:solidFill>
                   <a:schemeClr val="bg1">
                     <a:lumMod val="50000"/>
@@ -10050,7 +7570,7 @@
               </a:rPr>
               <a:t> model</a:t>
             </a:r>
-            <a:endParaRPr lang="en-US" dirty="0">
+            <a:endParaRPr lang="en-US" sz="1400" dirty="0">
               <a:solidFill>
                 <a:schemeClr val="bg1">
                   <a:lumMod val="50000"/>
@@ -10060,7 +7580,7 @@
           </a:p>
           <a:p>
             <a:r>
-              <a:rPr lang="en-US" dirty="0">
+              <a:rPr lang="en-US" sz="1400" dirty="0">
                 <a:solidFill>
                   <a:schemeClr val="bg1">
                     <a:lumMod val="50000"/>
@@ -10081,14 +7601,14 @@
           <p:nvPr>
             <p:extLst>
               <p:ext uri="{D42A27DB-BD31-4B8C-83A1-F6EECF244321}">
-                <p14:modId xmlns:p14="http://schemas.microsoft.com/office/powerpoint/2010/main" val="3852797850"/>
+                <p14:modId xmlns:p14="http://schemas.microsoft.com/office/powerpoint/2010/main" val="4276774350"/>
               </p:ext>
             </p:extLst>
           </p:nvPr>
         </p:nvGraphicFramePr>
         <p:xfrm>
-          <a:off x="9302553" y="4332888"/>
-          <a:ext cx="2052672" cy="1635760"/>
+          <a:off x="7345633" y="4569530"/>
+          <a:ext cx="1498644" cy="934720"/>
         </p:xfrm>
         <a:graphic>
           <a:graphicData uri="http://schemas.openxmlformats.org/drawingml/2006/table">
@@ -10097,11 +7617,11 @@
                 <a:tableStyleId>{9D7B26C5-4107-4FEC-AEDC-1716B250A1EF}</a:tableStyleId>
               </a:tblPr>
               <a:tblGrid>
-                <a:gridCol w="804894"/>
-                <a:gridCol w="549868"/>
-                <a:gridCol w="697910"/>
+                <a:gridCol w="587648"/>
+                <a:gridCol w="401456"/>
+                <a:gridCol w="509540"/>
               </a:tblGrid>
-              <a:tr h="208315">
+              <a:tr h="233680">
                 <a:tc>
                   <a:txBody>
                     <a:bodyPr/>
@@ -10109,12 +7629,12 @@
                     <a:p>
                       <a:pPr algn="ctr"/>
                       <a:r>
-                        <a:rPr lang="en-US" sz="1200" b="0" baseline="0" dirty="0" smtClean="0">
+                        <a:rPr lang="en-US" sz="1000" b="0" baseline="0" dirty="0" smtClean="0">
                           <a:effectLst/>
                         </a:rPr>
                         <a:t>SNP</a:t>
                       </a:r>
-                      <a:endParaRPr lang="en-US" sz="1200" b="0" baseline="0" dirty="0">
+                      <a:endParaRPr lang="en-US" sz="1000" b="0" baseline="0" dirty="0">
                         <a:effectLst/>
                       </a:endParaRPr>
                     </a:p>
@@ -10149,12 +7669,12 @@
                     <a:p>
                       <a:pPr algn="ctr"/>
                       <a:r>
-                        <a:rPr lang="en-US" sz="1200" b="0" baseline="0" dirty="0" err="1" smtClean="0">
+                        <a:rPr lang="en-US" sz="1000" b="0" baseline="0" dirty="0" err="1" smtClean="0">
                           <a:effectLst/>
                         </a:rPr>
                         <a:t>Chrm</a:t>
                       </a:r>
-                      <a:endParaRPr lang="en-US" sz="1200" b="0" baseline="0" dirty="0">
+                      <a:endParaRPr lang="en-US" sz="1000" b="0" baseline="0" dirty="0">
                         <a:effectLst/>
                       </a:endParaRPr>
                     </a:p>
@@ -10189,12 +7709,12 @@
                     <a:p>
                       <a:pPr algn="ctr"/>
                       <a:r>
-                        <a:rPr lang="en-US" sz="1200" b="0" baseline="0" dirty="0" err="1" smtClean="0">
+                        <a:rPr lang="en-US" sz="1000" b="0" baseline="0" dirty="0" err="1" smtClean="0">
                           <a:effectLst/>
                         </a:rPr>
                         <a:t>Pos</a:t>
                       </a:r>
-                      <a:endParaRPr lang="en-US" sz="1200" b="0" baseline="0" dirty="0">
+                      <a:endParaRPr lang="en-US" sz="1000" b="0" baseline="0" dirty="0">
                         <a:effectLst/>
                       </a:endParaRPr>
                     </a:p>
@@ -10223,7 +7743,7 @@
                   </a:tcPr>
                 </a:tc>
               </a:tr>
-              <a:tr h="208315">
+              <a:tr h="233680">
                 <a:tc>
                   <a:txBody>
                     <a:bodyPr/>
@@ -10231,12 +7751,12 @@
                     <a:p>
                       <a:pPr algn="ctr"/>
                       <a:r>
-                        <a:rPr lang="en-US" sz="1200" baseline="0" dirty="0" smtClean="0">
+                        <a:rPr lang="en-US" sz="1000" baseline="0" dirty="0" smtClean="0">
                           <a:effectLst/>
                         </a:rPr>
                         <a:t>rs3454</a:t>
                       </a:r>
-                      <a:endParaRPr lang="en-US" sz="1200" b="0" baseline="0" dirty="0">
+                      <a:endParaRPr lang="en-US" sz="1000" b="0" baseline="0" dirty="0">
                         <a:effectLst/>
                       </a:endParaRPr>
                     </a:p>
@@ -10271,12 +7791,12 @@
                     <a:p>
                       <a:pPr algn="ctr"/>
                       <a:r>
-                        <a:rPr lang="en-US" sz="1200" b="0" baseline="0" dirty="0" smtClean="0">
+                        <a:rPr lang="en-US" sz="1000" b="0" baseline="0" dirty="0" smtClean="0">
                           <a:effectLst/>
                         </a:rPr>
                         <a:t>1</a:t>
                       </a:r>
-                      <a:endParaRPr lang="en-US" sz="1200" b="0" baseline="0" dirty="0">
+                      <a:endParaRPr lang="en-US" sz="1000" b="0" baseline="0" dirty="0">
                         <a:effectLst/>
                       </a:endParaRPr>
                     </a:p>
@@ -10311,12 +7831,12 @@
                     <a:p>
                       <a:pPr algn="ctr"/>
                       <a:r>
-                        <a:rPr lang="en-US" sz="1200" b="0" baseline="0" dirty="0" smtClean="0">
+                        <a:rPr lang="en-US" sz="1000" b="0" baseline="0" dirty="0" smtClean="0">
                           <a:effectLst/>
                         </a:rPr>
                         <a:t>0.3</a:t>
                       </a:r>
-                      <a:endParaRPr lang="en-US" sz="1200" b="0" baseline="0" dirty="0">
+                      <a:endParaRPr lang="en-US" sz="1000" b="0" baseline="0" dirty="0">
                         <a:effectLst/>
                       </a:endParaRPr>
                     </a:p>
@@ -10345,7 +7865,7 @@
                   </a:tcPr>
                 </a:tc>
               </a:tr>
-              <a:tr h="208315">
+              <a:tr h="233680">
                 <a:tc>
                   <a:txBody>
                     <a:bodyPr/>
@@ -10353,12 +7873,12 @@
                     <a:p>
                       <a:pPr algn="ctr"/>
                       <a:r>
-                        <a:rPr lang="en-US" sz="1200" baseline="0" dirty="0" smtClean="0">
+                        <a:rPr lang="en-US" sz="1000" baseline="0" dirty="0" smtClean="0">
                           <a:effectLst/>
                         </a:rPr>
                         <a:t>rs2344</a:t>
                       </a:r>
-                      <a:endParaRPr lang="en-US" sz="1200" b="0" baseline="0" dirty="0">
+                      <a:endParaRPr lang="en-US" sz="1000" b="0" baseline="0" dirty="0">
                         <a:effectLst/>
                       </a:endParaRPr>
                     </a:p>
@@ -10393,12 +7913,12 @@
                     <a:p>
                       <a:pPr algn="ctr"/>
                       <a:r>
-                        <a:rPr lang="en-US" sz="1200" baseline="0" dirty="0" smtClean="0">
+                        <a:rPr lang="en-US" sz="1000" baseline="0" dirty="0" smtClean="0">
                           <a:effectLst/>
                         </a:rPr>
                         <a:t>1</a:t>
                       </a:r>
-                      <a:endParaRPr lang="en-US" sz="1200" b="0" baseline="0" dirty="0">
+                      <a:endParaRPr lang="en-US" sz="1000" b="0" baseline="0" dirty="0">
                         <a:effectLst/>
                       </a:endParaRPr>
                     </a:p>
@@ -10433,12 +7953,12 @@
                     <a:p>
                       <a:pPr algn="ctr"/>
                       <a:r>
-                        <a:rPr lang="en-US" sz="1200" b="0" baseline="0" dirty="0" smtClean="0">
+                        <a:rPr lang="en-US" sz="1000" b="0" baseline="0" dirty="0" smtClean="0">
                           <a:effectLst/>
                         </a:rPr>
                         <a:t>2.5</a:t>
                       </a:r>
-                      <a:endParaRPr lang="en-US" sz="1200" b="0" baseline="0" dirty="0">
+                      <a:endParaRPr lang="en-US" sz="1000" b="0" baseline="0" dirty="0">
                         <a:effectLst/>
                       </a:endParaRPr>
                     </a:p>
@@ -10467,7 +7987,7 @@
                   </a:tcPr>
                 </a:tc>
               </a:tr>
-              <a:tr h="208315">
+              <a:tr h="233680">
                 <a:tc>
                   <a:txBody>
                     <a:bodyPr/>
@@ -10475,12 +7995,12 @@
                     <a:p>
                       <a:pPr algn="ctr"/>
                       <a:r>
-                        <a:rPr lang="en-US" sz="1200" baseline="0" dirty="0" smtClean="0">
+                        <a:rPr lang="en-US" sz="1000" baseline="0" dirty="0" smtClean="0">
                           <a:effectLst/>
                         </a:rPr>
                         <a:t>rs05344</a:t>
                       </a:r>
-                      <a:endParaRPr lang="en-US" sz="1200" baseline="0" dirty="0">
+                      <a:endParaRPr lang="en-US" sz="1000" baseline="0" dirty="0">
                         <a:effectLst/>
                       </a:endParaRPr>
                     </a:p>
@@ -10515,12 +8035,12 @@
                     <a:p>
                       <a:pPr algn="ctr"/>
                       <a:r>
-                        <a:rPr lang="en-US" sz="1200" baseline="0" dirty="0" smtClean="0">
+                        <a:rPr lang="en-US" sz="1000" baseline="0" dirty="0" smtClean="0">
                           <a:effectLst/>
                         </a:rPr>
                         <a:t>1</a:t>
                       </a:r>
-                      <a:endParaRPr lang="en-US" sz="1200" baseline="0" dirty="0">
+                      <a:endParaRPr lang="en-US" sz="1000" baseline="0" dirty="0">
                         <a:effectLst/>
                       </a:endParaRPr>
                     </a:p>
@@ -10555,378 +8075,12 @@
                     <a:p>
                       <a:pPr algn="ctr"/>
                       <a:r>
-                        <a:rPr lang="en-US" sz="1200" baseline="0" dirty="0" smtClean="0">
+                        <a:rPr lang="en-US" sz="1000" baseline="0" dirty="0" smtClean="0">
                           <a:effectLst/>
                         </a:rPr>
                         <a:t>11.4</a:t>
                       </a:r>
-                      <a:endParaRPr lang="en-US" sz="1200" baseline="0" dirty="0">
-                        <a:effectLst/>
-                      </a:endParaRPr>
-                    </a:p>
-                  </a:txBody>
-                  <a:tcPr marL="50800" marR="50800" marT="25400" marB="25400" anchor="b">
-                    <a:lnL>
-                      <a:noFill/>
-                    </a:lnL>
-                    <a:lnR>
-                      <a:noFill/>
-                    </a:lnR>
-                    <a:lnT>
-                      <a:noFill/>
-                    </a:lnT>
-                    <a:lnB w="12700" cmpd="sng">
-                      <a:noFill/>
-                    </a:lnB>
-                    <a:lnTlToBr w="12700" cmpd="sng">
-                      <a:noFill/>
-                      <a:prstDash val="solid"/>
-                    </a:lnTlToBr>
-                    <a:lnBlToTr w="12700" cmpd="sng">
-                      <a:noFill/>
-                      <a:prstDash val="solid"/>
-                    </a:lnBlToTr>
-                  </a:tcPr>
-                </a:tc>
-              </a:tr>
-              <a:tr h="208315">
-                <a:tc>
-                  <a:txBody>
-                    <a:bodyPr/>
-                    <a:lstStyle/>
-                    <a:p>
-                      <a:pPr algn="ctr"/>
-                      <a:r>
-                        <a:rPr lang="en-US" sz="1200" baseline="0" dirty="0" smtClean="0">
-                          <a:effectLst/>
-                        </a:rPr>
-                        <a:t>rs9847</a:t>
-                      </a:r>
-                      <a:endParaRPr lang="en-US" sz="1200" baseline="0" dirty="0">
-                        <a:effectLst/>
-                      </a:endParaRPr>
-                    </a:p>
-                  </a:txBody>
-                  <a:tcPr marL="50800" marR="50800" marT="25400" marB="25400" anchor="b">
-                    <a:lnL>
-                      <a:noFill/>
-                    </a:lnL>
-                    <a:lnR>
-                      <a:noFill/>
-                    </a:lnR>
-                    <a:lnT>
-                      <a:noFill/>
-                    </a:lnT>
-                    <a:lnB w="12700" cmpd="sng">
-                      <a:noFill/>
-                    </a:lnB>
-                    <a:lnTlToBr w="12700" cmpd="sng">
-                      <a:noFill/>
-                      <a:prstDash val="solid"/>
-                    </a:lnTlToBr>
-                    <a:lnBlToTr w="12700" cmpd="sng">
-                      <a:noFill/>
-                      <a:prstDash val="solid"/>
-                    </a:lnBlToTr>
-                  </a:tcPr>
-                </a:tc>
-                <a:tc>
-                  <a:txBody>
-                    <a:bodyPr/>
-                    <a:lstStyle/>
-                    <a:p>
-                      <a:pPr algn="ctr"/>
-                      <a:r>
-                        <a:rPr lang="en-US" sz="1200" baseline="0" dirty="0" smtClean="0">
-                          <a:effectLst/>
-                        </a:rPr>
-                        <a:t>1</a:t>
-                      </a:r>
-                      <a:endParaRPr lang="en-US" sz="1200" baseline="0" dirty="0">
-                        <a:effectLst/>
-                      </a:endParaRPr>
-                    </a:p>
-                  </a:txBody>
-                  <a:tcPr marL="50800" marR="50800" marT="25400" marB="25400" anchor="b">
-                    <a:lnL>
-                      <a:noFill/>
-                    </a:lnL>
-                    <a:lnR>
-                      <a:noFill/>
-                    </a:lnR>
-                    <a:lnT>
-                      <a:noFill/>
-                    </a:lnT>
-                    <a:lnB w="12700" cmpd="sng">
-                      <a:noFill/>
-                    </a:lnB>
-                    <a:lnTlToBr w="12700" cmpd="sng">
-                      <a:noFill/>
-                      <a:prstDash val="solid"/>
-                    </a:lnTlToBr>
-                    <a:lnBlToTr w="12700" cmpd="sng">
-                      <a:noFill/>
-                      <a:prstDash val="solid"/>
-                    </a:lnBlToTr>
-                  </a:tcPr>
-                </a:tc>
-                <a:tc>
-                  <a:txBody>
-                    <a:bodyPr/>
-                    <a:lstStyle/>
-                    <a:p>
-                      <a:pPr algn="ctr"/>
-                      <a:r>
-                        <a:rPr lang="en-US" sz="1200" baseline="0" dirty="0" smtClean="0">
-                          <a:effectLst/>
-                        </a:rPr>
-                        <a:t>24.5</a:t>
-                      </a:r>
-                      <a:endParaRPr lang="en-US" sz="1200" baseline="0" dirty="0">
-                        <a:effectLst/>
-                      </a:endParaRPr>
-                    </a:p>
-                  </a:txBody>
-                  <a:tcPr marL="50800" marR="50800" marT="25400" marB="25400" anchor="b">
-                    <a:lnL>
-                      <a:noFill/>
-                    </a:lnL>
-                    <a:lnR>
-                      <a:noFill/>
-                    </a:lnR>
-                    <a:lnT>
-                      <a:noFill/>
-                    </a:lnT>
-                    <a:lnB w="12700" cmpd="sng">
-                      <a:noFill/>
-                    </a:lnB>
-                    <a:lnTlToBr w="12700" cmpd="sng">
-                      <a:noFill/>
-                      <a:prstDash val="solid"/>
-                    </a:lnTlToBr>
-                    <a:lnBlToTr w="12700" cmpd="sng">
-                      <a:noFill/>
-                      <a:prstDash val="solid"/>
-                    </a:lnBlToTr>
-                  </a:tcPr>
-                </a:tc>
-              </a:tr>
-              <a:tr h="208315">
-                <a:tc>
-                  <a:txBody>
-                    <a:bodyPr/>
-                    <a:lstStyle/>
-                    <a:p>
-                      <a:pPr algn="ctr"/>
-                      <a:r>
-                        <a:rPr lang="en-US" sz="1200" baseline="0" dirty="0" smtClean="0">
-                          <a:effectLst/>
-                        </a:rPr>
-                        <a:t>rs6342</a:t>
-                      </a:r>
-                      <a:endParaRPr lang="en-US" sz="1200" baseline="0" dirty="0">
-                        <a:effectLst/>
-                      </a:endParaRPr>
-                    </a:p>
-                  </a:txBody>
-                  <a:tcPr marL="50800" marR="50800" marT="25400" marB="25400" anchor="b">
-                    <a:lnL>
-                      <a:noFill/>
-                    </a:lnL>
-                    <a:lnR>
-                      <a:noFill/>
-                    </a:lnR>
-                    <a:lnT>
-                      <a:noFill/>
-                    </a:lnT>
-                    <a:lnB w="12700" cmpd="sng">
-                      <a:noFill/>
-                    </a:lnB>
-                    <a:lnTlToBr w="12700" cmpd="sng">
-                      <a:noFill/>
-                      <a:prstDash val="solid"/>
-                    </a:lnTlToBr>
-                    <a:lnBlToTr w="12700" cmpd="sng">
-                      <a:noFill/>
-                      <a:prstDash val="solid"/>
-                    </a:lnBlToTr>
-                  </a:tcPr>
-                </a:tc>
-                <a:tc>
-                  <a:txBody>
-                    <a:bodyPr/>
-                    <a:lstStyle/>
-                    <a:p>
-                      <a:pPr algn="ctr"/>
-                      <a:r>
-                        <a:rPr lang="en-US" sz="1200" baseline="0" dirty="0" smtClean="0">
-                          <a:effectLst/>
-                        </a:rPr>
-                        <a:t>1</a:t>
-                      </a:r>
-                      <a:endParaRPr lang="en-US" sz="1200" baseline="0" dirty="0">
-                        <a:effectLst/>
-                      </a:endParaRPr>
-                    </a:p>
-                  </a:txBody>
-                  <a:tcPr marL="50800" marR="50800" marT="25400" marB="25400" anchor="b">
-                    <a:lnL>
-                      <a:noFill/>
-                    </a:lnL>
-                    <a:lnR>
-                      <a:noFill/>
-                    </a:lnR>
-                    <a:lnT>
-                      <a:noFill/>
-                    </a:lnT>
-                    <a:lnB w="12700" cmpd="sng">
-                      <a:noFill/>
-                    </a:lnB>
-                    <a:lnTlToBr w="12700" cmpd="sng">
-                      <a:noFill/>
-                      <a:prstDash val="solid"/>
-                    </a:lnTlToBr>
-                    <a:lnBlToTr w="12700" cmpd="sng">
-                      <a:noFill/>
-                      <a:prstDash val="solid"/>
-                    </a:lnBlToTr>
-                  </a:tcPr>
-                </a:tc>
-                <a:tc>
-                  <a:txBody>
-                    <a:bodyPr/>
-                    <a:lstStyle/>
-                    <a:p>
-                      <a:pPr algn="ctr"/>
-                      <a:r>
-                        <a:rPr lang="en-US" sz="1200" baseline="0" dirty="0" smtClean="0">
-                          <a:effectLst/>
-                        </a:rPr>
-                        <a:t>25.7</a:t>
-                      </a:r>
-                      <a:endParaRPr lang="en-US" sz="1200" baseline="0" dirty="0">
-                        <a:effectLst/>
-                      </a:endParaRPr>
-                    </a:p>
-                  </a:txBody>
-                  <a:tcPr marL="50800" marR="50800" marT="25400" marB="25400" anchor="b">
-                    <a:lnL>
-                      <a:noFill/>
-                    </a:lnL>
-                    <a:lnR>
-                      <a:noFill/>
-                    </a:lnR>
-                    <a:lnT>
-                      <a:noFill/>
-                    </a:lnT>
-                    <a:lnB w="12700" cmpd="sng">
-                      <a:noFill/>
-                    </a:lnB>
-                    <a:lnTlToBr w="12700" cmpd="sng">
-                      <a:noFill/>
-                      <a:prstDash val="solid"/>
-                    </a:lnTlToBr>
-                    <a:lnBlToTr w="12700" cmpd="sng">
-                      <a:noFill/>
-                      <a:prstDash val="solid"/>
-                    </a:lnBlToTr>
-                  </a:tcPr>
-                </a:tc>
-              </a:tr>
-              <a:tr h="208315">
-                <a:tc>
-                  <a:txBody>
-                    <a:bodyPr/>
-                    <a:lstStyle/>
-                    <a:p>
-                      <a:pPr algn="ctr"/>
-                      <a:r>
-                        <a:rPr lang="en-US" sz="1200" baseline="0" dirty="0" smtClean="0">
-                          <a:effectLst/>
-                        </a:rPr>
-                        <a:t>rs62636</a:t>
-                      </a:r>
-                      <a:endParaRPr lang="en-US" sz="1200" baseline="0" dirty="0">
-                        <a:effectLst/>
-                      </a:endParaRPr>
-                    </a:p>
-                  </a:txBody>
-                  <a:tcPr marL="50800" marR="50800" marT="25400" marB="25400" anchor="b">
-                    <a:lnL>
-                      <a:noFill/>
-                    </a:lnL>
-                    <a:lnR>
-                      <a:noFill/>
-                    </a:lnR>
-                    <a:lnT>
-                      <a:noFill/>
-                    </a:lnT>
-                    <a:lnB w="12700" cmpd="sng">
-                      <a:noFill/>
-                    </a:lnB>
-                    <a:lnTlToBr w="12700" cmpd="sng">
-                      <a:noFill/>
-                      <a:prstDash val="solid"/>
-                    </a:lnTlToBr>
-                    <a:lnBlToTr w="12700" cmpd="sng">
-                      <a:noFill/>
-                      <a:prstDash val="solid"/>
-                    </a:lnBlToTr>
-                  </a:tcPr>
-                </a:tc>
-                <a:tc>
-                  <a:txBody>
-                    <a:bodyPr/>
-                    <a:lstStyle/>
-                    <a:p>
-                      <a:pPr algn="ctr"/>
-                      <a:r>
-                        <a:rPr lang="en-US" sz="1200" baseline="0" dirty="0" smtClean="0">
-                          <a:effectLst/>
-                        </a:rPr>
-                        <a:t>1</a:t>
-                      </a:r>
-                      <a:endParaRPr lang="en-US" sz="1200" baseline="0" dirty="0">
-                        <a:effectLst/>
-                      </a:endParaRPr>
-                    </a:p>
-                  </a:txBody>
-                  <a:tcPr marL="50800" marR="50800" marT="25400" marB="25400" anchor="b">
-                    <a:lnL>
-                      <a:noFill/>
-                    </a:lnL>
-                    <a:lnR>
-                      <a:noFill/>
-                    </a:lnR>
-                    <a:lnT>
-                      <a:noFill/>
-                    </a:lnT>
-                    <a:lnB w="12700" cmpd="sng">
-                      <a:noFill/>
-                    </a:lnB>
-                    <a:lnTlToBr w="12700" cmpd="sng">
-                      <a:noFill/>
-                      <a:prstDash val="solid"/>
-                    </a:lnTlToBr>
-                    <a:lnBlToTr w="12700" cmpd="sng">
-                      <a:noFill/>
-                      <a:prstDash val="solid"/>
-                    </a:lnBlToTr>
-                  </a:tcPr>
-                </a:tc>
-                <a:tc>
-                  <a:txBody>
-                    <a:bodyPr/>
-                    <a:lstStyle/>
-                    <a:p>
-                      <a:pPr algn="ctr"/>
-                      <a:r>
-                        <a:rPr lang="en-US" sz="1200" baseline="0" dirty="0" smtClean="0">
-                          <a:effectLst/>
-                        </a:rPr>
-                        <a:t>31.6</a:t>
-                      </a:r>
-                      <a:endParaRPr lang="en-US" sz="1200" baseline="0" dirty="0">
+                      <a:endParaRPr lang="en-US" sz="1000" baseline="0" dirty="0">
                         <a:effectLst/>
                       </a:endParaRPr>
                     </a:p>
@@ -10967,7 +8121,7 @@
         </p:nvSpPr>
         <p:spPr>
           <a:xfrm>
-            <a:off x="3741408" y="3615173"/>
+            <a:off x="2830060" y="3644040"/>
             <a:ext cx="675871" cy="760641"/>
           </a:xfrm>
           <a:prstGeom prst="rightArrow">
@@ -11024,7 +8178,7 @@
         </p:nvSpPr>
         <p:spPr>
           <a:xfrm>
-            <a:off x="8081128" y="3633314"/>
+            <a:off x="6362661" y="3656937"/>
             <a:ext cx="675871" cy="760641"/>
           </a:xfrm>
           <a:prstGeom prst="rightArrow">
@@ -11077,7 +8231,7 @@
         </p:nvSpPr>
         <p:spPr>
           <a:xfrm rot="5400000">
-            <a:off x="9985254" y="6651580"/>
+            <a:off x="8978807" y="5966914"/>
             <a:ext cx="675871" cy="760641"/>
           </a:xfrm>
           <a:prstGeom prst="rightArrow">
@@ -11130,7 +8284,7 @@
         </p:nvSpPr>
         <p:spPr>
           <a:xfrm rot="10800000">
-            <a:off x="7743192" y="8583039"/>
+            <a:off x="7276649" y="8031624"/>
             <a:ext cx="675871" cy="760641"/>
           </a:xfrm>
           <a:prstGeom prst="rightArrow">
@@ -11183,7 +8337,7 @@
         </p:nvSpPr>
         <p:spPr>
           <a:xfrm>
-            <a:off x="1414096" y="8132973"/>
+            <a:off x="1067791" y="6746961"/>
             <a:ext cx="6108485" cy="3414343"/>
           </a:xfrm>
           <a:prstGeom prst="rect">
@@ -11231,7 +8385,7 @@
         </p:nvSpPr>
         <p:spPr>
           <a:xfrm>
-            <a:off x="1485376" y="10188839"/>
+            <a:off x="1139071" y="8802827"/>
             <a:ext cx="2842540" cy="1253728"/>
           </a:xfrm>
           <a:prstGeom prst="rect">
@@ -11277,7 +8431,7 @@
         </p:nvSpPr>
         <p:spPr>
           <a:xfrm>
-            <a:off x="4917642" y="10188839"/>
+            <a:off x="4446000" y="8790840"/>
             <a:ext cx="2303346" cy="1253728"/>
           </a:xfrm>
           <a:prstGeom prst="rect">
@@ -11323,8 +8477,8 @@
         </p:nvSpPr>
         <p:spPr>
           <a:xfrm>
-            <a:off x="1414098" y="7793824"/>
-            <a:ext cx="6108483" cy="675352"/>
+            <a:off x="1067793" y="6407812"/>
+            <a:ext cx="6108483" cy="504000"/>
           </a:xfrm>
           <a:prstGeom prst="roundRect">
             <a:avLst/>
@@ -11369,8 +8523,8 @@
         </p:nvSpPr>
         <p:spPr>
           <a:xfrm>
-            <a:off x="1659670" y="7744243"/>
-            <a:ext cx="3614192" cy="584775"/>
+            <a:off x="1313365" y="6358231"/>
+            <a:ext cx="3614192" cy="461665"/>
           </a:xfrm>
           <a:prstGeom prst="rect">
             <a:avLst/>
@@ -11384,7 +8538,7 @@
           <a:lstStyle/>
           <a:p>
             <a:r>
-              <a:rPr lang="en-US" sz="3200" b="1" cap="small">
+              <a:rPr lang="en-US" sz="2400" b="1" cap="small">
                 <a:solidFill>
                   <a:schemeClr val="bg1"/>
                 </a:solidFill>
@@ -11393,7 +8547,7 @@
               </a:rPr>
               <a:t>Findings</a:t>
             </a:r>
-            <a:endParaRPr lang="en-US" sz="3200" i="1" dirty="0">
+            <a:endParaRPr lang="en-US" sz="2400" i="1" dirty="0">
               <a:solidFill>
                 <a:schemeClr val="bg1"/>
               </a:solidFill>
@@ -11411,7 +8565,7 @@
         </p:nvSpPr>
         <p:spPr>
           <a:xfrm>
-            <a:off x="1485376" y="8732093"/>
+            <a:off x="1139071" y="7346081"/>
             <a:ext cx="2303346" cy="1253728"/>
           </a:xfrm>
           <a:prstGeom prst="rect">
@@ -11458,14 +8612,14 @@
           <p:nvPr>
             <p:extLst>
               <p:ext uri="{D42A27DB-BD31-4B8C-83A1-F6EECF244321}">
-                <p14:modId xmlns:p14="http://schemas.microsoft.com/office/powerpoint/2010/main" val="2646860468"/>
+                <p14:modId xmlns:p14="http://schemas.microsoft.com/office/powerpoint/2010/main" val="708898418"/>
               </p:ext>
             </p:extLst>
           </p:nvPr>
         </p:nvGraphicFramePr>
         <p:xfrm>
-          <a:off x="1600239" y="8914973"/>
-          <a:ext cx="2052672" cy="934720"/>
+          <a:off x="1253934" y="7528961"/>
+          <a:ext cx="2052672" cy="833260"/>
         </p:xfrm>
         <a:graphic>
           <a:graphicData uri="http://schemas.openxmlformats.org/drawingml/2006/table">
@@ -11486,12 +8640,12 @@
                     <a:p>
                       <a:pPr algn="ctr"/>
                       <a:r>
-                        <a:rPr lang="en-US" sz="1200" baseline="0" dirty="0" smtClean="0">
+                        <a:rPr lang="en-US" sz="1000" baseline="0" dirty="0" smtClean="0">
                           <a:effectLst/>
                         </a:rPr>
                         <a:t>SNP</a:t>
                       </a:r>
-                      <a:endParaRPr lang="en-US" sz="1200" b="1" baseline="0" dirty="0">
+                      <a:endParaRPr lang="en-US" sz="1000" b="1" baseline="0" dirty="0">
                         <a:effectLst/>
                       </a:endParaRPr>
                     </a:p>
@@ -11505,12 +8659,12 @@
                     <a:p>
                       <a:pPr algn="ctr"/>
                       <a:r>
-                        <a:rPr lang="en-US" sz="1200" baseline="0" dirty="0" err="1" smtClean="0">
+                        <a:rPr lang="en-US" sz="1000" baseline="0" dirty="0" err="1" smtClean="0">
                           <a:effectLst/>
                         </a:rPr>
                         <a:t>Chrm</a:t>
                       </a:r>
-                      <a:endParaRPr lang="en-US" sz="1200" b="1" baseline="0" dirty="0">
+                      <a:endParaRPr lang="en-US" sz="1000" b="1" baseline="0" dirty="0">
                         <a:effectLst/>
                       </a:endParaRPr>
                     </a:p>
@@ -11524,12 +8678,12 @@
                     <a:p>
                       <a:pPr algn="ctr"/>
                       <a:r>
-                        <a:rPr lang="en-US" sz="1200" baseline="0" dirty="0" err="1" smtClean="0">
+                        <a:rPr lang="en-US" sz="1000" baseline="0" dirty="0" err="1" smtClean="0">
                           <a:effectLst/>
                         </a:rPr>
                         <a:t>Pos</a:t>
                       </a:r>
-                      <a:endParaRPr lang="en-US" sz="1200" b="1" baseline="0" dirty="0">
+                      <a:endParaRPr lang="en-US" sz="1000" b="1" baseline="0" dirty="0">
                         <a:effectLst/>
                       </a:endParaRPr>
                     </a:p>
@@ -11545,12 +8699,12 @@
                     <a:p>
                       <a:pPr algn="ctr"/>
                       <a:r>
-                        <a:rPr lang="en-US" sz="1200" baseline="0" dirty="0" smtClean="0">
+                        <a:rPr lang="en-US" sz="1000" baseline="0" dirty="0" smtClean="0">
                           <a:effectLst/>
                         </a:rPr>
                         <a:t>rs00454</a:t>
                       </a:r>
-                      <a:endParaRPr lang="en-US" sz="1200" b="0" baseline="0" dirty="0">
+                      <a:endParaRPr lang="en-US" sz="1000" b="0" baseline="0" dirty="0">
                         <a:effectLst/>
                       </a:endParaRPr>
                     </a:p>
@@ -11564,12 +8718,12 @@
                     <a:p>
                       <a:pPr algn="ctr"/>
                       <a:r>
-                        <a:rPr lang="en-US" sz="1200" baseline="0" dirty="0" smtClean="0">
+                        <a:rPr lang="en-US" sz="1000" baseline="0" dirty="0" smtClean="0">
                           <a:effectLst/>
                         </a:rPr>
                         <a:t>5</a:t>
                       </a:r>
-                      <a:endParaRPr lang="en-US" sz="1200" b="0" baseline="0" dirty="0">
+                      <a:endParaRPr lang="en-US" sz="1000" b="0" baseline="0" dirty="0">
                         <a:effectLst/>
                       </a:endParaRPr>
                     </a:p>
@@ -11583,12 +8737,12 @@
                     <a:p>
                       <a:pPr algn="ctr"/>
                       <a:r>
-                        <a:rPr lang="en-US" sz="1200" baseline="0" dirty="0" smtClean="0">
+                        <a:rPr lang="en-US" sz="1000" baseline="0" dirty="0" smtClean="0">
                           <a:effectLst/>
                         </a:rPr>
                         <a:t>123.2</a:t>
                       </a:r>
-                      <a:endParaRPr lang="en-US" sz="1200" b="0" baseline="0" dirty="0">
+                      <a:endParaRPr lang="en-US" sz="1000" b="0" baseline="0" dirty="0">
                         <a:effectLst/>
                       </a:endParaRPr>
                     </a:p>
@@ -11604,12 +8758,12 @@
                     <a:p>
                       <a:pPr algn="ctr"/>
                       <a:r>
-                        <a:rPr lang="en-US" sz="1200" baseline="0" dirty="0" smtClean="0">
+                        <a:rPr lang="en-US" sz="1000" baseline="0" dirty="0" smtClean="0">
                           <a:effectLst/>
                         </a:rPr>
                         <a:t>rs112844</a:t>
                       </a:r>
-                      <a:endParaRPr lang="en-US" sz="1200" b="0" baseline="0" dirty="0">
+                      <a:endParaRPr lang="en-US" sz="1000" b="0" baseline="0" dirty="0">
                         <a:effectLst/>
                       </a:endParaRPr>
                     </a:p>
@@ -11623,12 +8777,12 @@
                     <a:p>
                       <a:pPr algn="ctr"/>
                       <a:r>
-                        <a:rPr lang="en-US" sz="1200" baseline="0" dirty="0" smtClean="0">
+                        <a:rPr lang="en-US" sz="1000" baseline="0" dirty="0" smtClean="0">
                           <a:effectLst/>
                         </a:rPr>
                         <a:t>1</a:t>
                       </a:r>
-                      <a:endParaRPr lang="en-US" sz="1200" b="0" baseline="0" dirty="0">
+                      <a:endParaRPr lang="en-US" sz="1000" b="0" baseline="0" dirty="0">
                         <a:effectLst/>
                       </a:endParaRPr>
                     </a:p>
@@ -11642,12 +8796,12 @@
                     <a:p>
                       <a:pPr algn="ctr"/>
                       <a:r>
-                        <a:rPr lang="en-US" sz="1200" baseline="0" dirty="0" smtClean="0">
+                        <a:rPr lang="en-US" sz="1000" baseline="0" dirty="0" smtClean="0">
                           <a:effectLst/>
                         </a:rPr>
                         <a:t>73.1</a:t>
                       </a:r>
-                      <a:endParaRPr lang="en-US" sz="1200" b="0" baseline="0" dirty="0">
+                      <a:endParaRPr lang="en-US" sz="1000" b="0" baseline="0" dirty="0">
                         <a:effectLst/>
                       </a:endParaRPr>
                     </a:p>
@@ -11663,12 +8817,12 @@
                     <a:p>
                       <a:pPr algn="ctr"/>
                       <a:r>
-                        <a:rPr lang="en-US" sz="1200" baseline="0" dirty="0" smtClean="0">
+                        <a:rPr lang="en-US" sz="1000" baseline="0" dirty="0" smtClean="0">
                           <a:effectLst/>
                         </a:rPr>
                         <a:t>rs833208</a:t>
                       </a:r>
-                      <a:endParaRPr lang="en-US" sz="1200" baseline="0" dirty="0">
+                      <a:endParaRPr lang="en-US" sz="1000" baseline="0" dirty="0">
                         <a:effectLst/>
                       </a:endParaRPr>
                     </a:p>
@@ -11682,12 +8836,12 @@
                     <a:p>
                       <a:pPr algn="ctr"/>
                       <a:r>
-                        <a:rPr lang="en-US" sz="1200" baseline="0" dirty="0" smtClean="0">
+                        <a:rPr lang="en-US" sz="1000" baseline="0" dirty="0" smtClean="0">
                           <a:effectLst/>
                         </a:rPr>
                         <a:t>12</a:t>
                       </a:r>
-                      <a:endParaRPr lang="en-US" sz="1200" baseline="0" dirty="0">
+                      <a:endParaRPr lang="en-US" sz="1000" baseline="0" dirty="0">
                         <a:effectLst/>
                       </a:endParaRPr>
                     </a:p>
@@ -11701,12 +8855,12 @@
                     <a:p>
                       <a:pPr algn="ctr"/>
                       <a:r>
-                        <a:rPr lang="en-US" sz="1200" baseline="0" dirty="0" smtClean="0">
+                        <a:rPr lang="en-US" sz="1000" baseline="0" dirty="0" smtClean="0">
                           <a:effectLst/>
                         </a:rPr>
                         <a:t>15.3</a:t>
                       </a:r>
-                      <a:endParaRPr lang="en-US" sz="1200" baseline="0" dirty="0">
+                      <a:endParaRPr lang="en-US" sz="1000" baseline="0" dirty="0">
                         <a:effectLst/>
                       </a:endParaRPr>
                     </a:p>
@@ -11727,14 +8881,14 @@
           <p:nvPr>
             <p:extLst>
               <p:ext uri="{D42A27DB-BD31-4B8C-83A1-F6EECF244321}">
-                <p14:modId xmlns:p14="http://schemas.microsoft.com/office/powerpoint/2010/main" val="2973916418"/>
+                <p14:modId xmlns:p14="http://schemas.microsoft.com/office/powerpoint/2010/main" val="1955945287"/>
               </p:ext>
             </p:extLst>
           </p:nvPr>
         </p:nvGraphicFramePr>
         <p:xfrm>
-          <a:off x="5042979" y="10266972"/>
-          <a:ext cx="2052672" cy="1117600"/>
+          <a:off x="4571337" y="8868973"/>
+          <a:ext cx="2052672" cy="980545"/>
         </p:xfrm>
         <a:graphic>
           <a:graphicData uri="http://schemas.openxmlformats.org/drawingml/2006/table">
@@ -11755,12 +8909,12 @@
                     <a:p>
                       <a:pPr algn="ctr"/>
                       <a:r>
-                        <a:rPr lang="en-US" sz="1200" baseline="0" dirty="0" smtClean="0">
+                        <a:rPr lang="en-US" sz="1000" baseline="0" dirty="0" smtClean="0">
                           <a:effectLst/>
                         </a:rPr>
                         <a:t>SNP</a:t>
                       </a:r>
-                      <a:endParaRPr lang="en-US" sz="1200" b="1" baseline="0" dirty="0">
+                      <a:endParaRPr lang="en-US" sz="1000" b="1" baseline="0" dirty="0">
                         <a:effectLst/>
                       </a:endParaRPr>
                     </a:p>
@@ -11774,12 +8928,12 @@
                     <a:p>
                       <a:pPr algn="ctr"/>
                       <a:r>
-                        <a:rPr lang="en-US" sz="1200" baseline="0" dirty="0" smtClean="0">
+                        <a:rPr lang="en-US" sz="1000" baseline="0" dirty="0" smtClean="0">
                           <a:effectLst/>
                         </a:rPr>
                         <a:t>Effect size</a:t>
                       </a:r>
-                      <a:endParaRPr lang="en-US" sz="1200" b="1" baseline="0" dirty="0">
+                      <a:endParaRPr lang="en-US" sz="1000" b="1" baseline="0" dirty="0">
                         <a:effectLst/>
                       </a:endParaRPr>
                     </a:p>
@@ -11793,12 +8947,12 @@
                     <a:p>
                       <a:pPr algn="ctr"/>
                       <a:r>
-                        <a:rPr lang="en-US" sz="1200" baseline="0" dirty="0" smtClean="0">
+                        <a:rPr lang="en-US" sz="1000" baseline="0" dirty="0" smtClean="0">
                           <a:effectLst/>
                         </a:rPr>
                         <a:t>P-value</a:t>
                       </a:r>
-                      <a:endParaRPr lang="en-US" sz="1200" b="1" baseline="0" dirty="0">
+                      <a:endParaRPr lang="en-US" sz="1000" b="1" baseline="0" dirty="0">
                         <a:effectLst/>
                       </a:endParaRPr>
                     </a:p>
@@ -11814,12 +8968,12 @@
                     <a:p>
                       <a:pPr algn="ctr"/>
                       <a:r>
-                        <a:rPr lang="en-US" sz="1200" baseline="0" dirty="0" smtClean="0">
+                        <a:rPr lang="en-US" sz="1000" baseline="0" dirty="0" smtClean="0">
                           <a:effectLst/>
                         </a:rPr>
                         <a:t>rs00454</a:t>
                       </a:r>
-                      <a:endParaRPr lang="en-US" sz="1200" b="0" baseline="0" dirty="0">
+                      <a:endParaRPr lang="en-US" sz="1000" b="0" baseline="0" dirty="0">
                         <a:effectLst/>
                       </a:endParaRPr>
                     </a:p>
@@ -11833,12 +8987,12 @@
                     <a:p>
                       <a:pPr algn="ctr"/>
                       <a:r>
-                        <a:rPr lang="en-US" sz="1200" baseline="0" dirty="0" smtClean="0">
+                        <a:rPr lang="en-US" sz="1000" baseline="0" dirty="0" smtClean="0">
                           <a:effectLst/>
                         </a:rPr>
                         <a:t>1.2</a:t>
                       </a:r>
-                      <a:endParaRPr lang="en-US" sz="1200" b="0" baseline="0" dirty="0">
+                      <a:endParaRPr lang="en-US" sz="1000" b="0" baseline="0" dirty="0">
                         <a:effectLst/>
                       </a:endParaRPr>
                     </a:p>
@@ -11852,12 +9006,12 @@
                     <a:p>
                       <a:pPr algn="ctr"/>
                       <a:r>
-                        <a:rPr lang="en-US" sz="1200" baseline="0" dirty="0" smtClean="0">
+                        <a:rPr lang="en-US" sz="1000" baseline="0" dirty="0" smtClean="0">
                           <a:effectLst/>
                         </a:rPr>
                         <a:t>1e-8</a:t>
                       </a:r>
-                      <a:endParaRPr lang="en-US" sz="1200" b="0" baseline="0" dirty="0">
+                      <a:endParaRPr lang="en-US" sz="1000" b="0" baseline="0" dirty="0">
                         <a:effectLst/>
                       </a:endParaRPr>
                     </a:p>
@@ -11873,12 +9027,12 @@
                     <a:p>
                       <a:pPr algn="ctr"/>
                       <a:r>
-                        <a:rPr lang="en-US" sz="1200" baseline="0" dirty="0" smtClean="0">
+                        <a:rPr lang="en-US" sz="1000" baseline="0" dirty="0" smtClean="0">
                           <a:effectLst/>
                         </a:rPr>
                         <a:t>rs112844</a:t>
                       </a:r>
-                      <a:endParaRPr lang="en-US" sz="1200" b="0" baseline="0" dirty="0">
+                      <a:endParaRPr lang="en-US" sz="1000" b="0" baseline="0" dirty="0">
                         <a:effectLst/>
                       </a:endParaRPr>
                     </a:p>
@@ -11892,12 +9046,12 @@
                     <a:p>
                       <a:pPr algn="ctr"/>
                       <a:r>
-                        <a:rPr lang="en-US" sz="1200" baseline="0" dirty="0" smtClean="0">
+                        <a:rPr lang="en-US" sz="1000" baseline="0" dirty="0" smtClean="0">
                           <a:effectLst/>
                         </a:rPr>
                         <a:t>0.9</a:t>
                       </a:r>
-                      <a:endParaRPr lang="en-US" sz="1200" b="0" baseline="0" dirty="0">
+                      <a:endParaRPr lang="en-US" sz="1000" b="0" baseline="0" dirty="0">
                         <a:effectLst/>
                       </a:endParaRPr>
                     </a:p>
@@ -11911,12 +9065,12 @@
                     <a:p>
                       <a:pPr algn="ctr"/>
                       <a:r>
-                        <a:rPr lang="en-US" sz="1200" baseline="0" dirty="0" smtClean="0">
+                        <a:rPr lang="en-US" sz="1000" baseline="0" dirty="0" smtClean="0">
                           <a:effectLst/>
                         </a:rPr>
                         <a:t>1e-7</a:t>
                       </a:r>
-                      <a:endParaRPr lang="en-US" sz="1200" b="0" baseline="0" dirty="0">
+                      <a:endParaRPr lang="en-US" sz="1000" b="0" baseline="0" dirty="0">
                         <a:effectLst/>
                       </a:endParaRPr>
                     </a:p>
@@ -11932,12 +9086,12 @@
                     <a:p>
                       <a:pPr algn="ctr"/>
                       <a:r>
-                        <a:rPr lang="en-US" sz="1200" baseline="0" dirty="0" smtClean="0">
+                        <a:rPr lang="en-US" sz="1000" baseline="0" dirty="0" smtClean="0">
                           <a:effectLst/>
                         </a:rPr>
                         <a:t>rs833208</a:t>
                       </a:r>
-                      <a:endParaRPr lang="en-US" sz="1200" baseline="0" dirty="0">
+                      <a:endParaRPr lang="en-US" sz="1000" baseline="0" dirty="0">
                         <a:effectLst/>
                       </a:endParaRPr>
                     </a:p>
@@ -11951,12 +9105,12 @@
                     <a:p>
                       <a:pPr algn="ctr"/>
                       <a:r>
-                        <a:rPr lang="en-US" sz="1200" baseline="0" dirty="0" smtClean="0">
+                        <a:rPr lang="en-US" sz="1000" baseline="0" dirty="0" smtClean="0">
                           <a:effectLst/>
                         </a:rPr>
                         <a:t>-0.8</a:t>
                       </a:r>
-                      <a:endParaRPr lang="en-US" sz="1200" baseline="0" dirty="0">
+                      <a:endParaRPr lang="en-US" sz="1000" baseline="0" dirty="0">
                         <a:effectLst/>
                       </a:endParaRPr>
                     </a:p>
@@ -11970,12 +9124,12 @@
                     <a:p>
                       <a:pPr algn="ctr"/>
                       <a:r>
-                        <a:rPr lang="en-US" sz="1200" baseline="0" dirty="0" smtClean="0">
+                        <a:rPr lang="en-US" sz="1000" baseline="0" dirty="0" smtClean="0">
                           <a:effectLst/>
                         </a:rPr>
                         <a:t>1e-6</a:t>
                       </a:r>
-                      <a:endParaRPr lang="en-US" sz="1200" baseline="0" dirty="0">
+                      <a:endParaRPr lang="en-US" sz="1000" baseline="0" dirty="0">
                         <a:effectLst/>
                       </a:endParaRPr>
                     </a:p>
@@ -11996,14 +9150,14 @@
           <p:nvPr>
             <p:extLst>
               <p:ext uri="{D42A27DB-BD31-4B8C-83A1-F6EECF244321}">
-                <p14:modId xmlns:p14="http://schemas.microsoft.com/office/powerpoint/2010/main" val="1037752016"/>
+                <p14:modId xmlns:p14="http://schemas.microsoft.com/office/powerpoint/2010/main" val="3001849237"/>
               </p:ext>
             </p:extLst>
           </p:nvPr>
         </p:nvGraphicFramePr>
         <p:xfrm>
-          <a:off x="1647012" y="10254985"/>
-          <a:ext cx="2496606" cy="1117600"/>
+          <a:off x="1300707" y="8868973"/>
+          <a:ext cx="2496606" cy="980545"/>
         </p:xfrm>
         <a:graphic>
           <a:graphicData uri="http://schemas.openxmlformats.org/drawingml/2006/table">
@@ -12023,12 +9177,12 @@
                     <a:p>
                       <a:pPr algn="ctr"/>
                       <a:r>
-                        <a:rPr lang="en-US" sz="1200" baseline="0" dirty="0" smtClean="0">
+                        <a:rPr lang="en-US" sz="1000" baseline="0" dirty="0" smtClean="0">
                           <a:effectLst/>
                         </a:rPr>
                         <a:t>SNP</a:t>
                       </a:r>
-                      <a:endParaRPr lang="en-US" sz="1200" b="1" baseline="0" dirty="0">
+                      <a:endParaRPr lang="en-US" sz="1000" b="1" baseline="0" dirty="0">
                         <a:effectLst/>
                       </a:endParaRPr>
                     </a:p>
@@ -12042,12 +9196,12 @@
                     <a:p>
                       <a:pPr algn="ctr"/>
                       <a:r>
-                        <a:rPr lang="en-US" sz="1200" baseline="0" dirty="0" smtClean="0">
+                        <a:rPr lang="en-US" sz="1000" baseline="0" dirty="0" smtClean="0">
                           <a:effectLst/>
                         </a:rPr>
                         <a:t>Proportion of Variance Explained</a:t>
                       </a:r>
-                      <a:endParaRPr lang="en-US" sz="1200" b="1" baseline="0" dirty="0">
+                      <a:endParaRPr lang="en-US" sz="1000" b="1" baseline="0" dirty="0">
                         <a:effectLst/>
                       </a:endParaRPr>
                     </a:p>
@@ -12063,12 +9217,12 @@
                     <a:p>
                       <a:pPr algn="ctr"/>
                       <a:r>
-                        <a:rPr lang="en-US" sz="1200" baseline="0" dirty="0" smtClean="0">
+                        <a:rPr lang="en-US" sz="1000" baseline="0" dirty="0" smtClean="0">
                           <a:effectLst/>
                         </a:rPr>
                         <a:t>rs00454</a:t>
                       </a:r>
-                      <a:endParaRPr lang="en-US" sz="1200" b="0" baseline="0" dirty="0">
+                      <a:endParaRPr lang="en-US" sz="1000" b="0" baseline="0" dirty="0">
                         <a:effectLst/>
                       </a:endParaRPr>
                     </a:p>
@@ -12082,12 +9236,12 @@
                     <a:p>
                       <a:pPr algn="ctr"/>
                       <a:r>
-                        <a:rPr lang="en-US" sz="1200" baseline="0" dirty="0" smtClean="0">
+                        <a:rPr lang="en-US" sz="1000" baseline="0" dirty="0" smtClean="0">
                           <a:effectLst/>
                         </a:rPr>
                         <a:t>0.05</a:t>
                       </a:r>
-                      <a:endParaRPr lang="en-US" sz="1200" b="0" baseline="0" dirty="0">
+                      <a:endParaRPr lang="en-US" sz="1000" b="0" baseline="0" dirty="0">
                         <a:effectLst/>
                       </a:endParaRPr>
                     </a:p>
@@ -12103,12 +9257,12 @@
                     <a:p>
                       <a:pPr algn="ctr"/>
                       <a:r>
-                        <a:rPr lang="en-US" sz="1200" baseline="0" dirty="0" smtClean="0">
+                        <a:rPr lang="en-US" sz="1000" baseline="0" dirty="0" smtClean="0">
                           <a:effectLst/>
                         </a:rPr>
                         <a:t>+ rs112844</a:t>
                       </a:r>
-                      <a:endParaRPr lang="en-US" sz="1200" b="0" baseline="0" dirty="0">
+                      <a:endParaRPr lang="en-US" sz="1000" b="0" baseline="0" dirty="0">
                         <a:effectLst/>
                       </a:endParaRPr>
                     </a:p>
@@ -12122,12 +9276,12 @@
                     <a:p>
                       <a:pPr algn="ctr"/>
                       <a:r>
-                        <a:rPr lang="en-US" sz="1200" baseline="0" dirty="0" smtClean="0">
+                        <a:rPr lang="en-US" sz="1000" baseline="0" dirty="0" smtClean="0">
                           <a:effectLst/>
                         </a:rPr>
                         <a:t>0.12</a:t>
                       </a:r>
-                      <a:endParaRPr lang="en-US" sz="1200" b="0" baseline="0" dirty="0">
+                      <a:endParaRPr lang="en-US" sz="1000" b="0" baseline="0" dirty="0">
                         <a:effectLst/>
                       </a:endParaRPr>
                     </a:p>
@@ -12143,12 +9297,12 @@
                     <a:p>
                       <a:pPr algn="ctr"/>
                       <a:r>
-                        <a:rPr lang="en-US" sz="1200" baseline="0" dirty="0" smtClean="0">
+                        <a:rPr lang="en-US" sz="1000" baseline="0" dirty="0" smtClean="0">
                           <a:effectLst/>
                         </a:rPr>
                         <a:t> + rs833208</a:t>
                       </a:r>
-                      <a:endParaRPr lang="en-US" sz="1200" baseline="0" dirty="0">
+                      <a:endParaRPr lang="en-US" sz="1000" baseline="0" dirty="0">
                         <a:effectLst/>
                       </a:endParaRPr>
                     </a:p>
@@ -12162,12 +9316,12 @@
                     <a:p>
                       <a:pPr algn="ctr"/>
                       <a:r>
-                        <a:rPr lang="en-US" sz="1200" baseline="0" dirty="0" smtClean="0">
+                        <a:rPr lang="en-US" sz="1000" baseline="0" dirty="0" smtClean="0">
                           <a:effectLst/>
                         </a:rPr>
                         <a:t>0.16</a:t>
                       </a:r>
-                      <a:endParaRPr lang="en-US" sz="1200" baseline="0" dirty="0">
+                      <a:endParaRPr lang="en-US" sz="1000" baseline="0" dirty="0">
                         <a:effectLst/>
                       </a:endParaRPr>
                     </a:p>
@@ -12187,8 +9341,8 @@
         </p:nvSpPr>
         <p:spPr>
           <a:xfrm>
-            <a:off x="4192443" y="8547311"/>
-            <a:ext cx="1869038" cy="461665"/>
+            <a:off x="3365031" y="7280208"/>
+            <a:ext cx="1697901" cy="430887"/>
           </a:xfrm>
           <a:prstGeom prst="rect">
             <a:avLst/>
@@ -12202,21 +9356,21 @@
           <a:lstStyle/>
           <a:p>
             <a:r>
-              <a:rPr lang="en-US" sz="1200" dirty="0"/>
+              <a:rPr lang="en-US" sz="1100" dirty="0"/>
               <a:t>”Best” set of </a:t>
             </a:r>
             <a:r>
-              <a:rPr lang="en-US" sz="1200" dirty="0" err="1"/>
+              <a:rPr lang="en-US" sz="1100" dirty="0" err="1"/>
               <a:t>snp</a:t>
             </a:r>
             <a:r>
-              <a:rPr lang="en-US" sz="1200" dirty="0"/>
+              <a:rPr lang="en-US" sz="1100" dirty="0"/>
               <a:t> and their </a:t>
             </a:r>
           </a:p>
           <a:p>
             <a:r>
-              <a:rPr lang="en-US" sz="1200" dirty="0"/>
+              <a:rPr lang="en-US" sz="1100" dirty="0"/>
               <a:t>map location</a:t>
             </a:r>
           </a:p>
@@ -12230,8 +9384,8 @@
         </p:nvSpPr>
         <p:spPr>
           <a:xfrm>
-            <a:off x="5519468" y="9678709"/>
-            <a:ext cx="1872564" cy="276999"/>
+            <a:off x="4589976" y="8426902"/>
+            <a:ext cx="1739335" cy="261610"/>
           </a:xfrm>
           <a:prstGeom prst="rect">
             <a:avLst/>
@@ -12245,19 +9399,19 @@
           <a:lstStyle/>
           <a:p>
             <a:r>
-              <a:rPr lang="en-US" sz="1200"/>
+              <a:rPr lang="en-US" sz="1100"/>
               <a:t>Effect</a:t>
             </a:r>
             <a:r>
-              <a:rPr lang="en-US" sz="1200" dirty="0"/>
+              <a:rPr lang="en-US" sz="1100" dirty="0"/>
               <a:t> </a:t>
             </a:r>
             <a:r>
-              <a:rPr lang="en-US" sz="1200"/>
+              <a:rPr lang="en-US" sz="1100"/>
               <a:t>size</a:t>
             </a:r>
             <a:r>
-              <a:rPr lang="en-US" sz="1200" dirty="0"/>
+              <a:rPr lang="en-US" sz="1100" dirty="0"/>
               <a:t>, and significance</a:t>
             </a:r>
           </a:p>
@@ -12271,8 +9425,8 @@
         </p:nvSpPr>
         <p:spPr>
           <a:xfrm>
-            <a:off x="3922679" y="9125156"/>
-            <a:ext cx="2257273" cy="646331"/>
+            <a:off x="3315725" y="8067187"/>
+            <a:ext cx="2257273" cy="600164"/>
           </a:xfrm>
           <a:prstGeom prst="rect">
             <a:avLst/>
@@ -12286,31 +9440,27 @@
           <a:lstStyle/>
           <a:p>
             <a:r>
-              <a:rPr lang="en-US" sz="1200" dirty="0"/>
+              <a:rPr lang="en-US" sz="1100" dirty="0"/>
               <a:t>Amount of phenotypic </a:t>
             </a:r>
           </a:p>
           <a:p>
             <a:r>
-              <a:rPr lang="en-US" sz="1200" dirty="0"/>
+              <a:rPr lang="en-US" sz="1100" dirty="0"/>
               <a:t>variance explained </a:t>
             </a:r>
             <a:r>
-              <a:rPr lang="en-US" sz="1200" dirty="0" smtClean="0"/>
-              <a:t>by </a:t>
-            </a:r>
-            <a:r>
-              <a:rPr lang="en-US" sz="1200" dirty="0" smtClean="0"/>
-              <a:t> </a:t>
-            </a:r>
-            <a:endParaRPr lang="en-US" sz="1200" dirty="0"/>
-          </a:p>
-          <a:p>
-            <a:r>
-              <a:rPr lang="en-US" sz="1200" dirty="0" smtClean="0"/>
+              <a:rPr lang="en-US" sz="1100" dirty="0" smtClean="0"/>
+              <a:t>by  </a:t>
+            </a:r>
+            <a:endParaRPr lang="en-US" sz="1100" dirty="0"/>
+          </a:p>
+          <a:p>
+            <a:r>
+              <a:rPr lang="en-US" sz="1100" dirty="0" smtClean="0"/>
               <a:t>SNP, cumulatively</a:t>
             </a:r>
-            <a:endParaRPr lang="en-US" sz="1200" dirty="0"/>
+            <a:endParaRPr lang="en-US" sz="1100" dirty="0"/>
           </a:p>
         </p:txBody>
       </p:sp>
@@ -12322,7 +9472,7 @@
         </p:nvCxnSpPr>
         <p:spPr>
           <a:xfrm flipV="1">
-            <a:off x="3701736" y="8827177"/>
+            <a:off x="3213291" y="7692044"/>
             <a:ext cx="441882" cy="219844"/>
           </a:xfrm>
           <a:prstGeom prst="line">
@@ -12358,7 +9508,7 @@
         </p:nvCxnSpPr>
         <p:spPr>
           <a:xfrm flipV="1">
-            <a:off x="3971502" y="9930464"/>
+            <a:off x="3134490" y="8667351"/>
             <a:ext cx="441882" cy="219844"/>
           </a:xfrm>
           <a:prstGeom prst="line">
@@ -12394,7 +9544,7 @@
         </p:nvCxnSpPr>
         <p:spPr>
           <a:xfrm flipV="1">
-            <a:off x="5893730" y="9955706"/>
+            <a:off x="5384532" y="8656363"/>
             <a:ext cx="37556" cy="235178"/>
           </a:xfrm>
           <a:prstGeom prst="line">
@@ -12422,6 +9572,1776 @@
           </a:fontRef>
         </p:style>
       </p:cxnSp>
+      <p:sp>
+        <p:nvSpPr>
+          <p:cNvPr id="80" name="Rectangle 79"/>
+          <p:cNvSpPr/>
+          <p:nvPr/>
+        </p:nvSpPr>
+        <p:spPr>
+          <a:xfrm>
+            <a:off x="9468406" y="3237438"/>
+            <a:ext cx="2020778" cy="2528216"/>
+          </a:xfrm>
+          <a:prstGeom prst="rect">
+            <a:avLst/>
+          </a:prstGeom>
+          <a:solidFill>
+            <a:srgbClr val="FFFFFF"/>
+          </a:solidFill>
+          <a:ln>
+            <a:solidFill>
+              <a:srgbClr val="7F7F7F"/>
+            </a:solidFill>
+          </a:ln>
+        </p:spPr>
+        <p:style>
+          <a:lnRef idx="2">
+            <a:schemeClr val="accent1">
+              <a:shade val="50000"/>
+            </a:schemeClr>
+          </a:lnRef>
+          <a:fillRef idx="1">
+            <a:schemeClr val="accent1"/>
+          </a:fillRef>
+          <a:effectRef idx="0">
+            <a:schemeClr val="accent1"/>
+          </a:effectRef>
+          <a:fontRef idx="minor">
+            <a:schemeClr val="lt1"/>
+          </a:fontRef>
+        </p:style>
+        <p:txBody>
+          <a:bodyPr rtlCol="0" anchor="ctr"/>
+          <a:lstStyle/>
+          <a:p>
+            <a:r>
+              <a:rPr lang="en-US" dirty="0"/>
+              <a:t>1</a:t>
+            </a:r>
+            <a:endParaRPr lang="en-US" dirty="0"/>
+          </a:p>
+        </p:txBody>
+      </p:sp>
+      <p:sp>
+        <p:nvSpPr>
+          <p:cNvPr id="81" name="Rounded Rectangle 80"/>
+          <p:cNvSpPr>
+            <a:spLocks/>
+          </p:cNvSpPr>
+          <p:nvPr/>
+        </p:nvSpPr>
+        <p:spPr>
+          <a:xfrm>
+            <a:off x="9468408" y="2861451"/>
+            <a:ext cx="2020776" cy="504000"/>
+          </a:xfrm>
+          <a:prstGeom prst="roundRect">
+            <a:avLst/>
+          </a:prstGeom>
+          <a:solidFill>
+            <a:srgbClr val="F42100"/>
+          </a:solidFill>
+          <a:ln>
+            <a:noFill/>
+          </a:ln>
+        </p:spPr>
+        <p:style>
+          <a:lnRef idx="2">
+            <a:schemeClr val="accent1">
+              <a:shade val="50000"/>
+            </a:schemeClr>
+          </a:lnRef>
+          <a:fillRef idx="1">
+            <a:schemeClr val="accent1"/>
+          </a:fillRef>
+          <a:effectRef idx="0">
+            <a:schemeClr val="accent1"/>
+          </a:effectRef>
+          <a:fontRef idx="minor">
+            <a:schemeClr val="lt1"/>
+          </a:fontRef>
+        </p:style>
+        <p:txBody>
+          <a:bodyPr rtlCol="0" anchor="ctr"/>
+          <a:lstStyle/>
+          <a:p>
+            <a:pPr algn="ctr"/>
+            <a:endParaRPr lang="en-US"/>
+          </a:p>
+        </p:txBody>
+      </p:sp>
+      <p:sp>
+        <p:nvSpPr>
+          <p:cNvPr id="82" name="TextBox 81"/>
+          <p:cNvSpPr txBox="1"/>
+          <p:nvPr/>
+        </p:nvSpPr>
+        <p:spPr>
+          <a:xfrm>
+            <a:off x="9560451" y="2879465"/>
+            <a:ext cx="2008697" cy="461665"/>
+          </a:xfrm>
+          <a:prstGeom prst="rect">
+            <a:avLst/>
+          </a:prstGeom>
+          <a:noFill/>
+        </p:spPr>
+        <p:txBody>
+          <a:bodyPr wrap="square" rtlCol="0">
+            <a:spAutoFit/>
+          </a:bodyPr>
+          <a:lstStyle/>
+          <a:p>
+            <a:r>
+              <a:rPr lang="en-US" sz="2400" b="1" cap="small" dirty="0">
+                <a:solidFill>
+                  <a:schemeClr val="bg1"/>
+                </a:solidFill>
+                <a:ea typeface="Arial Rounded MT Bold" charset="0"/>
+                <a:cs typeface="Arial Rounded MT Bold" charset="0"/>
+              </a:rPr>
+              <a:t>Read</a:t>
+            </a:r>
+            <a:r>
+              <a:rPr lang="en-US" sz="2400" cap="small" dirty="0">
+                <a:solidFill>
+                  <a:schemeClr val="bg1"/>
+                </a:solidFill>
+                <a:ea typeface="Arial Rounded MT Bold" charset="0"/>
+                <a:cs typeface="Arial Rounded MT Bold" charset="0"/>
+              </a:rPr>
+              <a:t> </a:t>
+            </a:r>
+            <a:r>
+              <a:rPr lang="en-US" sz="2400" i="1" dirty="0" smtClean="0">
+                <a:solidFill>
+                  <a:schemeClr val="bg1"/>
+                </a:solidFill>
+                <a:ea typeface="Arial Rounded MT Bold" charset="0"/>
+                <a:cs typeface="Arial Rounded MT Bold" charset="0"/>
+              </a:rPr>
+              <a:t>Z Matrix</a:t>
+            </a:r>
+            <a:endParaRPr lang="en-US" sz="2400" i="1" dirty="0">
+              <a:solidFill>
+                <a:schemeClr val="bg1"/>
+              </a:solidFill>
+              <a:ea typeface="Arial Rounded MT Bold" charset="0"/>
+              <a:cs typeface="Arial Rounded MT Bold" charset="0"/>
+            </a:endParaRPr>
+          </a:p>
+        </p:txBody>
+      </p:sp>
+      <p:sp>
+        <p:nvSpPr>
+          <p:cNvPr id="83" name="TextBox 82"/>
+          <p:cNvSpPr txBox="1"/>
+          <p:nvPr/>
+        </p:nvSpPr>
+        <p:spPr>
+          <a:xfrm>
+            <a:off x="9560451" y="3508014"/>
+            <a:ext cx="1928733" cy="523220"/>
+          </a:xfrm>
+          <a:prstGeom prst="rect">
+            <a:avLst/>
+          </a:prstGeom>
+          <a:noFill/>
+        </p:spPr>
+        <p:txBody>
+          <a:bodyPr wrap="none" rtlCol="0">
+            <a:spAutoFit/>
+          </a:bodyPr>
+          <a:lstStyle/>
+          <a:p>
+            <a:r>
+              <a:rPr lang="en-US" sz="1400" dirty="0" smtClean="0">
+                <a:solidFill>
+                  <a:schemeClr val="bg1">
+                    <a:lumMod val="50000"/>
+                  </a:schemeClr>
+                </a:solidFill>
+              </a:rPr>
+              <a:t>Format: </a:t>
+            </a:r>
+            <a:r>
+              <a:rPr lang="en-US" sz="1400" dirty="0">
+                <a:solidFill>
+                  <a:schemeClr val="bg1">
+                    <a:lumMod val="50000"/>
+                  </a:schemeClr>
+                </a:solidFill>
+              </a:rPr>
+              <a:t>text file, space </a:t>
+            </a:r>
+          </a:p>
+          <a:p>
+            <a:r>
+              <a:rPr lang="en-US" sz="1400" dirty="0">
+                <a:solidFill>
+                  <a:schemeClr val="bg1">
+                    <a:lumMod val="50000"/>
+                  </a:schemeClr>
+                </a:solidFill>
+              </a:rPr>
+              <a:t>                 separated</a:t>
+            </a:r>
+          </a:p>
+        </p:txBody>
+      </p:sp>
+      <p:sp>
+        <p:nvSpPr>
+          <p:cNvPr id="103" name="TextBox 102"/>
+          <p:cNvSpPr txBox="1"/>
+          <p:nvPr/>
+        </p:nvSpPr>
+        <p:spPr>
+          <a:xfrm>
+            <a:off x="10173559" y="4015945"/>
+            <a:ext cx="715836" cy="276999"/>
+          </a:xfrm>
+          <a:prstGeom prst="rect">
+            <a:avLst/>
+          </a:prstGeom>
+          <a:noFill/>
+        </p:spPr>
+        <p:txBody>
+          <a:bodyPr wrap="none" rtlCol="0">
+            <a:spAutoFit/>
+          </a:bodyPr>
+          <a:lstStyle/>
+          <a:p>
+            <a:r>
+              <a:rPr lang="en-US" sz="1200" dirty="0"/>
+              <a:t>Example</a:t>
+            </a:r>
+          </a:p>
+        </p:txBody>
+      </p:sp>
+      <p:graphicFrame>
+        <p:nvGraphicFramePr>
+          <p:cNvPr id="108" name="Table 107"/>
+          <p:cNvGraphicFramePr>
+            <a:graphicFrameLocks noGrp="1"/>
+          </p:cNvGraphicFramePr>
+          <p:nvPr>
+            <p:extLst>
+              <p:ext uri="{D42A27DB-BD31-4B8C-83A1-F6EECF244321}">
+                <p14:modId xmlns:p14="http://schemas.microsoft.com/office/powerpoint/2010/main" val="2800925866"/>
+              </p:ext>
+            </p:extLst>
+          </p:nvPr>
+        </p:nvGraphicFramePr>
+        <p:xfrm>
+          <a:off x="9696698" y="4569530"/>
+          <a:ext cx="1611456" cy="911140"/>
+        </p:xfrm>
+        <a:graphic>
+          <a:graphicData uri="http://schemas.openxmlformats.org/drawingml/2006/table">
+            <a:tbl>
+              <a:tblPr firstRow="1" bandRow="1">
+                <a:tableStyleId>{8799B23B-EC83-4686-B30A-512413B5E67A}</a:tableStyleId>
+              </a:tblPr>
+              <a:tblGrid>
+                <a:gridCol w="201432"/>
+                <a:gridCol w="201432"/>
+                <a:gridCol w="201432"/>
+                <a:gridCol w="201432"/>
+                <a:gridCol w="201432"/>
+                <a:gridCol w="201432"/>
+                <a:gridCol w="201432"/>
+                <a:gridCol w="201432"/>
+              </a:tblGrid>
+              <a:tr h="227785">
+                <a:tc>
+                  <a:txBody>
+                    <a:bodyPr/>
+                    <a:lstStyle/>
+                    <a:p>
+                      <a:pPr algn="l"/>
+                      <a:r>
+                        <a:rPr lang="en-US" sz="1000" b="0" baseline="0" dirty="0" smtClean="0">
+                          <a:effectLst/>
+                        </a:rPr>
+                        <a:t>1</a:t>
+                      </a:r>
+                      <a:endParaRPr lang="en-US" sz="1000" b="0" baseline="0" dirty="0">
+                        <a:effectLst/>
+                      </a:endParaRPr>
+                    </a:p>
+                  </a:txBody>
+                  <a:tcPr marL="50800" marR="50800" marT="25400" marB="25400" anchor="b">
+                    <a:lnL w="12700" cmpd="sng">
+                      <a:noFill/>
+                    </a:lnL>
+                    <a:lnR w="12700" cmpd="sng">
+                      <a:noFill/>
+                    </a:lnR>
+                    <a:lnT w="12700" cmpd="sng">
+                      <a:noFill/>
+                    </a:lnT>
+                    <a:lnB w="25400" cmpd="sng">
+                      <a:noFill/>
+                    </a:lnB>
+                    <a:lnTlToBr w="12700" cmpd="sng">
+                      <a:noFill/>
+                      <a:prstDash val="solid"/>
+                    </a:lnTlToBr>
+                    <a:lnBlToTr w="12700" cmpd="sng">
+                      <a:noFill/>
+                      <a:prstDash val="solid"/>
+                    </a:lnBlToTr>
+                  </a:tcPr>
+                </a:tc>
+                <a:tc>
+                  <a:txBody>
+                    <a:bodyPr/>
+                    <a:lstStyle/>
+                    <a:p>
+                      <a:pPr algn="l"/>
+                      <a:r>
+                        <a:rPr lang="en-US" sz="1000" b="0" baseline="0" dirty="0" smtClean="0">
+                          <a:effectLst/>
+                        </a:rPr>
+                        <a:t>0</a:t>
+                      </a:r>
+                      <a:endParaRPr lang="en-US" sz="1000" b="0" baseline="0" dirty="0">
+                        <a:effectLst/>
+                      </a:endParaRPr>
+                    </a:p>
+                  </a:txBody>
+                  <a:tcPr marL="50800" marR="50800" marT="25400" marB="25400" anchor="b">
+                    <a:lnL w="12700" cmpd="sng">
+                      <a:noFill/>
+                    </a:lnL>
+                    <a:lnR w="12700" cmpd="sng">
+                      <a:noFill/>
+                    </a:lnR>
+                    <a:lnT w="12700" cmpd="sng">
+                      <a:noFill/>
+                    </a:lnT>
+                    <a:lnB w="25400" cmpd="sng">
+                      <a:noFill/>
+                    </a:lnB>
+                    <a:lnTlToBr w="12700" cmpd="sng">
+                      <a:noFill/>
+                      <a:prstDash val="solid"/>
+                    </a:lnTlToBr>
+                    <a:lnBlToTr w="12700" cmpd="sng">
+                      <a:noFill/>
+                      <a:prstDash val="solid"/>
+                    </a:lnBlToTr>
+                  </a:tcPr>
+                </a:tc>
+                <a:tc>
+                  <a:txBody>
+                    <a:bodyPr/>
+                    <a:lstStyle/>
+                    <a:p>
+                      <a:pPr algn="l"/>
+                      <a:r>
+                        <a:rPr lang="en-US" sz="1000" b="0" baseline="0" dirty="0" smtClean="0">
+                          <a:effectLst/>
+                        </a:rPr>
+                        <a:t>0</a:t>
+                      </a:r>
+                      <a:endParaRPr lang="en-US" sz="1000" b="0" baseline="0" dirty="0">
+                        <a:effectLst/>
+                      </a:endParaRPr>
+                    </a:p>
+                  </a:txBody>
+                  <a:tcPr marL="50800" marR="50800" marT="25400" marB="25400" anchor="b">
+                    <a:lnL w="12700" cmpd="sng">
+                      <a:noFill/>
+                    </a:lnL>
+                    <a:lnR w="12700" cmpd="sng">
+                      <a:noFill/>
+                    </a:lnR>
+                    <a:lnT w="12700" cmpd="sng">
+                      <a:noFill/>
+                    </a:lnT>
+                    <a:lnB w="25400" cmpd="sng">
+                      <a:noFill/>
+                    </a:lnB>
+                    <a:lnTlToBr w="12700" cmpd="sng">
+                      <a:noFill/>
+                      <a:prstDash val="solid"/>
+                    </a:lnTlToBr>
+                    <a:lnBlToTr w="12700" cmpd="sng">
+                      <a:noFill/>
+                      <a:prstDash val="solid"/>
+                    </a:lnBlToTr>
+                  </a:tcPr>
+                </a:tc>
+                <a:tc>
+                  <a:txBody>
+                    <a:bodyPr/>
+                    <a:lstStyle/>
+                    <a:p>
+                      <a:pPr algn="l"/>
+                      <a:r>
+                        <a:rPr lang="en-US" sz="1000" b="0" baseline="0" dirty="0" smtClean="0">
+                          <a:effectLst/>
+                        </a:rPr>
+                        <a:t>0</a:t>
+                      </a:r>
+                      <a:endParaRPr lang="en-US" sz="1000" b="0" baseline="0" dirty="0">
+                        <a:effectLst/>
+                      </a:endParaRPr>
+                    </a:p>
+                  </a:txBody>
+                  <a:tcPr marL="50800" marR="50800" marT="25400" marB="25400" anchor="b">
+                    <a:lnL w="12700" cmpd="sng">
+                      <a:noFill/>
+                    </a:lnL>
+                    <a:lnR w="12700" cmpd="sng">
+                      <a:noFill/>
+                    </a:lnR>
+                    <a:lnT w="12700" cmpd="sng">
+                      <a:noFill/>
+                    </a:lnT>
+                    <a:lnB w="25400" cmpd="sng">
+                      <a:noFill/>
+                    </a:lnB>
+                    <a:lnTlToBr w="12700" cmpd="sng">
+                      <a:noFill/>
+                      <a:prstDash val="solid"/>
+                    </a:lnTlToBr>
+                    <a:lnBlToTr w="12700" cmpd="sng">
+                      <a:noFill/>
+                      <a:prstDash val="solid"/>
+                    </a:lnBlToTr>
+                  </a:tcPr>
+                </a:tc>
+                <a:tc>
+                  <a:txBody>
+                    <a:bodyPr/>
+                    <a:lstStyle/>
+                    <a:p>
+                      <a:pPr algn="l"/>
+                      <a:r>
+                        <a:rPr lang="en-US" sz="1000" b="0" baseline="0" dirty="0" smtClean="0">
+                          <a:effectLst/>
+                        </a:rPr>
+                        <a:t>0</a:t>
+                      </a:r>
+                      <a:endParaRPr lang="en-US" sz="1000" b="0" baseline="0" dirty="0">
+                        <a:effectLst/>
+                      </a:endParaRPr>
+                    </a:p>
+                  </a:txBody>
+                  <a:tcPr marL="50800" marR="50800" marT="25400" marB="25400" anchor="b">
+                    <a:lnL w="12700" cmpd="sng">
+                      <a:noFill/>
+                    </a:lnL>
+                    <a:lnR w="12700" cmpd="sng">
+                      <a:noFill/>
+                    </a:lnR>
+                    <a:lnT w="12700" cmpd="sng">
+                      <a:noFill/>
+                    </a:lnT>
+                    <a:lnB w="25400" cmpd="sng">
+                      <a:noFill/>
+                    </a:lnB>
+                    <a:lnTlToBr w="12700" cmpd="sng">
+                      <a:noFill/>
+                      <a:prstDash val="solid"/>
+                    </a:lnTlToBr>
+                    <a:lnBlToTr w="12700" cmpd="sng">
+                      <a:noFill/>
+                      <a:prstDash val="solid"/>
+                    </a:lnBlToTr>
+                  </a:tcPr>
+                </a:tc>
+                <a:tc>
+                  <a:txBody>
+                    <a:bodyPr/>
+                    <a:lstStyle/>
+                    <a:p>
+                      <a:pPr algn="l"/>
+                      <a:r>
+                        <a:rPr lang="en-US" sz="1000" b="0" baseline="0" dirty="0" smtClean="0">
+                          <a:effectLst/>
+                        </a:rPr>
+                        <a:t>0</a:t>
+                      </a:r>
+                      <a:endParaRPr lang="en-US" sz="1000" b="0" baseline="0" dirty="0">
+                        <a:effectLst/>
+                      </a:endParaRPr>
+                    </a:p>
+                  </a:txBody>
+                  <a:tcPr marL="50800" marR="50800" marT="25400" marB="25400" anchor="b">
+                    <a:lnL w="12700" cmpd="sng">
+                      <a:noFill/>
+                    </a:lnL>
+                    <a:lnR w="12700" cmpd="sng">
+                      <a:noFill/>
+                    </a:lnR>
+                    <a:lnT w="12700" cmpd="sng">
+                      <a:noFill/>
+                    </a:lnT>
+                    <a:lnB w="25400" cmpd="sng">
+                      <a:noFill/>
+                    </a:lnB>
+                    <a:lnTlToBr w="12700" cmpd="sng">
+                      <a:noFill/>
+                      <a:prstDash val="solid"/>
+                    </a:lnTlToBr>
+                    <a:lnBlToTr w="12700" cmpd="sng">
+                      <a:noFill/>
+                      <a:prstDash val="solid"/>
+                    </a:lnBlToTr>
+                  </a:tcPr>
+                </a:tc>
+                <a:tc>
+                  <a:txBody>
+                    <a:bodyPr/>
+                    <a:lstStyle/>
+                    <a:p>
+                      <a:pPr algn="l"/>
+                      <a:r>
+                        <a:rPr lang="en-US" sz="1000" b="0" baseline="0" dirty="0" smtClean="0">
+                          <a:effectLst/>
+                        </a:rPr>
+                        <a:t>0</a:t>
+                      </a:r>
+                      <a:endParaRPr lang="en-US" sz="1000" b="0" baseline="0" dirty="0">
+                        <a:effectLst/>
+                      </a:endParaRPr>
+                    </a:p>
+                  </a:txBody>
+                  <a:tcPr marL="50800" marR="50800" marT="25400" marB="25400" anchor="b">
+                    <a:lnL w="12700" cmpd="sng">
+                      <a:noFill/>
+                    </a:lnL>
+                    <a:lnR w="12700" cmpd="sng">
+                      <a:noFill/>
+                    </a:lnR>
+                    <a:lnT w="12700" cmpd="sng">
+                      <a:noFill/>
+                    </a:lnT>
+                    <a:lnB w="25400" cmpd="sng">
+                      <a:noFill/>
+                    </a:lnB>
+                    <a:lnTlToBr w="12700" cmpd="sng">
+                      <a:noFill/>
+                      <a:prstDash val="solid"/>
+                    </a:lnTlToBr>
+                    <a:lnBlToTr w="12700" cmpd="sng">
+                      <a:noFill/>
+                      <a:prstDash val="solid"/>
+                    </a:lnBlToTr>
+                  </a:tcPr>
+                </a:tc>
+                <a:tc>
+                  <a:txBody>
+                    <a:bodyPr/>
+                    <a:lstStyle/>
+                    <a:p>
+                      <a:pPr algn="l"/>
+                      <a:r>
+                        <a:rPr lang="en-US" sz="1000" b="0" baseline="0" dirty="0" smtClean="0">
+                          <a:effectLst/>
+                        </a:rPr>
+                        <a:t>0</a:t>
+                      </a:r>
+                      <a:endParaRPr lang="en-US" sz="1000" b="0" baseline="0" dirty="0">
+                        <a:effectLst/>
+                      </a:endParaRPr>
+                    </a:p>
+                  </a:txBody>
+                  <a:tcPr marL="50800" marR="50800" marT="25400" marB="25400" anchor="b">
+                    <a:lnL w="12700" cmpd="sng">
+                      <a:noFill/>
+                    </a:lnL>
+                    <a:lnR w="12700" cmpd="sng">
+                      <a:noFill/>
+                    </a:lnR>
+                    <a:lnT w="12700" cmpd="sng">
+                      <a:noFill/>
+                    </a:lnT>
+                    <a:lnB w="25400" cmpd="sng">
+                      <a:noFill/>
+                    </a:lnB>
+                    <a:lnTlToBr w="12700" cmpd="sng">
+                      <a:noFill/>
+                      <a:prstDash val="solid"/>
+                    </a:lnTlToBr>
+                    <a:lnBlToTr w="12700" cmpd="sng">
+                      <a:noFill/>
+                      <a:prstDash val="solid"/>
+                    </a:lnBlToTr>
+                  </a:tcPr>
+                </a:tc>
+              </a:tr>
+              <a:tr h="227785">
+                <a:tc>
+                  <a:txBody>
+                    <a:bodyPr/>
+                    <a:lstStyle/>
+                    <a:p>
+                      <a:pPr algn="l"/>
+                      <a:r>
+                        <a:rPr lang="en-US" sz="1000" baseline="0" dirty="0" smtClean="0">
+                          <a:effectLst/>
+                        </a:rPr>
+                        <a:t>0</a:t>
+                      </a:r>
+                      <a:endParaRPr lang="en-US" sz="1000" baseline="0" dirty="0">
+                        <a:effectLst/>
+                      </a:endParaRPr>
+                    </a:p>
+                  </a:txBody>
+                  <a:tcPr marL="50800" marR="50800" marT="25400" marB="25400" anchor="b">
+                    <a:lnL w="12700" cmpd="sng">
+                      <a:noFill/>
+                    </a:lnL>
+                    <a:lnR w="12700" cmpd="sng">
+                      <a:noFill/>
+                    </a:lnR>
+                    <a:lnT w="25400" cmpd="sng">
+                      <a:noFill/>
+                    </a:lnT>
+                    <a:lnB w="12700" cmpd="sng">
+                      <a:noFill/>
+                    </a:lnB>
+                    <a:lnTlToBr w="12700" cmpd="sng">
+                      <a:noFill/>
+                      <a:prstDash val="solid"/>
+                    </a:lnTlToBr>
+                    <a:lnBlToTr w="12700" cmpd="sng">
+                      <a:noFill/>
+                      <a:prstDash val="solid"/>
+                    </a:lnBlToTr>
+                  </a:tcPr>
+                </a:tc>
+                <a:tc>
+                  <a:txBody>
+                    <a:bodyPr/>
+                    <a:lstStyle/>
+                    <a:p>
+                      <a:pPr algn="l"/>
+                      <a:r>
+                        <a:rPr lang="en-US" sz="1000" baseline="0" dirty="0" smtClean="0">
+                          <a:effectLst/>
+                        </a:rPr>
+                        <a:t>0</a:t>
+                      </a:r>
+                      <a:endParaRPr lang="en-US" sz="1000" baseline="0" dirty="0">
+                        <a:effectLst/>
+                      </a:endParaRPr>
+                    </a:p>
+                  </a:txBody>
+                  <a:tcPr marL="50800" marR="50800" marT="25400" marB="25400" anchor="b">
+                    <a:lnL w="12700" cmpd="sng">
+                      <a:noFill/>
+                    </a:lnL>
+                    <a:lnR w="12700" cmpd="sng">
+                      <a:noFill/>
+                    </a:lnR>
+                    <a:lnT w="25400" cmpd="sng">
+                      <a:noFill/>
+                    </a:lnT>
+                    <a:lnB w="12700" cmpd="sng">
+                      <a:noFill/>
+                    </a:lnB>
+                    <a:lnTlToBr w="12700" cmpd="sng">
+                      <a:noFill/>
+                      <a:prstDash val="solid"/>
+                    </a:lnTlToBr>
+                    <a:lnBlToTr w="12700" cmpd="sng">
+                      <a:noFill/>
+                      <a:prstDash val="solid"/>
+                    </a:lnBlToTr>
+                  </a:tcPr>
+                </a:tc>
+                <a:tc>
+                  <a:txBody>
+                    <a:bodyPr/>
+                    <a:lstStyle/>
+                    <a:p>
+                      <a:pPr algn="l"/>
+                      <a:r>
+                        <a:rPr lang="en-US" sz="1000" baseline="0" dirty="0" smtClean="0">
+                          <a:effectLst/>
+                        </a:rPr>
+                        <a:t>1</a:t>
+                      </a:r>
+                      <a:endParaRPr lang="en-US" sz="1000" baseline="0" dirty="0">
+                        <a:effectLst/>
+                      </a:endParaRPr>
+                    </a:p>
+                  </a:txBody>
+                  <a:tcPr marL="50800" marR="50800" marT="25400" marB="25400" anchor="b">
+                    <a:lnL w="12700" cmpd="sng">
+                      <a:noFill/>
+                    </a:lnL>
+                    <a:lnR w="12700" cmpd="sng">
+                      <a:noFill/>
+                    </a:lnR>
+                    <a:lnT w="25400" cmpd="sng">
+                      <a:noFill/>
+                    </a:lnT>
+                    <a:lnB w="12700" cmpd="sng">
+                      <a:noFill/>
+                    </a:lnB>
+                    <a:lnTlToBr w="12700" cmpd="sng">
+                      <a:noFill/>
+                      <a:prstDash val="solid"/>
+                    </a:lnTlToBr>
+                    <a:lnBlToTr w="12700" cmpd="sng">
+                      <a:noFill/>
+                      <a:prstDash val="solid"/>
+                    </a:lnBlToTr>
+                  </a:tcPr>
+                </a:tc>
+                <a:tc>
+                  <a:txBody>
+                    <a:bodyPr/>
+                    <a:lstStyle/>
+                    <a:p>
+                      <a:pPr algn="l"/>
+                      <a:r>
+                        <a:rPr lang="en-US" sz="1000" baseline="0" dirty="0" smtClean="0">
+                          <a:effectLst/>
+                        </a:rPr>
+                        <a:t>0</a:t>
+                      </a:r>
+                      <a:endParaRPr lang="en-US" sz="1000" baseline="0" dirty="0">
+                        <a:effectLst/>
+                      </a:endParaRPr>
+                    </a:p>
+                  </a:txBody>
+                  <a:tcPr marL="50800" marR="50800" marT="25400" marB="25400" anchor="b">
+                    <a:lnL w="12700" cmpd="sng">
+                      <a:noFill/>
+                    </a:lnL>
+                    <a:lnR w="12700" cmpd="sng">
+                      <a:noFill/>
+                    </a:lnR>
+                    <a:lnT w="25400" cmpd="sng">
+                      <a:noFill/>
+                    </a:lnT>
+                    <a:lnB w="12700" cmpd="sng">
+                      <a:noFill/>
+                    </a:lnB>
+                    <a:lnTlToBr w="12700" cmpd="sng">
+                      <a:noFill/>
+                      <a:prstDash val="solid"/>
+                    </a:lnTlToBr>
+                    <a:lnBlToTr w="12700" cmpd="sng">
+                      <a:noFill/>
+                      <a:prstDash val="solid"/>
+                    </a:lnBlToTr>
+                  </a:tcPr>
+                </a:tc>
+                <a:tc>
+                  <a:txBody>
+                    <a:bodyPr/>
+                    <a:lstStyle/>
+                    <a:p>
+                      <a:pPr algn="l"/>
+                      <a:r>
+                        <a:rPr lang="en-US" sz="1000" baseline="0" dirty="0" smtClean="0">
+                          <a:effectLst/>
+                        </a:rPr>
+                        <a:t>0</a:t>
+                      </a:r>
+                      <a:endParaRPr lang="en-US" sz="1000" baseline="0" dirty="0">
+                        <a:effectLst/>
+                      </a:endParaRPr>
+                    </a:p>
+                  </a:txBody>
+                  <a:tcPr marL="50800" marR="50800" marT="25400" marB="25400" anchor="b">
+                    <a:lnL w="12700" cmpd="sng">
+                      <a:noFill/>
+                    </a:lnL>
+                    <a:lnR w="12700" cmpd="sng">
+                      <a:noFill/>
+                    </a:lnR>
+                    <a:lnT w="25400" cmpd="sng">
+                      <a:noFill/>
+                    </a:lnT>
+                    <a:lnB w="12700" cmpd="sng">
+                      <a:noFill/>
+                    </a:lnB>
+                    <a:lnTlToBr w="12700" cmpd="sng">
+                      <a:noFill/>
+                      <a:prstDash val="solid"/>
+                    </a:lnTlToBr>
+                    <a:lnBlToTr w="12700" cmpd="sng">
+                      <a:noFill/>
+                      <a:prstDash val="solid"/>
+                    </a:lnBlToTr>
+                  </a:tcPr>
+                </a:tc>
+                <a:tc>
+                  <a:txBody>
+                    <a:bodyPr/>
+                    <a:lstStyle/>
+                    <a:p>
+                      <a:pPr algn="l"/>
+                      <a:r>
+                        <a:rPr lang="en-US" sz="1000" baseline="0" dirty="0" smtClean="0">
+                          <a:effectLst/>
+                        </a:rPr>
+                        <a:t>0</a:t>
+                      </a:r>
+                      <a:endParaRPr lang="en-US" sz="1000" baseline="0" dirty="0">
+                        <a:effectLst/>
+                      </a:endParaRPr>
+                    </a:p>
+                  </a:txBody>
+                  <a:tcPr marL="50800" marR="50800" marT="25400" marB="25400" anchor="b">
+                    <a:lnL w="12700" cmpd="sng">
+                      <a:noFill/>
+                    </a:lnL>
+                    <a:lnR w="12700" cmpd="sng">
+                      <a:noFill/>
+                    </a:lnR>
+                    <a:lnT w="25400" cmpd="sng">
+                      <a:noFill/>
+                    </a:lnT>
+                    <a:lnB w="12700" cmpd="sng">
+                      <a:noFill/>
+                    </a:lnB>
+                    <a:lnTlToBr w="12700" cmpd="sng">
+                      <a:noFill/>
+                      <a:prstDash val="solid"/>
+                    </a:lnTlToBr>
+                    <a:lnBlToTr w="12700" cmpd="sng">
+                      <a:noFill/>
+                      <a:prstDash val="solid"/>
+                    </a:lnBlToTr>
+                  </a:tcPr>
+                </a:tc>
+                <a:tc>
+                  <a:txBody>
+                    <a:bodyPr/>
+                    <a:lstStyle/>
+                    <a:p>
+                      <a:pPr algn="l"/>
+                      <a:r>
+                        <a:rPr lang="en-US" sz="1000" baseline="0" dirty="0" smtClean="0">
+                          <a:effectLst/>
+                        </a:rPr>
+                        <a:t>0</a:t>
+                      </a:r>
+                      <a:endParaRPr lang="en-US" sz="1000" baseline="0" dirty="0">
+                        <a:effectLst/>
+                      </a:endParaRPr>
+                    </a:p>
+                  </a:txBody>
+                  <a:tcPr marL="50800" marR="50800" marT="25400" marB="25400" anchor="b">
+                    <a:lnL w="12700" cmpd="sng">
+                      <a:noFill/>
+                    </a:lnL>
+                    <a:lnR w="12700" cmpd="sng">
+                      <a:noFill/>
+                    </a:lnR>
+                    <a:lnT w="25400" cmpd="sng">
+                      <a:noFill/>
+                    </a:lnT>
+                    <a:lnB w="12700" cmpd="sng">
+                      <a:noFill/>
+                    </a:lnB>
+                    <a:lnTlToBr w="12700" cmpd="sng">
+                      <a:noFill/>
+                      <a:prstDash val="solid"/>
+                    </a:lnTlToBr>
+                    <a:lnBlToTr w="12700" cmpd="sng">
+                      <a:noFill/>
+                      <a:prstDash val="solid"/>
+                    </a:lnBlToTr>
+                  </a:tcPr>
+                </a:tc>
+                <a:tc>
+                  <a:txBody>
+                    <a:bodyPr/>
+                    <a:lstStyle/>
+                    <a:p>
+                      <a:pPr algn="l"/>
+                      <a:r>
+                        <a:rPr lang="en-US" sz="1000" baseline="0" dirty="0" smtClean="0">
+                          <a:effectLst/>
+                        </a:rPr>
+                        <a:t>0</a:t>
+                      </a:r>
+                      <a:endParaRPr lang="en-US" sz="1000" baseline="0" dirty="0">
+                        <a:effectLst/>
+                      </a:endParaRPr>
+                    </a:p>
+                  </a:txBody>
+                  <a:tcPr marL="50800" marR="50800" marT="25400" marB="25400" anchor="b">
+                    <a:lnL w="12700" cmpd="sng">
+                      <a:noFill/>
+                    </a:lnL>
+                    <a:lnR w="12700" cmpd="sng">
+                      <a:noFill/>
+                    </a:lnR>
+                    <a:lnT w="25400" cmpd="sng">
+                      <a:noFill/>
+                    </a:lnT>
+                    <a:lnB w="12700" cmpd="sng">
+                      <a:noFill/>
+                    </a:lnB>
+                    <a:lnTlToBr w="12700" cmpd="sng">
+                      <a:noFill/>
+                      <a:prstDash val="solid"/>
+                    </a:lnTlToBr>
+                    <a:lnBlToTr w="12700" cmpd="sng">
+                      <a:noFill/>
+                      <a:prstDash val="solid"/>
+                    </a:lnBlToTr>
+                  </a:tcPr>
+                </a:tc>
+              </a:tr>
+              <a:tr h="227785">
+                <a:tc>
+                  <a:txBody>
+                    <a:bodyPr/>
+                    <a:lstStyle/>
+                    <a:p>
+                      <a:pPr algn="l"/>
+                      <a:r>
+                        <a:rPr lang="en-US" sz="1000" baseline="0" dirty="0" smtClean="0">
+                          <a:effectLst/>
+                        </a:rPr>
+                        <a:t>0</a:t>
+                      </a:r>
+                      <a:endParaRPr lang="en-US" sz="1000" baseline="0" dirty="0">
+                        <a:effectLst/>
+                      </a:endParaRPr>
+                    </a:p>
+                  </a:txBody>
+                  <a:tcPr marL="50800" marR="50800" marT="25400" marB="25400" anchor="b">
+                    <a:lnL w="12700" cmpd="sng">
+                      <a:noFill/>
+                    </a:lnL>
+                    <a:lnR w="12700" cmpd="sng">
+                      <a:noFill/>
+                    </a:lnR>
+                    <a:lnT w="12700" cmpd="sng">
+                      <a:noFill/>
+                    </a:lnT>
+                    <a:lnB w="12700" cmpd="sng">
+                      <a:noFill/>
+                    </a:lnB>
+                    <a:lnTlToBr w="12700" cmpd="sng">
+                      <a:noFill/>
+                      <a:prstDash val="solid"/>
+                    </a:lnTlToBr>
+                    <a:lnBlToTr w="12700" cmpd="sng">
+                      <a:noFill/>
+                      <a:prstDash val="solid"/>
+                    </a:lnBlToTr>
+                  </a:tcPr>
+                </a:tc>
+                <a:tc>
+                  <a:txBody>
+                    <a:bodyPr/>
+                    <a:lstStyle/>
+                    <a:p>
+                      <a:pPr algn="l"/>
+                      <a:r>
+                        <a:rPr lang="en-US" sz="1000" baseline="0" dirty="0" smtClean="0">
+                          <a:effectLst/>
+                        </a:rPr>
+                        <a:t>0</a:t>
+                      </a:r>
+                      <a:endParaRPr lang="en-US" sz="1000" baseline="0" dirty="0">
+                        <a:effectLst/>
+                      </a:endParaRPr>
+                    </a:p>
+                  </a:txBody>
+                  <a:tcPr marL="50800" marR="50800" marT="25400" marB="25400" anchor="b">
+                    <a:lnL w="12700" cmpd="sng">
+                      <a:noFill/>
+                    </a:lnL>
+                    <a:lnR w="12700" cmpd="sng">
+                      <a:noFill/>
+                    </a:lnR>
+                    <a:lnT w="12700" cmpd="sng">
+                      <a:noFill/>
+                    </a:lnT>
+                    <a:lnB w="12700" cmpd="sng">
+                      <a:noFill/>
+                    </a:lnB>
+                    <a:lnTlToBr w="12700" cmpd="sng">
+                      <a:noFill/>
+                      <a:prstDash val="solid"/>
+                    </a:lnTlToBr>
+                    <a:lnBlToTr w="12700" cmpd="sng">
+                      <a:noFill/>
+                      <a:prstDash val="solid"/>
+                    </a:lnBlToTr>
+                  </a:tcPr>
+                </a:tc>
+                <a:tc>
+                  <a:txBody>
+                    <a:bodyPr/>
+                    <a:lstStyle/>
+                    <a:p>
+                      <a:pPr algn="l"/>
+                      <a:r>
+                        <a:rPr lang="en-US" sz="1000" baseline="0" dirty="0" smtClean="0">
+                          <a:effectLst/>
+                        </a:rPr>
+                        <a:t>1</a:t>
+                      </a:r>
+                      <a:endParaRPr lang="en-US" sz="1000" baseline="0" dirty="0">
+                        <a:effectLst/>
+                      </a:endParaRPr>
+                    </a:p>
+                  </a:txBody>
+                  <a:tcPr marL="50800" marR="50800" marT="25400" marB="25400" anchor="b">
+                    <a:lnL w="12700" cmpd="sng">
+                      <a:noFill/>
+                    </a:lnL>
+                    <a:lnR w="12700" cmpd="sng">
+                      <a:noFill/>
+                    </a:lnR>
+                    <a:lnT w="12700" cmpd="sng">
+                      <a:noFill/>
+                    </a:lnT>
+                    <a:lnB w="12700" cmpd="sng">
+                      <a:noFill/>
+                    </a:lnB>
+                    <a:lnTlToBr w="12700" cmpd="sng">
+                      <a:noFill/>
+                      <a:prstDash val="solid"/>
+                    </a:lnTlToBr>
+                    <a:lnBlToTr w="12700" cmpd="sng">
+                      <a:noFill/>
+                      <a:prstDash val="solid"/>
+                    </a:lnBlToTr>
+                  </a:tcPr>
+                </a:tc>
+                <a:tc>
+                  <a:txBody>
+                    <a:bodyPr/>
+                    <a:lstStyle/>
+                    <a:p>
+                      <a:pPr algn="l"/>
+                      <a:r>
+                        <a:rPr lang="en-US" sz="1000" baseline="0" dirty="0" smtClean="0">
+                          <a:effectLst/>
+                        </a:rPr>
+                        <a:t>0</a:t>
+                      </a:r>
+                      <a:endParaRPr lang="en-US" sz="1000" baseline="0" dirty="0">
+                        <a:effectLst/>
+                      </a:endParaRPr>
+                    </a:p>
+                  </a:txBody>
+                  <a:tcPr marL="50800" marR="50800" marT="25400" marB="25400" anchor="b">
+                    <a:lnL w="12700" cmpd="sng">
+                      <a:noFill/>
+                    </a:lnL>
+                    <a:lnR w="12700" cmpd="sng">
+                      <a:noFill/>
+                    </a:lnR>
+                    <a:lnT w="12700" cmpd="sng">
+                      <a:noFill/>
+                    </a:lnT>
+                    <a:lnB w="12700" cmpd="sng">
+                      <a:noFill/>
+                    </a:lnB>
+                    <a:lnTlToBr w="12700" cmpd="sng">
+                      <a:noFill/>
+                      <a:prstDash val="solid"/>
+                    </a:lnTlToBr>
+                    <a:lnBlToTr w="12700" cmpd="sng">
+                      <a:noFill/>
+                      <a:prstDash val="solid"/>
+                    </a:lnBlToTr>
+                  </a:tcPr>
+                </a:tc>
+                <a:tc>
+                  <a:txBody>
+                    <a:bodyPr/>
+                    <a:lstStyle/>
+                    <a:p>
+                      <a:pPr algn="l"/>
+                      <a:r>
+                        <a:rPr lang="en-US" sz="1000" baseline="0" dirty="0" smtClean="0">
+                          <a:effectLst/>
+                        </a:rPr>
+                        <a:t>0</a:t>
+                      </a:r>
+                      <a:endParaRPr lang="en-US" sz="1000" baseline="0" dirty="0">
+                        <a:effectLst/>
+                      </a:endParaRPr>
+                    </a:p>
+                  </a:txBody>
+                  <a:tcPr marL="50800" marR="50800" marT="25400" marB="25400" anchor="b">
+                    <a:lnL w="12700" cmpd="sng">
+                      <a:noFill/>
+                    </a:lnL>
+                    <a:lnR w="12700" cmpd="sng">
+                      <a:noFill/>
+                    </a:lnR>
+                    <a:lnT w="12700" cmpd="sng">
+                      <a:noFill/>
+                    </a:lnT>
+                    <a:lnB w="12700" cmpd="sng">
+                      <a:noFill/>
+                    </a:lnB>
+                    <a:lnTlToBr w="12700" cmpd="sng">
+                      <a:noFill/>
+                      <a:prstDash val="solid"/>
+                    </a:lnTlToBr>
+                    <a:lnBlToTr w="12700" cmpd="sng">
+                      <a:noFill/>
+                      <a:prstDash val="solid"/>
+                    </a:lnBlToTr>
+                  </a:tcPr>
+                </a:tc>
+                <a:tc>
+                  <a:txBody>
+                    <a:bodyPr/>
+                    <a:lstStyle/>
+                    <a:p>
+                      <a:pPr algn="l"/>
+                      <a:r>
+                        <a:rPr lang="en-US" sz="1000" baseline="0" dirty="0" smtClean="0">
+                          <a:effectLst/>
+                        </a:rPr>
+                        <a:t>0</a:t>
+                      </a:r>
+                      <a:endParaRPr lang="en-US" sz="1000" baseline="0" dirty="0">
+                        <a:effectLst/>
+                      </a:endParaRPr>
+                    </a:p>
+                  </a:txBody>
+                  <a:tcPr marL="50800" marR="50800" marT="25400" marB="25400" anchor="b">
+                    <a:lnL w="12700" cmpd="sng">
+                      <a:noFill/>
+                    </a:lnL>
+                    <a:lnR w="12700" cmpd="sng">
+                      <a:noFill/>
+                    </a:lnR>
+                    <a:lnT w="12700" cmpd="sng">
+                      <a:noFill/>
+                    </a:lnT>
+                    <a:lnB w="12700" cmpd="sng">
+                      <a:noFill/>
+                    </a:lnB>
+                    <a:lnTlToBr w="12700" cmpd="sng">
+                      <a:noFill/>
+                      <a:prstDash val="solid"/>
+                    </a:lnTlToBr>
+                    <a:lnBlToTr w="12700" cmpd="sng">
+                      <a:noFill/>
+                      <a:prstDash val="solid"/>
+                    </a:lnBlToTr>
+                  </a:tcPr>
+                </a:tc>
+                <a:tc>
+                  <a:txBody>
+                    <a:bodyPr/>
+                    <a:lstStyle/>
+                    <a:p>
+                      <a:pPr algn="l"/>
+                      <a:r>
+                        <a:rPr lang="en-US" sz="1000" baseline="0" dirty="0" smtClean="0">
+                          <a:effectLst/>
+                        </a:rPr>
+                        <a:t>0</a:t>
+                      </a:r>
+                      <a:endParaRPr lang="en-US" sz="1000" baseline="0" dirty="0">
+                        <a:effectLst/>
+                      </a:endParaRPr>
+                    </a:p>
+                  </a:txBody>
+                  <a:tcPr marL="50800" marR="50800" marT="25400" marB="25400" anchor="b">
+                    <a:lnL w="12700" cmpd="sng">
+                      <a:noFill/>
+                    </a:lnL>
+                    <a:lnR w="12700" cmpd="sng">
+                      <a:noFill/>
+                    </a:lnR>
+                    <a:lnT w="12700" cmpd="sng">
+                      <a:noFill/>
+                    </a:lnT>
+                    <a:lnB w="12700" cmpd="sng">
+                      <a:noFill/>
+                    </a:lnB>
+                    <a:lnTlToBr w="12700" cmpd="sng">
+                      <a:noFill/>
+                      <a:prstDash val="solid"/>
+                    </a:lnTlToBr>
+                    <a:lnBlToTr w="12700" cmpd="sng">
+                      <a:noFill/>
+                      <a:prstDash val="solid"/>
+                    </a:lnBlToTr>
+                  </a:tcPr>
+                </a:tc>
+                <a:tc>
+                  <a:txBody>
+                    <a:bodyPr/>
+                    <a:lstStyle/>
+                    <a:p>
+                      <a:pPr algn="l"/>
+                      <a:r>
+                        <a:rPr lang="en-US" sz="1000" baseline="0" dirty="0" smtClean="0">
+                          <a:effectLst/>
+                        </a:rPr>
+                        <a:t>0</a:t>
+                      </a:r>
+                      <a:endParaRPr lang="en-US" sz="1000" baseline="0" dirty="0">
+                        <a:effectLst/>
+                      </a:endParaRPr>
+                    </a:p>
+                  </a:txBody>
+                  <a:tcPr marL="50800" marR="50800" marT="25400" marB="25400" anchor="b">
+                    <a:lnL w="12700" cmpd="sng">
+                      <a:noFill/>
+                    </a:lnL>
+                    <a:lnR w="12700" cmpd="sng">
+                      <a:noFill/>
+                    </a:lnR>
+                    <a:lnT w="12700" cmpd="sng">
+                      <a:noFill/>
+                    </a:lnT>
+                    <a:lnB w="12700" cmpd="sng">
+                      <a:noFill/>
+                    </a:lnB>
+                    <a:lnTlToBr w="12700" cmpd="sng">
+                      <a:noFill/>
+                      <a:prstDash val="solid"/>
+                    </a:lnTlToBr>
+                    <a:lnBlToTr w="12700" cmpd="sng">
+                      <a:noFill/>
+                      <a:prstDash val="solid"/>
+                    </a:lnBlToTr>
+                  </a:tcPr>
+                </a:tc>
+              </a:tr>
+              <a:tr h="227785">
+                <a:tc>
+                  <a:txBody>
+                    <a:bodyPr/>
+                    <a:lstStyle/>
+                    <a:p>
+                      <a:pPr algn="l"/>
+                      <a:r>
+                        <a:rPr lang="en-US" sz="1000" baseline="0" dirty="0" smtClean="0">
+                          <a:effectLst/>
+                        </a:rPr>
+                        <a:t>0</a:t>
+                      </a:r>
+                      <a:endParaRPr lang="en-US" sz="1000" baseline="0" dirty="0">
+                        <a:effectLst/>
+                      </a:endParaRPr>
+                    </a:p>
+                  </a:txBody>
+                  <a:tcPr marL="50800" marR="50800" marT="25400" marB="25400" anchor="b">
+                    <a:lnL w="12700" cmpd="sng">
+                      <a:noFill/>
+                    </a:lnL>
+                    <a:lnR w="12700" cmpd="sng">
+                      <a:noFill/>
+                    </a:lnR>
+                    <a:lnT w="12700" cmpd="sng">
+                      <a:noFill/>
+                    </a:lnT>
+                    <a:lnB w="12700" cmpd="sng">
+                      <a:noFill/>
+                    </a:lnB>
+                    <a:lnTlToBr w="12700" cmpd="sng">
+                      <a:noFill/>
+                      <a:prstDash val="solid"/>
+                    </a:lnTlToBr>
+                    <a:lnBlToTr w="12700" cmpd="sng">
+                      <a:noFill/>
+                      <a:prstDash val="solid"/>
+                    </a:lnBlToTr>
+                  </a:tcPr>
+                </a:tc>
+                <a:tc>
+                  <a:txBody>
+                    <a:bodyPr/>
+                    <a:lstStyle/>
+                    <a:p>
+                      <a:pPr algn="l"/>
+                      <a:r>
+                        <a:rPr lang="is-IS" sz="1000" baseline="0" dirty="0" smtClean="0">
+                          <a:effectLst/>
+                        </a:rPr>
+                        <a:t>1</a:t>
+                      </a:r>
+                      <a:endParaRPr lang="en-US" sz="1000" baseline="0" dirty="0">
+                        <a:effectLst/>
+                      </a:endParaRPr>
+                    </a:p>
+                  </a:txBody>
+                  <a:tcPr marL="50800" marR="50800" marT="25400" marB="25400" anchor="b">
+                    <a:lnL w="12700" cmpd="sng">
+                      <a:noFill/>
+                    </a:lnL>
+                    <a:lnR w="12700" cmpd="sng">
+                      <a:noFill/>
+                    </a:lnR>
+                    <a:lnT w="12700" cmpd="sng">
+                      <a:noFill/>
+                    </a:lnT>
+                    <a:lnB w="12700" cmpd="sng">
+                      <a:noFill/>
+                    </a:lnB>
+                    <a:lnTlToBr w="12700" cmpd="sng">
+                      <a:noFill/>
+                      <a:prstDash val="solid"/>
+                    </a:lnTlToBr>
+                    <a:lnBlToTr w="12700" cmpd="sng">
+                      <a:noFill/>
+                      <a:prstDash val="solid"/>
+                    </a:lnBlToTr>
+                  </a:tcPr>
+                </a:tc>
+                <a:tc>
+                  <a:txBody>
+                    <a:bodyPr/>
+                    <a:lstStyle/>
+                    <a:p>
+                      <a:pPr algn="l"/>
+                      <a:r>
+                        <a:rPr lang="en-US" sz="1000" baseline="0" dirty="0" smtClean="0">
+                          <a:effectLst/>
+                        </a:rPr>
+                        <a:t>0</a:t>
+                      </a:r>
+                      <a:endParaRPr lang="en-US" sz="1000" baseline="0" dirty="0">
+                        <a:effectLst/>
+                      </a:endParaRPr>
+                    </a:p>
+                  </a:txBody>
+                  <a:tcPr marL="50800" marR="50800" marT="25400" marB="25400" anchor="b">
+                    <a:lnL w="12700" cmpd="sng">
+                      <a:noFill/>
+                    </a:lnL>
+                    <a:lnR w="12700" cmpd="sng">
+                      <a:noFill/>
+                    </a:lnR>
+                    <a:lnT w="12700" cmpd="sng">
+                      <a:noFill/>
+                    </a:lnT>
+                    <a:lnB w="12700" cmpd="sng">
+                      <a:noFill/>
+                    </a:lnB>
+                    <a:lnTlToBr w="12700" cmpd="sng">
+                      <a:noFill/>
+                      <a:prstDash val="solid"/>
+                    </a:lnTlToBr>
+                    <a:lnBlToTr w="12700" cmpd="sng">
+                      <a:noFill/>
+                      <a:prstDash val="solid"/>
+                    </a:lnBlToTr>
+                  </a:tcPr>
+                </a:tc>
+                <a:tc>
+                  <a:txBody>
+                    <a:bodyPr/>
+                    <a:lstStyle/>
+                    <a:p>
+                      <a:pPr algn="l"/>
+                      <a:r>
+                        <a:rPr lang="en-US" sz="1000" baseline="0" dirty="0" smtClean="0">
+                          <a:effectLst/>
+                        </a:rPr>
+                        <a:t>0</a:t>
+                      </a:r>
+                      <a:endParaRPr lang="en-US" sz="1000" baseline="0" dirty="0">
+                        <a:effectLst/>
+                      </a:endParaRPr>
+                    </a:p>
+                  </a:txBody>
+                  <a:tcPr marL="50800" marR="50800" marT="25400" marB="25400" anchor="b">
+                    <a:lnL w="12700" cmpd="sng">
+                      <a:noFill/>
+                    </a:lnL>
+                    <a:lnR w="12700" cmpd="sng">
+                      <a:noFill/>
+                    </a:lnR>
+                    <a:lnT w="12700" cmpd="sng">
+                      <a:noFill/>
+                    </a:lnT>
+                    <a:lnB w="12700" cmpd="sng">
+                      <a:noFill/>
+                    </a:lnB>
+                    <a:lnTlToBr w="12700" cmpd="sng">
+                      <a:noFill/>
+                      <a:prstDash val="solid"/>
+                    </a:lnTlToBr>
+                    <a:lnBlToTr w="12700" cmpd="sng">
+                      <a:noFill/>
+                      <a:prstDash val="solid"/>
+                    </a:lnBlToTr>
+                  </a:tcPr>
+                </a:tc>
+                <a:tc>
+                  <a:txBody>
+                    <a:bodyPr/>
+                    <a:lstStyle/>
+                    <a:p>
+                      <a:pPr algn="l"/>
+                      <a:r>
+                        <a:rPr lang="en-US" sz="1000" baseline="0" dirty="0" smtClean="0">
+                          <a:effectLst/>
+                        </a:rPr>
+                        <a:t>0</a:t>
+                      </a:r>
+                      <a:endParaRPr lang="en-US" sz="1000" baseline="0" dirty="0">
+                        <a:effectLst/>
+                      </a:endParaRPr>
+                    </a:p>
+                  </a:txBody>
+                  <a:tcPr marL="50800" marR="50800" marT="25400" marB="25400" anchor="b">
+                    <a:lnL w="12700" cmpd="sng">
+                      <a:noFill/>
+                    </a:lnL>
+                    <a:lnR w="12700" cmpd="sng">
+                      <a:noFill/>
+                    </a:lnR>
+                    <a:lnT w="12700" cmpd="sng">
+                      <a:noFill/>
+                    </a:lnT>
+                    <a:lnB w="12700" cmpd="sng">
+                      <a:noFill/>
+                    </a:lnB>
+                    <a:lnTlToBr w="12700" cmpd="sng">
+                      <a:noFill/>
+                      <a:prstDash val="solid"/>
+                    </a:lnTlToBr>
+                    <a:lnBlToTr w="12700" cmpd="sng">
+                      <a:noFill/>
+                      <a:prstDash val="solid"/>
+                    </a:lnBlToTr>
+                  </a:tcPr>
+                </a:tc>
+                <a:tc>
+                  <a:txBody>
+                    <a:bodyPr/>
+                    <a:lstStyle/>
+                    <a:p>
+                      <a:pPr algn="l"/>
+                      <a:r>
+                        <a:rPr lang="en-US" sz="1000" baseline="0" dirty="0" smtClean="0">
+                          <a:effectLst/>
+                        </a:rPr>
+                        <a:t>0</a:t>
+                      </a:r>
+                      <a:endParaRPr lang="en-US" sz="1000" baseline="0" dirty="0">
+                        <a:effectLst/>
+                      </a:endParaRPr>
+                    </a:p>
+                  </a:txBody>
+                  <a:tcPr marL="50800" marR="50800" marT="25400" marB="25400" anchor="b">
+                    <a:lnL w="12700" cmpd="sng">
+                      <a:noFill/>
+                    </a:lnL>
+                    <a:lnR w="12700" cmpd="sng">
+                      <a:noFill/>
+                    </a:lnR>
+                    <a:lnT w="12700" cmpd="sng">
+                      <a:noFill/>
+                    </a:lnT>
+                    <a:lnB w="12700" cmpd="sng">
+                      <a:noFill/>
+                    </a:lnB>
+                    <a:lnTlToBr w="12700" cmpd="sng">
+                      <a:noFill/>
+                      <a:prstDash val="solid"/>
+                    </a:lnTlToBr>
+                    <a:lnBlToTr w="12700" cmpd="sng">
+                      <a:noFill/>
+                      <a:prstDash val="solid"/>
+                    </a:lnBlToTr>
+                  </a:tcPr>
+                </a:tc>
+                <a:tc>
+                  <a:txBody>
+                    <a:bodyPr/>
+                    <a:lstStyle/>
+                    <a:p>
+                      <a:pPr algn="l"/>
+                      <a:r>
+                        <a:rPr lang="en-US" sz="1000" baseline="0" dirty="0" smtClean="0">
+                          <a:effectLst/>
+                        </a:rPr>
+                        <a:t>0</a:t>
+                      </a:r>
+                      <a:endParaRPr lang="en-US" sz="1000" baseline="0" dirty="0">
+                        <a:effectLst/>
+                      </a:endParaRPr>
+                    </a:p>
+                  </a:txBody>
+                  <a:tcPr marL="50800" marR="50800" marT="25400" marB="25400" anchor="b">
+                    <a:lnL w="12700" cmpd="sng">
+                      <a:noFill/>
+                    </a:lnL>
+                    <a:lnR w="12700" cmpd="sng">
+                      <a:noFill/>
+                    </a:lnR>
+                    <a:lnT w="12700" cmpd="sng">
+                      <a:noFill/>
+                    </a:lnT>
+                    <a:lnB w="12700" cmpd="sng">
+                      <a:noFill/>
+                    </a:lnB>
+                    <a:lnTlToBr w="12700" cmpd="sng">
+                      <a:noFill/>
+                      <a:prstDash val="solid"/>
+                    </a:lnTlToBr>
+                    <a:lnBlToTr w="12700" cmpd="sng">
+                      <a:noFill/>
+                      <a:prstDash val="solid"/>
+                    </a:lnBlToTr>
+                  </a:tcPr>
+                </a:tc>
+                <a:tc>
+                  <a:txBody>
+                    <a:bodyPr/>
+                    <a:lstStyle/>
+                    <a:p>
+                      <a:pPr algn="l"/>
+                      <a:r>
+                        <a:rPr lang="en-US" sz="1000" baseline="0" dirty="0" smtClean="0">
+                          <a:effectLst/>
+                        </a:rPr>
+                        <a:t>0</a:t>
+                      </a:r>
+                      <a:endParaRPr lang="en-US" sz="1000" baseline="0" dirty="0">
+                        <a:effectLst/>
+                      </a:endParaRPr>
+                    </a:p>
+                  </a:txBody>
+                  <a:tcPr marL="50800" marR="50800" marT="25400" marB="25400" anchor="b">
+                    <a:lnL w="12700" cmpd="sng">
+                      <a:noFill/>
+                    </a:lnL>
+                    <a:lnR w="12700" cmpd="sng">
+                      <a:noFill/>
+                    </a:lnR>
+                    <a:lnT w="12700" cmpd="sng">
+                      <a:noFill/>
+                    </a:lnT>
+                    <a:lnB w="12700" cmpd="sng">
+                      <a:noFill/>
+                    </a:lnB>
+                    <a:lnTlToBr w="12700" cmpd="sng">
+                      <a:noFill/>
+                      <a:prstDash val="solid"/>
+                    </a:lnTlToBr>
+                    <a:lnBlToTr w="12700" cmpd="sng">
+                      <a:noFill/>
+                      <a:prstDash val="solid"/>
+                    </a:lnBlToTr>
+                  </a:tcPr>
+                </a:tc>
+              </a:tr>
+            </a:tbl>
+          </a:graphicData>
+        </a:graphic>
+      </p:graphicFrame>
+      <p:sp>
+        <p:nvSpPr>
+          <p:cNvPr id="109" name="TextBox 108"/>
+          <p:cNvSpPr txBox="1"/>
+          <p:nvPr/>
+        </p:nvSpPr>
+        <p:spPr>
+          <a:xfrm>
+            <a:off x="9733633" y="4362503"/>
+            <a:ext cx="1402948" cy="276999"/>
+          </a:xfrm>
+          <a:prstGeom prst="rect">
+            <a:avLst/>
+          </a:prstGeom>
+          <a:noFill/>
+        </p:spPr>
+        <p:txBody>
+          <a:bodyPr wrap="none" rtlCol="0">
+            <a:spAutoFit/>
+          </a:bodyPr>
+          <a:lstStyle/>
+          <a:p>
+            <a:r>
+              <a:rPr lang="en-US" sz="1200" dirty="0" smtClean="0"/>
+              <a:t>Matching genotype</a:t>
+            </a:r>
+            <a:r>
+              <a:rPr lang="en-US" sz="1200" dirty="0" smtClean="0"/>
+              <a:t> </a:t>
+            </a:r>
+            <a:endParaRPr lang="en-US" sz="1200" dirty="0"/>
+          </a:p>
+        </p:txBody>
+      </p:sp>
+      <p:sp>
+        <p:nvSpPr>
+          <p:cNvPr id="110" name="TextBox 109"/>
+          <p:cNvSpPr txBox="1"/>
+          <p:nvPr/>
+        </p:nvSpPr>
+        <p:spPr>
+          <a:xfrm rot="16200000">
+            <a:off x="8834277" y="4834513"/>
+            <a:ext cx="1447331" cy="276999"/>
+          </a:xfrm>
+          <a:prstGeom prst="rect">
+            <a:avLst/>
+          </a:prstGeom>
+          <a:noFill/>
+        </p:spPr>
+        <p:txBody>
+          <a:bodyPr wrap="none" rtlCol="0">
+            <a:spAutoFit/>
+          </a:bodyPr>
+          <a:lstStyle/>
+          <a:p>
+            <a:r>
+              <a:rPr lang="en-US" sz="1200" dirty="0" smtClean="0"/>
+              <a:t>Matching trait value</a:t>
+            </a:r>
+            <a:r>
+              <a:rPr lang="en-US" sz="1200" dirty="0" smtClean="0"/>
+              <a:t> </a:t>
+            </a:r>
+            <a:endParaRPr lang="en-US" sz="1200" dirty="0"/>
+          </a:p>
+        </p:txBody>
+      </p:sp>
+      <p:sp>
+        <p:nvSpPr>
+          <p:cNvPr id="13" name="Rectangle 12"/>
+          <p:cNvSpPr/>
+          <p:nvPr/>
+        </p:nvSpPr>
+        <p:spPr>
+          <a:xfrm>
+            <a:off x="6977384" y="2606299"/>
+            <a:ext cx="4732016" cy="3295897"/>
+          </a:xfrm>
+          <a:prstGeom prst="rect">
+            <a:avLst/>
+          </a:prstGeom>
+          <a:noFill/>
+          <a:ln>
+            <a:solidFill>
+              <a:schemeClr val="tx1"/>
+            </a:solidFill>
+            <a:prstDash val="dot"/>
+          </a:ln>
+        </p:spPr>
+        <p:style>
+          <a:lnRef idx="1">
+            <a:schemeClr val="accent1"/>
+          </a:lnRef>
+          <a:fillRef idx="3">
+            <a:schemeClr val="accent1"/>
+          </a:fillRef>
+          <a:effectRef idx="2">
+            <a:schemeClr val="accent1"/>
+          </a:effectRef>
+          <a:fontRef idx="minor">
+            <a:schemeClr val="lt1"/>
+          </a:fontRef>
+        </p:style>
+        <p:txBody>
+          <a:bodyPr rtlCol="0" anchor="ctr"/>
+          <a:lstStyle/>
+          <a:p>
+            <a:pPr algn="ctr"/>
+            <a:endParaRPr lang="en-US"/>
+          </a:p>
+        </p:txBody>
+      </p:sp>
+      <p:sp>
+        <p:nvSpPr>
+          <p:cNvPr id="111" name="TextBox 110"/>
+          <p:cNvSpPr txBox="1"/>
+          <p:nvPr/>
+        </p:nvSpPr>
+        <p:spPr>
+          <a:xfrm>
+            <a:off x="7673451" y="2590909"/>
+            <a:ext cx="814095" cy="307777"/>
+          </a:xfrm>
+          <a:prstGeom prst="rect">
+            <a:avLst/>
+          </a:prstGeom>
+          <a:noFill/>
+        </p:spPr>
+        <p:txBody>
+          <a:bodyPr wrap="none" rtlCol="0">
+            <a:spAutoFit/>
+          </a:bodyPr>
+          <a:lstStyle/>
+          <a:p>
+            <a:r>
+              <a:rPr lang="en-US" sz="1400" dirty="0" smtClean="0">
+                <a:solidFill>
+                  <a:schemeClr val="bg1">
+                    <a:lumMod val="50000"/>
+                  </a:schemeClr>
+                </a:solidFill>
+              </a:rPr>
+              <a:t>Optional</a:t>
+            </a:r>
+            <a:endParaRPr lang="en-US" sz="1400" dirty="0">
+              <a:solidFill>
+                <a:schemeClr val="bg1">
+                  <a:lumMod val="50000"/>
+                </a:schemeClr>
+              </a:solidFill>
+            </a:endParaRPr>
+          </a:p>
+        </p:txBody>
+      </p:sp>
+      <p:sp>
+        <p:nvSpPr>
+          <p:cNvPr id="112" name="TextBox 111"/>
+          <p:cNvSpPr txBox="1"/>
+          <p:nvPr/>
+        </p:nvSpPr>
+        <p:spPr>
+          <a:xfrm>
+            <a:off x="9868174" y="2606299"/>
+            <a:ext cx="1249060" cy="307777"/>
+          </a:xfrm>
+          <a:prstGeom prst="rect">
+            <a:avLst/>
+          </a:prstGeom>
+          <a:noFill/>
+        </p:spPr>
+        <p:txBody>
+          <a:bodyPr wrap="none" rtlCol="0">
+            <a:spAutoFit/>
+          </a:bodyPr>
+          <a:lstStyle/>
+          <a:p>
+            <a:r>
+              <a:rPr lang="en-US" sz="1400" dirty="0" smtClean="0">
+                <a:solidFill>
+                  <a:schemeClr val="bg1">
+                    <a:lumMod val="50000"/>
+                  </a:schemeClr>
+                </a:solidFill>
+              </a:rPr>
+              <a:t>Only if needed</a:t>
+            </a:r>
+            <a:endParaRPr lang="en-US" sz="1400" dirty="0">
+              <a:solidFill>
+                <a:schemeClr val="bg1">
+                  <a:lumMod val="50000"/>
+                </a:schemeClr>
+              </a:solidFill>
+            </a:endParaRPr>
+          </a:p>
+        </p:txBody>
+      </p:sp>
     </p:spTree>
     <p:extLst>
       <p:ext uri="{BB962C8B-B14F-4D97-AF65-F5344CB8AC3E}">
@@ -12697,7 +11617,7 @@
   <a:extraClrSchemeLst/>
   <a:extLst>
     <a:ext uri="{05A4C25C-085E-4340-85A3-A5531E510DB2}">
-      <thm15:themeFamily xmlns:thm15="http://schemas.microsoft.com/office/thememl/2012/main" xmlns="" name="Office Theme" id="{62F939B6-93AF-4DB8-9C6B-D6C7DFDC589F}" vid="{4A3C46E8-61CC-4603-A589-7422A47A8E4A}"/>
+      <thm15:themeFamily xmlns="" xmlns:thm15="http://schemas.microsoft.com/office/thememl/2012/main" name="Office Theme" id="{62F939B6-93AF-4DB8-9C6B-D6C7DFDC589F}" vid="{4A3C46E8-61CC-4603-A589-7422A47A8E4A}"/>
     </a:ext>
   </a:extLst>
 </a:theme>

--- a/MyPackage/ShinyApp/HomeScreen.pptx
+++ b/MyPackage/ShinyApp/HomeScreen.pptx
@@ -106,7 +106,7 @@
   </p:defaultTextStyle>
   <p:extLst>
     <p:ext uri="{EFAFB233-063F-42B5-8137-9DF3F51BA10A}">
-      <p15:sldGuideLst xmlns="" xmlns:p15="http://schemas.microsoft.com/office/powerpoint/2012/main"/>
+      <p15:sldGuideLst xmlns:p15="http://schemas.microsoft.com/office/powerpoint/2012/main" xmlns=""/>
     </p:ext>
   </p:extLst>
 </p:presentation>
@@ -243,7 +243,7 @@
           <a:p>
             <a:fld id="{C3EA6240-1202-E147-8B12-415DCA4BDBE3}" type="datetimeFigureOut">
               <a:rPr lang="en-US" smtClean="0"/>
-              <a:t>15/11/17</a:t>
+              <a:t>9/3/18</a:t>
             </a:fld>
             <a:endParaRPr lang="en-US"/>
           </a:p>
@@ -408,7 +408,7 @@
           <a:p>
             <a:fld id="{C3EA6240-1202-E147-8B12-415DCA4BDBE3}" type="datetimeFigureOut">
               <a:rPr lang="en-US" smtClean="0"/>
-              <a:t>15/11/17</a:t>
+              <a:t>9/3/18</a:t>
             </a:fld>
             <a:endParaRPr lang="en-US"/>
           </a:p>
@@ -583,7 +583,7 @@
           <a:p>
             <a:fld id="{C3EA6240-1202-E147-8B12-415DCA4BDBE3}" type="datetimeFigureOut">
               <a:rPr lang="en-US" smtClean="0"/>
-              <a:t>15/11/17</a:t>
+              <a:t>9/3/18</a:t>
             </a:fld>
             <a:endParaRPr lang="en-US"/>
           </a:p>
@@ -748,7 +748,7 @@
           <a:p>
             <a:fld id="{C3EA6240-1202-E147-8B12-415DCA4BDBE3}" type="datetimeFigureOut">
               <a:rPr lang="en-US" smtClean="0"/>
-              <a:t>15/11/17</a:t>
+              <a:t>9/3/18</a:t>
             </a:fld>
             <a:endParaRPr lang="en-US"/>
           </a:p>
@@ -987,7 +987,7 @@
           <a:p>
             <a:fld id="{C3EA6240-1202-E147-8B12-415DCA4BDBE3}" type="datetimeFigureOut">
               <a:rPr lang="en-US" smtClean="0"/>
-              <a:t>15/11/17</a:t>
+              <a:t>9/3/18</a:t>
             </a:fld>
             <a:endParaRPr lang="en-US"/>
           </a:p>
@@ -1214,7 +1214,7 @@
           <a:p>
             <a:fld id="{C3EA6240-1202-E147-8B12-415DCA4BDBE3}" type="datetimeFigureOut">
               <a:rPr lang="en-US" smtClean="0"/>
-              <a:t>15/11/17</a:t>
+              <a:t>9/3/18</a:t>
             </a:fld>
             <a:endParaRPr lang="en-US"/>
           </a:p>
@@ -1576,7 +1576,7 @@
           <a:p>
             <a:fld id="{C3EA6240-1202-E147-8B12-415DCA4BDBE3}" type="datetimeFigureOut">
               <a:rPr lang="en-US" smtClean="0"/>
-              <a:t>15/11/17</a:t>
+              <a:t>9/3/18</a:t>
             </a:fld>
             <a:endParaRPr lang="en-US"/>
           </a:p>
@@ -1689,7 +1689,7 @@
           <a:p>
             <a:fld id="{C3EA6240-1202-E147-8B12-415DCA4BDBE3}" type="datetimeFigureOut">
               <a:rPr lang="en-US" smtClean="0"/>
-              <a:t>15/11/17</a:t>
+              <a:t>9/3/18</a:t>
             </a:fld>
             <a:endParaRPr lang="en-US"/>
           </a:p>
@@ -1779,7 +1779,7 @@
           <a:p>
             <a:fld id="{C3EA6240-1202-E147-8B12-415DCA4BDBE3}" type="datetimeFigureOut">
               <a:rPr lang="en-US" smtClean="0"/>
-              <a:t>15/11/17</a:t>
+              <a:t>9/3/18</a:t>
             </a:fld>
             <a:endParaRPr lang="en-US"/>
           </a:p>
@@ -2051,7 +2051,7 @@
           <a:p>
             <a:fld id="{C3EA6240-1202-E147-8B12-415DCA4BDBE3}" type="datetimeFigureOut">
               <a:rPr lang="en-US" smtClean="0"/>
-              <a:t>15/11/17</a:t>
+              <a:t>9/3/18</a:t>
             </a:fld>
             <a:endParaRPr lang="en-US"/>
           </a:p>
@@ -2303,7 +2303,7 @@
           <a:p>
             <a:fld id="{C3EA6240-1202-E147-8B12-415DCA4BDBE3}" type="datetimeFigureOut">
               <a:rPr lang="en-US" smtClean="0"/>
-              <a:t>15/11/17</a:t>
+              <a:t>9/3/18</a:t>
             </a:fld>
             <a:endParaRPr lang="en-US"/>
           </a:p>
@@ -2511,7 +2511,7 @@
           <a:p>
             <a:fld id="{C3EA6240-1202-E147-8B12-415DCA4BDBE3}" type="datetimeFigureOut">
               <a:rPr lang="en-US" smtClean="0"/>
-              <a:t>15/11/17</a:t>
+              <a:t>9/3/18</a:t>
             </a:fld>
             <a:endParaRPr lang="en-US"/>
           </a:p>
@@ -4928,27 +4928,7 @@
                   </a:schemeClr>
                 </a:solidFill>
               </a:rPr>
-              <a:t>                </a:t>
-            </a:r>
-            <a:r>
-              <a:rPr lang="en-US" sz="1400" dirty="0" smtClean="0">
-                <a:solidFill>
-                  <a:schemeClr val="bg1">
-                    <a:lumMod val="50000"/>
-                  </a:schemeClr>
-                </a:solidFill>
-              </a:rPr>
-              <a:t>plain </a:t>
-            </a:r>
-            <a:r>
-              <a:rPr lang="en-US" sz="1400" dirty="0" smtClean="0">
-                <a:solidFill>
-                  <a:schemeClr val="bg1">
-                    <a:lumMod val="50000"/>
-                  </a:schemeClr>
-                </a:solidFill>
-              </a:rPr>
-              <a:t>text</a:t>
+              <a:t>                plain text</a:t>
             </a:r>
             <a:endParaRPr lang="en-US" sz="1400" dirty="0">
               <a:solidFill>
@@ -6531,8 +6511,8 @@
         </p:nvSpPr>
         <p:spPr>
           <a:xfrm>
-            <a:off x="4455668" y="4435353"/>
-            <a:ext cx="1666529" cy="261610"/>
+            <a:off x="4631764" y="4263593"/>
+            <a:ext cx="1382679" cy="430887"/>
           </a:xfrm>
           <a:prstGeom prst="rect">
             <a:avLst/>
@@ -6547,7 +6527,26 @@
           <a:p>
             <a:r>
               <a:rPr lang="en-US" sz="1100" dirty="0"/>
-              <a:t>3 traits and 4 fixed effects</a:t>
+              <a:t>2</a:t>
+            </a:r>
+            <a:r>
+              <a:rPr lang="en-US" sz="1100" dirty="0" smtClean="0"/>
+              <a:t> traits (y1 &amp; y2) </a:t>
+            </a:r>
+            <a:r>
+              <a:rPr lang="en-US" sz="1100" dirty="0"/>
+              <a:t>and </a:t>
+            </a:r>
+            <a:endParaRPr lang="en-US" sz="1100" dirty="0" smtClean="0"/>
+          </a:p>
+          <a:p>
+            <a:r>
+              <a:rPr lang="en-US" sz="1100" dirty="0" smtClean="0"/>
+              <a:t>4 </a:t>
+            </a:r>
+            <a:r>
+              <a:rPr lang="en-US" sz="1100" dirty="0"/>
+              <a:t>fixed effects</a:t>
             </a:r>
           </a:p>
         </p:txBody>
@@ -9619,7 +9618,6 @@
               <a:rPr lang="en-US" dirty="0"/>
               <a:t>1</a:t>
             </a:r>
-            <a:endParaRPr lang="en-US" dirty="0"/>
           </a:p>
         </p:txBody>
       </p:sp>
@@ -11169,11 +11167,7 @@
           <a:p>
             <a:r>
               <a:rPr lang="en-US" sz="1200" dirty="0" smtClean="0"/>
-              <a:t>Matching genotype</a:t>
-            </a:r>
-            <a:r>
-              <a:rPr lang="en-US" sz="1200" dirty="0" smtClean="0"/>
-              <a:t> </a:t>
+              <a:t>Matching genotype </a:t>
             </a:r>
             <a:endParaRPr lang="en-US" sz="1200" dirty="0"/>
           </a:p>
@@ -11203,11 +11197,7 @@
           <a:p>
             <a:r>
               <a:rPr lang="en-US" sz="1200" dirty="0" smtClean="0"/>
-              <a:t>Matching trait value</a:t>
-            </a:r>
-            <a:r>
-              <a:rPr lang="en-US" sz="1200" dirty="0" smtClean="0"/>
-              <a:t> </a:t>
+              <a:t>Matching trait value </a:t>
             </a:r>
             <a:endParaRPr lang="en-US" sz="1200" dirty="0"/>
           </a:p>
@@ -11617,7 +11607,7 @@
   <a:extraClrSchemeLst/>
   <a:extLst>
     <a:ext uri="{05A4C25C-085E-4340-85A3-A5531E510DB2}">
-      <thm15:themeFamily xmlns="" xmlns:thm15="http://schemas.microsoft.com/office/thememl/2012/main" name="Office Theme" id="{62F939B6-93AF-4DB8-9C6B-D6C7DFDC589F}" vid="{4A3C46E8-61CC-4603-A589-7422A47A8E4A}"/>
+      <thm15:themeFamily xmlns:thm15="http://schemas.microsoft.com/office/thememl/2012/main" xmlns="" name="Office Theme" id="{62F939B6-93AF-4DB8-9C6B-D6C7DFDC589F}" vid="{4A3C46E8-61CC-4603-A589-7422A47A8E4A}"/>
     </a:ext>
   </a:extLst>
 </a:theme>
